--- a/Module I/01/01.pptx
+++ b/Module I/01/01.pptx
@@ -5,10 +5,13 @@
     <p:sldMasterId id="2147483648" r:id="rId1"/>
   </p:sldMasterIdLst>
   <p:notesMasterIdLst>
-    <p:notesMasterId r:id="rId3"/>
+    <p:notesMasterId r:id="rId6"/>
   </p:notesMasterIdLst>
   <p:sldIdLst>
     <p:sldId id="256" r:id="rId2"/>
+    <p:sldId id="257" r:id="rId3"/>
+    <p:sldId id="258" r:id="rId4"/>
+    <p:sldId id="259" r:id="rId5"/>
   </p:sldIdLst>
   <p:sldSz cx="12192000" cy="6858000"/>
   <p:notesSz cx="6858000" cy="9144000"/>
@@ -3829,10 +3832,8282 @@
           <a:chExt cx="0" cy="0"/>
         </a:xfrm>
       </p:grpSpPr>
+      <p:sp>
+        <p:nvSpPr>
+          <p:cNvPr id="2" name="Rectangle: Rounded Corners 1">
+            <a:extLst>
+              <a:ext uri="{FF2B5EF4-FFF2-40B4-BE49-F238E27FC236}">
+                <a16:creationId xmlns:a16="http://schemas.microsoft.com/office/drawing/2014/main" id="{EA412190-4B92-761E-1A6B-40579D175EB2}"/>
+              </a:ext>
+            </a:extLst>
+          </p:cNvPr>
+          <p:cNvSpPr/>
+          <p:nvPr/>
+        </p:nvSpPr>
+        <p:spPr>
+          <a:xfrm>
+            <a:off x="1204111" y="1113576"/>
+            <a:ext cx="1430447" cy="841973"/>
+          </a:xfrm>
+          <a:prstGeom prst="roundRect">
+            <a:avLst/>
+          </a:prstGeom>
+          <a:noFill/>
+        </p:spPr>
+        <p:style>
+          <a:lnRef idx="2">
+            <a:schemeClr val="accent1">
+              <a:shade val="15000"/>
+            </a:schemeClr>
+          </a:lnRef>
+          <a:fillRef idx="1">
+            <a:schemeClr val="accent1"/>
+          </a:fillRef>
+          <a:effectRef idx="0">
+            <a:schemeClr val="accent1"/>
+          </a:effectRef>
+          <a:fontRef idx="minor">
+            <a:schemeClr val="lt1"/>
+          </a:fontRef>
+        </p:style>
+        <p:txBody>
+          <a:bodyPr rtlCol="0" anchor="ctr"/>
+          <a:lstStyle/>
+          <a:p>
+            <a:pPr algn="ctr"/>
+            <a:endParaRPr lang="es-419">
+              <a:latin typeface="Arial" panose="020B0604020202020204" pitchFamily="34" charset="0"/>
+              <a:cs typeface="Arial" panose="020B0604020202020204" pitchFamily="34" charset="0"/>
+            </a:endParaRPr>
+          </a:p>
+        </p:txBody>
+      </p:sp>
+      <p:sp>
+        <p:nvSpPr>
+          <p:cNvPr id="3" name="Parallelogram 2">
+            <a:extLst>
+              <a:ext uri="{FF2B5EF4-FFF2-40B4-BE49-F238E27FC236}">
+                <a16:creationId xmlns:a16="http://schemas.microsoft.com/office/drawing/2014/main" id="{7A662248-C65D-9EA2-DF12-1D6A7768B999}"/>
+              </a:ext>
+            </a:extLst>
+          </p:cNvPr>
+          <p:cNvSpPr/>
+          <p:nvPr/>
+        </p:nvSpPr>
+        <p:spPr>
+          <a:xfrm>
+            <a:off x="1204111" y="2064190"/>
+            <a:ext cx="1430447" cy="380245"/>
+          </a:xfrm>
+          <a:prstGeom prst="parallelogram">
+            <a:avLst/>
+          </a:prstGeom>
+          <a:noFill/>
+        </p:spPr>
+        <p:style>
+          <a:lnRef idx="2">
+            <a:schemeClr val="accent1">
+              <a:shade val="15000"/>
+            </a:schemeClr>
+          </a:lnRef>
+          <a:fillRef idx="1">
+            <a:schemeClr val="accent1"/>
+          </a:fillRef>
+          <a:effectRef idx="0">
+            <a:schemeClr val="accent1"/>
+          </a:effectRef>
+          <a:fontRef idx="minor">
+            <a:schemeClr val="lt1"/>
+          </a:fontRef>
+        </p:style>
+        <p:txBody>
+          <a:bodyPr rtlCol="0" anchor="ctr"/>
+          <a:lstStyle/>
+          <a:p>
+            <a:pPr algn="ctr"/>
+            <a:endParaRPr lang="es-419">
+              <a:latin typeface="Arial" panose="020B0604020202020204" pitchFamily="34" charset="0"/>
+              <a:cs typeface="Arial" panose="020B0604020202020204" pitchFamily="34" charset="0"/>
+            </a:endParaRPr>
+          </a:p>
+        </p:txBody>
+      </p:sp>
+      <p:sp>
+        <p:nvSpPr>
+          <p:cNvPr id="4" name="TextBox 3">
+            <a:extLst>
+              <a:ext uri="{FF2B5EF4-FFF2-40B4-BE49-F238E27FC236}">
+                <a16:creationId xmlns:a16="http://schemas.microsoft.com/office/drawing/2014/main" id="{9BB11E2C-AC2B-57B0-FFB4-86C5BE411D67}"/>
+              </a:ext>
+            </a:extLst>
+          </p:cNvPr>
+          <p:cNvSpPr txBox="1"/>
+          <p:nvPr/>
+        </p:nvSpPr>
+        <p:spPr>
+          <a:xfrm>
+            <a:off x="1354756" y="1113576"/>
+            <a:ext cx="582211" cy="369332"/>
+          </a:xfrm>
+          <a:prstGeom prst="rect">
+            <a:avLst/>
+          </a:prstGeom>
+          <a:noFill/>
+        </p:spPr>
+        <p:txBody>
+          <a:bodyPr wrap="none" rtlCol="0">
+            <a:spAutoFit/>
+          </a:bodyPr>
+          <a:lstStyle/>
+          <a:p>
+            <a:r>
+              <a:rPr lang="es-419" dirty="0" err="1">
+                <a:latin typeface="Arial" panose="020B0604020202020204" pitchFamily="34" charset="0"/>
+                <a:cs typeface="Arial" panose="020B0604020202020204" pitchFamily="34" charset="0"/>
+              </a:rPr>
+              <a:t>Win</a:t>
+            </a:r>
+            <a:endParaRPr lang="es-419" dirty="0">
+              <a:latin typeface="Arial" panose="020B0604020202020204" pitchFamily="34" charset="0"/>
+              <a:cs typeface="Arial" panose="020B0604020202020204" pitchFamily="34" charset="0"/>
+            </a:endParaRPr>
+          </a:p>
+        </p:txBody>
+      </p:sp>
+      <p:sp>
+        <p:nvSpPr>
+          <p:cNvPr id="5" name="TextBox 4">
+            <a:extLst>
+              <a:ext uri="{FF2B5EF4-FFF2-40B4-BE49-F238E27FC236}">
+                <a16:creationId xmlns:a16="http://schemas.microsoft.com/office/drawing/2014/main" id="{F516836C-3B03-BA19-2CCA-95642F516360}"/>
+              </a:ext>
+            </a:extLst>
+          </p:cNvPr>
+          <p:cNvSpPr txBox="1"/>
+          <p:nvPr/>
+        </p:nvSpPr>
+        <p:spPr>
+          <a:xfrm>
+            <a:off x="2016890" y="1543616"/>
+            <a:ext cx="556563" cy="369332"/>
+          </a:xfrm>
+          <a:prstGeom prst="rect">
+            <a:avLst/>
+          </a:prstGeom>
+          <a:noFill/>
+        </p:spPr>
+        <p:txBody>
+          <a:bodyPr wrap="none" rtlCol="0">
+            <a:spAutoFit/>
+          </a:bodyPr>
+          <a:lstStyle/>
+          <a:p>
+            <a:r>
+              <a:rPr lang="es-419" dirty="0">
+                <a:latin typeface="Arial" panose="020B0604020202020204" pitchFamily="34" charset="0"/>
+                <a:cs typeface="Arial" panose="020B0604020202020204" pitchFamily="34" charset="0"/>
+              </a:rPr>
+              <a:t>exe</a:t>
+            </a:r>
+          </a:p>
+        </p:txBody>
+      </p:sp>
+      <p:sp>
+        <p:nvSpPr>
+          <p:cNvPr id="6" name="TextBox 5">
+            <a:extLst>
+              <a:ext uri="{FF2B5EF4-FFF2-40B4-BE49-F238E27FC236}">
+                <a16:creationId xmlns:a16="http://schemas.microsoft.com/office/drawing/2014/main" id="{3AB1D791-2346-5F25-9B7E-C77C901CE0EA}"/>
+              </a:ext>
+            </a:extLst>
+          </p:cNvPr>
+          <p:cNvSpPr txBox="1"/>
+          <p:nvPr/>
+        </p:nvSpPr>
+        <p:spPr>
+          <a:xfrm>
+            <a:off x="1090225" y="706171"/>
+            <a:ext cx="774571" cy="369332"/>
+          </a:xfrm>
+          <a:prstGeom prst="rect">
+            <a:avLst/>
+          </a:prstGeom>
+          <a:noFill/>
+        </p:spPr>
+        <p:txBody>
+          <a:bodyPr wrap="none" rtlCol="0">
+            <a:spAutoFit/>
+          </a:bodyPr>
+          <a:lstStyle/>
+          <a:p>
+            <a:r>
+              <a:rPr lang="es-419" dirty="0">
+                <a:latin typeface="Arial" panose="020B0604020202020204" pitchFamily="34" charset="0"/>
+                <a:cs typeface="Arial" panose="020B0604020202020204" pitchFamily="34" charset="0"/>
+              </a:rPr>
+              <a:t>Client</a:t>
+            </a:r>
+          </a:p>
+        </p:txBody>
+      </p:sp>
+      <p:sp>
+        <p:nvSpPr>
+          <p:cNvPr id="7" name="Cylinder 6">
+            <a:extLst>
+              <a:ext uri="{FF2B5EF4-FFF2-40B4-BE49-F238E27FC236}">
+                <a16:creationId xmlns:a16="http://schemas.microsoft.com/office/drawing/2014/main" id="{AC3F66FD-4B33-8F25-87AC-9A365C6E020A}"/>
+              </a:ext>
+            </a:extLst>
+          </p:cNvPr>
+          <p:cNvSpPr/>
+          <p:nvPr/>
+        </p:nvSpPr>
+        <p:spPr>
+          <a:xfrm>
+            <a:off x="4843604" y="2824681"/>
+            <a:ext cx="688063" cy="778598"/>
+          </a:xfrm>
+          <a:prstGeom prst="can">
+            <a:avLst/>
+          </a:prstGeom>
+          <a:noFill/>
+        </p:spPr>
+        <p:style>
+          <a:lnRef idx="2">
+            <a:schemeClr val="accent1">
+              <a:shade val="15000"/>
+            </a:schemeClr>
+          </a:lnRef>
+          <a:fillRef idx="1">
+            <a:schemeClr val="accent1"/>
+          </a:fillRef>
+          <a:effectRef idx="0">
+            <a:schemeClr val="accent1"/>
+          </a:effectRef>
+          <a:fontRef idx="minor">
+            <a:schemeClr val="lt1"/>
+          </a:fontRef>
+        </p:style>
+        <p:txBody>
+          <a:bodyPr rtlCol="0" anchor="ctr"/>
+          <a:lstStyle/>
+          <a:p>
+            <a:pPr algn="ctr"/>
+            <a:r>
+              <a:rPr lang="es-419" dirty="0">
+                <a:solidFill>
+                  <a:sysClr val="windowText" lastClr="000000"/>
+                </a:solidFill>
+                <a:latin typeface="Arial" panose="020B0604020202020204" pitchFamily="34" charset="0"/>
+                <a:cs typeface="Arial" panose="020B0604020202020204" pitchFamily="34" charset="0"/>
+              </a:rPr>
+              <a:t>BD</a:t>
+            </a:r>
+          </a:p>
+        </p:txBody>
+      </p:sp>
+      <p:cxnSp>
+        <p:nvCxnSpPr>
+          <p:cNvPr id="8" name="Straight Arrow Connector 7">
+            <a:extLst>
+              <a:ext uri="{FF2B5EF4-FFF2-40B4-BE49-F238E27FC236}">
+                <a16:creationId xmlns:a16="http://schemas.microsoft.com/office/drawing/2014/main" id="{810D1CD1-14A0-50CF-7E3E-B6CA6BE5FB9C}"/>
+              </a:ext>
+            </a:extLst>
+          </p:cNvPr>
+          <p:cNvCxnSpPr>
+            <a:endCxn id="7" idx="2"/>
+          </p:cNvCxnSpPr>
+          <p:nvPr/>
+        </p:nvCxnSpPr>
+        <p:spPr>
+          <a:xfrm>
+            <a:off x="2587027" y="2254313"/>
+            <a:ext cx="2256577" cy="959667"/>
+          </a:xfrm>
+          <a:prstGeom prst="straightConnector1">
+            <a:avLst/>
+          </a:prstGeom>
+          <a:ln>
+            <a:tailEnd type="triangle"/>
+          </a:ln>
+        </p:spPr>
+        <p:style>
+          <a:lnRef idx="1">
+            <a:schemeClr val="accent1"/>
+          </a:lnRef>
+          <a:fillRef idx="0">
+            <a:schemeClr val="accent1"/>
+          </a:fillRef>
+          <a:effectRef idx="0">
+            <a:schemeClr val="accent1"/>
+          </a:effectRef>
+          <a:fontRef idx="minor">
+            <a:schemeClr val="tx1"/>
+          </a:fontRef>
+        </p:style>
+      </p:cxnSp>
+      <p:sp>
+        <p:nvSpPr>
+          <p:cNvPr id="9" name="Rectangle 8">
+            <a:extLst>
+              <a:ext uri="{FF2B5EF4-FFF2-40B4-BE49-F238E27FC236}">
+                <a16:creationId xmlns:a16="http://schemas.microsoft.com/office/drawing/2014/main" id="{F1313CB5-1FF5-3AD4-631B-2EED9E82D303}"/>
+              </a:ext>
+            </a:extLst>
+          </p:cNvPr>
+          <p:cNvSpPr/>
+          <p:nvPr/>
+        </p:nvSpPr>
+        <p:spPr>
+          <a:xfrm>
+            <a:off x="4725909" y="3949063"/>
+            <a:ext cx="3228720" cy="2175606"/>
+          </a:xfrm>
+          <a:prstGeom prst="rect">
+            <a:avLst/>
+          </a:prstGeom>
+          <a:noFill/>
+        </p:spPr>
+        <p:style>
+          <a:lnRef idx="2">
+            <a:schemeClr val="accent1">
+              <a:shade val="15000"/>
+            </a:schemeClr>
+          </a:lnRef>
+          <a:fillRef idx="1">
+            <a:schemeClr val="accent1"/>
+          </a:fillRef>
+          <a:effectRef idx="0">
+            <a:schemeClr val="accent1"/>
+          </a:effectRef>
+          <a:fontRef idx="minor">
+            <a:schemeClr val="lt1"/>
+          </a:fontRef>
+        </p:style>
+        <p:txBody>
+          <a:bodyPr rtlCol="0" anchor="ctr"/>
+          <a:lstStyle/>
+          <a:p>
+            <a:pPr algn="ctr"/>
+            <a:endParaRPr lang="es-419"/>
+          </a:p>
+        </p:txBody>
+      </p:sp>
+      <p:sp>
+        <p:nvSpPr>
+          <p:cNvPr id="10" name="Rectangle 9">
+            <a:extLst>
+              <a:ext uri="{FF2B5EF4-FFF2-40B4-BE49-F238E27FC236}">
+                <a16:creationId xmlns:a16="http://schemas.microsoft.com/office/drawing/2014/main" id="{EF80FE14-F10A-1F1A-59AF-B52BF866B204}"/>
+              </a:ext>
+            </a:extLst>
+          </p:cNvPr>
+          <p:cNvSpPr/>
+          <p:nvPr/>
+        </p:nvSpPr>
+        <p:spPr>
+          <a:xfrm>
+            <a:off x="4934139" y="4128380"/>
+            <a:ext cx="2866902" cy="1855961"/>
+          </a:xfrm>
+          <a:prstGeom prst="rect">
+            <a:avLst/>
+          </a:prstGeom>
+          <a:noFill/>
+        </p:spPr>
+        <p:style>
+          <a:lnRef idx="2">
+            <a:schemeClr val="accent1">
+              <a:shade val="15000"/>
+            </a:schemeClr>
+          </a:lnRef>
+          <a:fillRef idx="1">
+            <a:schemeClr val="accent1"/>
+          </a:fillRef>
+          <a:effectRef idx="0">
+            <a:schemeClr val="accent1"/>
+          </a:effectRef>
+          <a:fontRef idx="minor">
+            <a:schemeClr val="lt1"/>
+          </a:fontRef>
+        </p:style>
+        <p:txBody>
+          <a:bodyPr rtlCol="0" anchor="ctr"/>
+          <a:lstStyle/>
+          <a:p>
+            <a:pPr algn="ctr"/>
+            <a:endParaRPr lang="es-419"/>
+          </a:p>
+        </p:txBody>
+      </p:sp>
+      <p:sp>
+        <p:nvSpPr>
+          <p:cNvPr id="11" name="TextBox 10">
+            <a:extLst>
+              <a:ext uri="{FF2B5EF4-FFF2-40B4-BE49-F238E27FC236}">
+                <a16:creationId xmlns:a16="http://schemas.microsoft.com/office/drawing/2014/main" id="{E8D76558-836B-ED50-BE5C-6161DF4ACDC8}"/>
+              </a:ext>
+            </a:extLst>
+          </p:cNvPr>
+          <p:cNvSpPr txBox="1"/>
+          <p:nvPr/>
+        </p:nvSpPr>
+        <p:spPr>
+          <a:xfrm>
+            <a:off x="4911730" y="4128380"/>
+            <a:ext cx="2207656" cy="369332"/>
+          </a:xfrm>
+          <a:prstGeom prst="rect">
+            <a:avLst/>
+          </a:prstGeom>
+          <a:noFill/>
+        </p:spPr>
+        <p:txBody>
+          <a:bodyPr wrap="none" rtlCol="0">
+            <a:spAutoFit/>
+          </a:bodyPr>
+          <a:lstStyle/>
+          <a:p>
+            <a:r>
+              <a:rPr lang="es-419" dirty="0"/>
+              <a:t>VM (</a:t>
+            </a:r>
+            <a:r>
+              <a:rPr lang="es-419" dirty="0" err="1"/>
+              <a:t>Win</a:t>
+            </a:r>
+            <a:r>
+              <a:rPr lang="es-419" dirty="0"/>
+              <a:t>, Linux, Mac)</a:t>
+            </a:r>
+          </a:p>
+        </p:txBody>
+      </p:sp>
+      <p:sp>
+        <p:nvSpPr>
+          <p:cNvPr id="12" name="Rectangle 11">
+            <a:extLst>
+              <a:ext uri="{FF2B5EF4-FFF2-40B4-BE49-F238E27FC236}">
+                <a16:creationId xmlns:a16="http://schemas.microsoft.com/office/drawing/2014/main" id="{F02D9E3A-E6A5-77C8-5309-AF9BDFDA72D4}"/>
+              </a:ext>
+            </a:extLst>
+          </p:cNvPr>
+          <p:cNvSpPr/>
+          <p:nvPr/>
+        </p:nvSpPr>
+        <p:spPr>
+          <a:xfrm>
+            <a:off x="5187635" y="4697493"/>
+            <a:ext cx="654581" cy="369332"/>
+          </a:xfrm>
+          <a:prstGeom prst="rect">
+            <a:avLst/>
+          </a:prstGeom>
+          <a:noFill/>
+        </p:spPr>
+        <p:style>
+          <a:lnRef idx="2">
+            <a:schemeClr val="accent1">
+              <a:shade val="15000"/>
+            </a:schemeClr>
+          </a:lnRef>
+          <a:fillRef idx="1">
+            <a:schemeClr val="accent1"/>
+          </a:fillRef>
+          <a:effectRef idx="0">
+            <a:schemeClr val="accent1"/>
+          </a:effectRef>
+          <a:fontRef idx="minor">
+            <a:schemeClr val="lt1"/>
+          </a:fontRef>
+        </p:style>
+        <p:txBody>
+          <a:bodyPr rtlCol="0" anchor="ctr"/>
+          <a:lstStyle/>
+          <a:p>
+            <a:pPr algn="ctr"/>
+            <a:endParaRPr lang="es-419"/>
+          </a:p>
+        </p:txBody>
+      </p:sp>
+      <p:sp>
+        <p:nvSpPr>
+          <p:cNvPr id="13" name="TextBox 12">
+            <a:extLst>
+              <a:ext uri="{FF2B5EF4-FFF2-40B4-BE49-F238E27FC236}">
+                <a16:creationId xmlns:a16="http://schemas.microsoft.com/office/drawing/2014/main" id="{7A3888C5-CC29-81BA-A61A-6427275D46B8}"/>
+              </a:ext>
+            </a:extLst>
+          </p:cNvPr>
+          <p:cNvSpPr txBox="1"/>
+          <p:nvPr/>
+        </p:nvSpPr>
+        <p:spPr>
+          <a:xfrm>
+            <a:off x="3538325" y="4103886"/>
+            <a:ext cx="861133" cy="1323439"/>
+          </a:xfrm>
+          <a:prstGeom prst="rect">
+            <a:avLst/>
+          </a:prstGeom>
+          <a:noFill/>
+        </p:spPr>
+        <p:txBody>
+          <a:bodyPr wrap="none" rtlCol="0">
+            <a:spAutoFit/>
+          </a:bodyPr>
+          <a:lstStyle/>
+          <a:p>
+            <a:r>
+              <a:rPr lang="es-419" dirty="0"/>
+              <a:t>O.S.</a:t>
+            </a:r>
+          </a:p>
+          <a:p>
+            <a:r>
+              <a:rPr lang="es-419" dirty="0" err="1"/>
+              <a:t>Win</a:t>
+            </a:r>
+            <a:endParaRPr lang="es-419" dirty="0"/>
+          </a:p>
+          <a:p>
+            <a:r>
+              <a:rPr lang="es-419" sz="2400" b="1" dirty="0"/>
+              <a:t>Linux</a:t>
+            </a:r>
+          </a:p>
+          <a:p>
+            <a:r>
+              <a:rPr lang="es-419" sz="2000" dirty="0"/>
+              <a:t>Mac</a:t>
+            </a:r>
+            <a:endParaRPr lang="es-419" dirty="0"/>
+          </a:p>
+        </p:txBody>
+      </p:sp>
+      <p:sp>
+        <p:nvSpPr>
+          <p:cNvPr id="14" name="Rectangle 13">
+            <a:extLst>
+              <a:ext uri="{FF2B5EF4-FFF2-40B4-BE49-F238E27FC236}">
+                <a16:creationId xmlns:a16="http://schemas.microsoft.com/office/drawing/2014/main" id="{2DD42F9A-BE5F-3749-EBA2-5CFEC355CF62}"/>
+              </a:ext>
+            </a:extLst>
+          </p:cNvPr>
+          <p:cNvSpPr/>
+          <p:nvPr/>
+        </p:nvSpPr>
+        <p:spPr>
+          <a:xfrm>
+            <a:off x="4725909" y="733331"/>
+            <a:ext cx="3322622" cy="1865014"/>
+          </a:xfrm>
+          <a:prstGeom prst="rect">
+            <a:avLst/>
+          </a:prstGeom>
+          <a:noFill/>
+        </p:spPr>
+        <p:style>
+          <a:lnRef idx="2">
+            <a:schemeClr val="accent1">
+              <a:shade val="15000"/>
+            </a:schemeClr>
+          </a:lnRef>
+          <a:fillRef idx="1">
+            <a:schemeClr val="accent1"/>
+          </a:fillRef>
+          <a:effectRef idx="0">
+            <a:schemeClr val="accent1"/>
+          </a:effectRef>
+          <a:fontRef idx="minor">
+            <a:schemeClr val="lt1"/>
+          </a:fontRef>
+        </p:style>
+        <p:txBody>
+          <a:bodyPr rtlCol="0" anchor="ctr"/>
+          <a:lstStyle/>
+          <a:p>
+            <a:pPr algn="ctr"/>
+            <a:endParaRPr lang="es-419">
+              <a:latin typeface="Arial" panose="020B0604020202020204" pitchFamily="34" charset="0"/>
+              <a:cs typeface="Arial" panose="020B0604020202020204" pitchFamily="34" charset="0"/>
+            </a:endParaRPr>
+          </a:p>
+        </p:txBody>
+      </p:sp>
+      <p:sp>
+        <p:nvSpPr>
+          <p:cNvPr id="15" name="TextBox 14">
+            <a:extLst>
+              <a:ext uri="{FF2B5EF4-FFF2-40B4-BE49-F238E27FC236}">
+                <a16:creationId xmlns:a16="http://schemas.microsoft.com/office/drawing/2014/main" id="{6B564469-623F-C9E5-24D2-D49D6CD7B887}"/>
+              </a:ext>
+            </a:extLst>
+          </p:cNvPr>
+          <p:cNvSpPr txBox="1"/>
+          <p:nvPr/>
+        </p:nvSpPr>
+        <p:spPr>
+          <a:xfrm>
+            <a:off x="4725909" y="336839"/>
+            <a:ext cx="1847622" cy="369332"/>
+          </a:xfrm>
+          <a:prstGeom prst="rect">
+            <a:avLst/>
+          </a:prstGeom>
+          <a:noFill/>
+        </p:spPr>
+        <p:txBody>
+          <a:bodyPr wrap="none" rtlCol="0">
+            <a:spAutoFit/>
+          </a:bodyPr>
+          <a:lstStyle/>
+          <a:p>
+            <a:r>
+              <a:rPr lang="es-419" dirty="0">
+                <a:latin typeface="Arial" panose="020B0604020202020204" pitchFamily="34" charset="0"/>
+                <a:cs typeface="Arial" panose="020B0604020202020204" pitchFamily="34" charset="0"/>
+              </a:rPr>
+              <a:t>Visual Studio 98</a:t>
+            </a:r>
+          </a:p>
+        </p:txBody>
+      </p:sp>
+      <p:sp>
+        <p:nvSpPr>
+          <p:cNvPr id="16" name="TextBox 15">
+            <a:extLst>
+              <a:ext uri="{FF2B5EF4-FFF2-40B4-BE49-F238E27FC236}">
+                <a16:creationId xmlns:a16="http://schemas.microsoft.com/office/drawing/2014/main" id="{BC249083-0E83-CDE6-65C3-4D3E2A759144}"/>
+              </a:ext>
+            </a:extLst>
+          </p:cNvPr>
+          <p:cNvSpPr txBox="1"/>
+          <p:nvPr/>
+        </p:nvSpPr>
+        <p:spPr>
+          <a:xfrm>
+            <a:off x="5097101" y="1113576"/>
+            <a:ext cx="738792" cy="923330"/>
+          </a:xfrm>
+          <a:prstGeom prst="rect">
+            <a:avLst/>
+          </a:prstGeom>
+          <a:noFill/>
+        </p:spPr>
+        <p:txBody>
+          <a:bodyPr wrap="none" rtlCol="0">
+            <a:spAutoFit/>
+          </a:bodyPr>
+          <a:lstStyle/>
+          <a:p>
+            <a:r>
+              <a:rPr lang="es-419" dirty="0"/>
+              <a:t>VB</a:t>
+            </a:r>
+          </a:p>
+          <a:p>
+            <a:r>
+              <a:rPr lang="es-419" dirty="0" err="1"/>
+              <a:t>VFPro</a:t>
+            </a:r>
+            <a:endParaRPr lang="es-419" dirty="0"/>
+          </a:p>
+          <a:p>
+            <a:r>
+              <a:rPr lang="es-419" dirty="0"/>
+              <a:t>VC++</a:t>
+            </a:r>
+          </a:p>
+        </p:txBody>
+      </p:sp>
+      <p:sp>
+        <p:nvSpPr>
+          <p:cNvPr id="17" name="Arrow: Left 16">
+            <a:extLst>
+              <a:ext uri="{FF2B5EF4-FFF2-40B4-BE49-F238E27FC236}">
+                <a16:creationId xmlns:a16="http://schemas.microsoft.com/office/drawing/2014/main" id="{02272BCB-2AF9-111F-156E-D27DAFA9C6EC}"/>
+              </a:ext>
+            </a:extLst>
+          </p:cNvPr>
+          <p:cNvSpPr/>
+          <p:nvPr/>
+        </p:nvSpPr>
+        <p:spPr>
+          <a:xfrm>
+            <a:off x="3340729" y="1412341"/>
+            <a:ext cx="1086416" cy="543208"/>
+          </a:xfrm>
+          <a:prstGeom prst="leftArrow">
+            <a:avLst/>
+          </a:prstGeom>
+          <a:noFill/>
+        </p:spPr>
+        <p:style>
+          <a:lnRef idx="2">
+            <a:schemeClr val="accent1">
+              <a:shade val="15000"/>
+            </a:schemeClr>
+          </a:lnRef>
+          <a:fillRef idx="1">
+            <a:schemeClr val="accent1"/>
+          </a:fillRef>
+          <a:effectRef idx="0">
+            <a:schemeClr val="accent1"/>
+          </a:effectRef>
+          <a:fontRef idx="minor">
+            <a:schemeClr val="lt1"/>
+          </a:fontRef>
+        </p:style>
+        <p:txBody>
+          <a:bodyPr rtlCol="0" anchor="ctr"/>
+          <a:lstStyle/>
+          <a:p>
+            <a:pPr algn="ctr"/>
+            <a:endParaRPr lang="es-419">
+              <a:latin typeface="Arial" panose="020B0604020202020204" pitchFamily="34" charset="0"/>
+              <a:cs typeface="Arial" panose="020B0604020202020204" pitchFamily="34" charset="0"/>
+            </a:endParaRPr>
+          </a:p>
+        </p:txBody>
+      </p:sp>
+      <p:sp>
+        <p:nvSpPr>
+          <p:cNvPr id="18" name="TextBox 17">
+            <a:extLst>
+              <a:ext uri="{FF2B5EF4-FFF2-40B4-BE49-F238E27FC236}">
+                <a16:creationId xmlns:a16="http://schemas.microsoft.com/office/drawing/2014/main" id="{BF7C1C7E-5558-E1A9-FF6F-CE9531D49D40}"/>
+              </a:ext>
+            </a:extLst>
+          </p:cNvPr>
+          <p:cNvSpPr txBox="1"/>
+          <p:nvPr/>
+        </p:nvSpPr>
+        <p:spPr>
+          <a:xfrm>
+            <a:off x="3631271" y="1043009"/>
+            <a:ext cx="556563" cy="369332"/>
+          </a:xfrm>
+          <a:prstGeom prst="rect">
+            <a:avLst/>
+          </a:prstGeom>
+          <a:noFill/>
+        </p:spPr>
+        <p:txBody>
+          <a:bodyPr wrap="none" rtlCol="0">
+            <a:spAutoFit/>
+          </a:bodyPr>
+          <a:lstStyle/>
+          <a:p>
+            <a:r>
+              <a:rPr lang="es-419" dirty="0">
+                <a:latin typeface="Arial" panose="020B0604020202020204" pitchFamily="34" charset="0"/>
+                <a:cs typeface="Arial" panose="020B0604020202020204" pitchFamily="34" charset="0"/>
+              </a:rPr>
+              <a:t>exe</a:t>
+            </a:r>
+          </a:p>
+        </p:txBody>
+      </p:sp>
+      <p:cxnSp>
+        <p:nvCxnSpPr>
+          <p:cNvPr id="19" name="Straight Connector 18">
+            <a:extLst>
+              <a:ext uri="{FF2B5EF4-FFF2-40B4-BE49-F238E27FC236}">
+                <a16:creationId xmlns:a16="http://schemas.microsoft.com/office/drawing/2014/main" id="{916BB128-B9F1-B3F4-7D01-5E5135740970}"/>
+              </a:ext>
+            </a:extLst>
+          </p:cNvPr>
+          <p:cNvCxnSpPr/>
+          <p:nvPr/>
+        </p:nvCxnSpPr>
+        <p:spPr>
+          <a:xfrm>
+            <a:off x="8311081" y="336839"/>
+            <a:ext cx="0" cy="5900999"/>
+          </a:xfrm>
+          <a:prstGeom prst="line">
+            <a:avLst/>
+          </a:prstGeom>
+        </p:spPr>
+        <p:style>
+          <a:lnRef idx="1">
+            <a:schemeClr val="accent1"/>
+          </a:lnRef>
+          <a:fillRef idx="0">
+            <a:schemeClr val="accent1"/>
+          </a:fillRef>
+          <a:effectRef idx="0">
+            <a:schemeClr val="accent1"/>
+          </a:effectRef>
+          <a:fontRef idx="minor">
+            <a:schemeClr val="tx1"/>
+          </a:fontRef>
+        </p:style>
+      </p:cxnSp>
+      <p:sp>
+        <p:nvSpPr>
+          <p:cNvPr id="20" name="TextBox 19">
+            <a:extLst>
+              <a:ext uri="{FF2B5EF4-FFF2-40B4-BE49-F238E27FC236}">
+                <a16:creationId xmlns:a16="http://schemas.microsoft.com/office/drawing/2014/main" id="{EC8BB4E1-C906-A4E4-B887-8B8329AF89D7}"/>
+              </a:ext>
+            </a:extLst>
+          </p:cNvPr>
+          <p:cNvSpPr txBox="1"/>
+          <p:nvPr/>
+        </p:nvSpPr>
+        <p:spPr>
+          <a:xfrm>
+            <a:off x="8962930" y="336839"/>
+            <a:ext cx="2689839" cy="369332"/>
+          </a:xfrm>
+          <a:prstGeom prst="rect">
+            <a:avLst/>
+          </a:prstGeom>
+          <a:noFill/>
+        </p:spPr>
+        <p:txBody>
+          <a:bodyPr wrap="none" rtlCol="0">
+            <a:spAutoFit/>
+          </a:bodyPr>
+          <a:lstStyle/>
+          <a:p>
+            <a:r>
+              <a:rPr lang="es-419" dirty="0">
+                <a:latin typeface="Arial" panose="020B0604020202020204" pitchFamily="34" charset="0"/>
+                <a:cs typeface="Arial" panose="020B0604020202020204" pitchFamily="34" charset="0"/>
+              </a:rPr>
+              <a:t>Visual Studio .NET 2001</a:t>
+            </a:r>
+          </a:p>
+        </p:txBody>
+      </p:sp>
+      <p:sp>
+        <p:nvSpPr>
+          <p:cNvPr id="21" name="Rectangle 20">
+            <a:extLst>
+              <a:ext uri="{FF2B5EF4-FFF2-40B4-BE49-F238E27FC236}">
+                <a16:creationId xmlns:a16="http://schemas.microsoft.com/office/drawing/2014/main" id="{B51B58FB-2063-A841-8DB2-C13C22965747}"/>
+              </a:ext>
+            </a:extLst>
+          </p:cNvPr>
+          <p:cNvSpPr/>
+          <p:nvPr/>
+        </p:nvSpPr>
+        <p:spPr>
+          <a:xfrm>
+            <a:off x="8615307" y="733331"/>
+            <a:ext cx="3322622" cy="1865014"/>
+          </a:xfrm>
+          <a:prstGeom prst="rect">
+            <a:avLst/>
+          </a:prstGeom>
+          <a:noFill/>
+        </p:spPr>
+        <p:style>
+          <a:lnRef idx="2">
+            <a:schemeClr val="accent1">
+              <a:shade val="15000"/>
+            </a:schemeClr>
+          </a:lnRef>
+          <a:fillRef idx="1">
+            <a:schemeClr val="accent1"/>
+          </a:fillRef>
+          <a:effectRef idx="0">
+            <a:schemeClr val="accent1"/>
+          </a:effectRef>
+          <a:fontRef idx="minor">
+            <a:schemeClr val="lt1"/>
+          </a:fontRef>
+        </p:style>
+        <p:txBody>
+          <a:bodyPr rtlCol="0" anchor="ctr"/>
+          <a:lstStyle/>
+          <a:p>
+            <a:pPr algn="ctr"/>
+            <a:endParaRPr lang="es-419">
+              <a:latin typeface="Arial" panose="020B0604020202020204" pitchFamily="34" charset="0"/>
+              <a:cs typeface="Arial" panose="020B0604020202020204" pitchFamily="34" charset="0"/>
+            </a:endParaRPr>
+          </a:p>
+        </p:txBody>
+      </p:sp>
+      <p:sp>
+        <p:nvSpPr>
+          <p:cNvPr id="22" name="TextBox 21">
+            <a:extLst>
+              <a:ext uri="{FF2B5EF4-FFF2-40B4-BE49-F238E27FC236}">
+                <a16:creationId xmlns:a16="http://schemas.microsoft.com/office/drawing/2014/main" id="{A9E670BD-A9AF-50B2-7648-6BA11E9FD05F}"/>
+              </a:ext>
+            </a:extLst>
+          </p:cNvPr>
+          <p:cNvSpPr txBox="1"/>
+          <p:nvPr/>
+        </p:nvSpPr>
+        <p:spPr>
+          <a:xfrm>
+            <a:off x="8986499" y="1113576"/>
+            <a:ext cx="540597" cy="1200329"/>
+          </a:xfrm>
+          <a:prstGeom prst="rect">
+            <a:avLst/>
+          </a:prstGeom>
+          <a:noFill/>
+        </p:spPr>
+        <p:txBody>
+          <a:bodyPr wrap="none" rtlCol="0">
+            <a:spAutoFit/>
+          </a:bodyPr>
+          <a:lstStyle/>
+          <a:p>
+            <a:r>
+              <a:rPr lang="es-419" dirty="0"/>
+              <a:t>C#</a:t>
+            </a:r>
+          </a:p>
+          <a:p>
+            <a:r>
+              <a:rPr lang="es-419" dirty="0"/>
+              <a:t>VB</a:t>
+            </a:r>
+          </a:p>
+          <a:p>
+            <a:r>
+              <a:rPr lang="es-419" dirty="0"/>
+              <a:t>C++</a:t>
+            </a:r>
+          </a:p>
+          <a:p>
+            <a:r>
+              <a:rPr lang="es-419" dirty="0"/>
+              <a:t>J#</a:t>
+            </a:r>
+          </a:p>
+        </p:txBody>
+      </p:sp>
+      <p:sp>
+        <p:nvSpPr>
+          <p:cNvPr id="23" name="Rectangle 22">
+            <a:extLst>
+              <a:ext uri="{FF2B5EF4-FFF2-40B4-BE49-F238E27FC236}">
+                <a16:creationId xmlns:a16="http://schemas.microsoft.com/office/drawing/2014/main" id="{460D79F7-D99D-A5AD-9FA6-1CA5230D9796}"/>
+              </a:ext>
+            </a:extLst>
+          </p:cNvPr>
+          <p:cNvSpPr/>
+          <p:nvPr/>
+        </p:nvSpPr>
+        <p:spPr>
+          <a:xfrm>
+            <a:off x="1816193" y="2824681"/>
+            <a:ext cx="1171451" cy="2489703"/>
+          </a:xfrm>
+          <a:prstGeom prst="rect">
+            <a:avLst/>
+          </a:prstGeom>
+          <a:noFill/>
+        </p:spPr>
+        <p:style>
+          <a:lnRef idx="2">
+            <a:schemeClr val="accent1">
+              <a:shade val="15000"/>
+            </a:schemeClr>
+          </a:lnRef>
+          <a:fillRef idx="1">
+            <a:schemeClr val="accent1"/>
+          </a:fillRef>
+          <a:effectRef idx="0">
+            <a:schemeClr val="accent1"/>
+          </a:effectRef>
+          <a:fontRef idx="minor">
+            <a:schemeClr val="lt1"/>
+          </a:fontRef>
+        </p:style>
+        <p:txBody>
+          <a:bodyPr rtlCol="0" anchor="ctr"/>
+          <a:lstStyle/>
+          <a:p>
+            <a:pPr algn="ctr"/>
+            <a:endParaRPr lang="es-419">
+              <a:latin typeface="Arial" panose="020B0604020202020204" pitchFamily="34" charset="0"/>
+              <a:cs typeface="Arial" panose="020B0604020202020204" pitchFamily="34" charset="0"/>
+            </a:endParaRPr>
+          </a:p>
+        </p:txBody>
+      </p:sp>
+      <p:sp>
+        <p:nvSpPr>
+          <p:cNvPr id="24" name="TextBox 23">
+            <a:extLst>
+              <a:ext uri="{FF2B5EF4-FFF2-40B4-BE49-F238E27FC236}">
+                <a16:creationId xmlns:a16="http://schemas.microsoft.com/office/drawing/2014/main" id="{E55F55C9-1B32-52BF-CA60-5FBE099F6525}"/>
+              </a:ext>
+            </a:extLst>
+          </p:cNvPr>
+          <p:cNvSpPr txBox="1"/>
+          <p:nvPr/>
+        </p:nvSpPr>
+        <p:spPr>
+          <a:xfrm>
+            <a:off x="2014159" y="2483316"/>
+            <a:ext cx="1018227" cy="369332"/>
+          </a:xfrm>
+          <a:prstGeom prst="rect">
+            <a:avLst/>
+          </a:prstGeom>
+          <a:noFill/>
+        </p:spPr>
+        <p:txBody>
+          <a:bodyPr wrap="none" rtlCol="0">
+            <a:spAutoFit/>
+          </a:bodyPr>
+          <a:lstStyle/>
+          <a:p>
+            <a:r>
+              <a:rPr lang="es-419" dirty="0" err="1">
+                <a:latin typeface="Arial" panose="020B0604020202020204" pitchFamily="34" charset="0"/>
+                <a:cs typeface="Arial" panose="020B0604020202020204" pitchFamily="34" charset="0"/>
+              </a:rPr>
+              <a:t>Memory</a:t>
+            </a:r>
+            <a:endParaRPr lang="es-419" dirty="0">
+              <a:latin typeface="Arial" panose="020B0604020202020204" pitchFamily="34" charset="0"/>
+              <a:cs typeface="Arial" panose="020B0604020202020204" pitchFamily="34" charset="0"/>
+            </a:endParaRPr>
+          </a:p>
+        </p:txBody>
+      </p:sp>
+      <p:sp>
+        <p:nvSpPr>
+          <p:cNvPr id="25" name="Rectangle: Rounded Corners 24">
+            <a:extLst>
+              <a:ext uri="{FF2B5EF4-FFF2-40B4-BE49-F238E27FC236}">
+                <a16:creationId xmlns:a16="http://schemas.microsoft.com/office/drawing/2014/main" id="{DE78D09D-5D9D-2A49-6877-0AF959C739BF}"/>
+              </a:ext>
+            </a:extLst>
+          </p:cNvPr>
+          <p:cNvSpPr/>
+          <p:nvPr/>
+        </p:nvSpPr>
+        <p:spPr>
+          <a:xfrm>
+            <a:off x="488887" y="3603279"/>
+            <a:ext cx="865869" cy="525101"/>
+          </a:xfrm>
+          <a:prstGeom prst="roundRect">
+            <a:avLst/>
+          </a:prstGeom>
+          <a:noFill/>
+        </p:spPr>
+        <p:style>
+          <a:lnRef idx="2">
+            <a:schemeClr val="accent1">
+              <a:shade val="15000"/>
+            </a:schemeClr>
+          </a:lnRef>
+          <a:fillRef idx="1">
+            <a:schemeClr val="accent1"/>
+          </a:fillRef>
+          <a:effectRef idx="0">
+            <a:schemeClr val="accent1"/>
+          </a:effectRef>
+          <a:fontRef idx="minor">
+            <a:schemeClr val="lt1"/>
+          </a:fontRef>
+        </p:style>
+        <p:txBody>
+          <a:bodyPr rtlCol="0" anchor="ctr"/>
+          <a:lstStyle/>
+          <a:p>
+            <a:pPr algn="ctr"/>
+            <a:r>
+              <a:rPr lang="es-419" dirty="0">
+                <a:solidFill>
+                  <a:schemeClr val="tx1"/>
+                </a:solidFill>
+                <a:latin typeface="Arial" panose="020B0604020202020204" pitchFamily="34" charset="0"/>
+                <a:cs typeface="Arial" panose="020B0604020202020204" pitchFamily="34" charset="0"/>
+              </a:rPr>
+              <a:t>CPU</a:t>
+            </a:r>
+          </a:p>
+        </p:txBody>
+      </p:sp>
+      <p:sp>
+        <p:nvSpPr>
+          <p:cNvPr id="26" name="TextBox 25">
+            <a:extLst>
+              <a:ext uri="{FF2B5EF4-FFF2-40B4-BE49-F238E27FC236}">
+                <a16:creationId xmlns:a16="http://schemas.microsoft.com/office/drawing/2014/main" id="{AC147482-4B0E-2D06-98D4-FB30A31E8505}"/>
+              </a:ext>
+            </a:extLst>
+          </p:cNvPr>
+          <p:cNvSpPr txBox="1"/>
+          <p:nvPr/>
+        </p:nvSpPr>
+        <p:spPr>
+          <a:xfrm>
+            <a:off x="1862151" y="3121305"/>
+            <a:ext cx="556563" cy="369332"/>
+          </a:xfrm>
+          <a:prstGeom prst="rect">
+            <a:avLst/>
+          </a:prstGeom>
+          <a:noFill/>
+        </p:spPr>
+        <p:txBody>
+          <a:bodyPr wrap="none" rtlCol="0">
+            <a:spAutoFit/>
+          </a:bodyPr>
+          <a:lstStyle/>
+          <a:p>
+            <a:r>
+              <a:rPr lang="es-419" dirty="0">
+                <a:latin typeface="Arial" panose="020B0604020202020204" pitchFamily="34" charset="0"/>
+                <a:cs typeface="Arial" panose="020B0604020202020204" pitchFamily="34" charset="0"/>
+              </a:rPr>
+              <a:t>exe</a:t>
+            </a:r>
+          </a:p>
+        </p:txBody>
+      </p:sp>
+      <p:cxnSp>
+        <p:nvCxnSpPr>
+          <p:cNvPr id="27" name="Straight Connector 26">
+            <a:extLst>
+              <a:ext uri="{FF2B5EF4-FFF2-40B4-BE49-F238E27FC236}">
+                <a16:creationId xmlns:a16="http://schemas.microsoft.com/office/drawing/2014/main" id="{BF797C10-5AD1-5BCA-145C-D1A9F1F853B3}"/>
+              </a:ext>
+            </a:extLst>
+          </p:cNvPr>
+          <p:cNvCxnSpPr>
+            <a:cxnSpLocks/>
+            <a:stCxn id="26" idx="2"/>
+          </p:cNvCxnSpPr>
+          <p:nvPr/>
+        </p:nvCxnSpPr>
+        <p:spPr>
+          <a:xfrm>
+            <a:off x="2140433" y="3490637"/>
+            <a:ext cx="11414" cy="710171"/>
+          </a:xfrm>
+          <a:prstGeom prst="line">
+            <a:avLst/>
+          </a:prstGeom>
+        </p:spPr>
+        <p:style>
+          <a:lnRef idx="1">
+            <a:schemeClr val="accent1"/>
+          </a:lnRef>
+          <a:fillRef idx="0">
+            <a:schemeClr val="accent1"/>
+          </a:fillRef>
+          <a:effectRef idx="0">
+            <a:schemeClr val="accent1"/>
+          </a:effectRef>
+          <a:fontRef idx="minor">
+            <a:schemeClr val="tx1"/>
+          </a:fontRef>
+        </p:style>
+      </p:cxnSp>
+      <p:cxnSp>
+        <p:nvCxnSpPr>
+          <p:cNvPr id="28" name="Straight Connector 27">
+            <a:extLst>
+              <a:ext uri="{FF2B5EF4-FFF2-40B4-BE49-F238E27FC236}">
+                <a16:creationId xmlns:a16="http://schemas.microsoft.com/office/drawing/2014/main" id="{3F327B6F-11E4-8EF1-F1C9-25344B094523}"/>
+              </a:ext>
+            </a:extLst>
+          </p:cNvPr>
+          <p:cNvCxnSpPr/>
+          <p:nvPr/>
+        </p:nvCxnSpPr>
+        <p:spPr>
+          <a:xfrm>
+            <a:off x="2140432" y="3739081"/>
+            <a:ext cx="278282" cy="0"/>
+          </a:xfrm>
+          <a:prstGeom prst="line">
+            <a:avLst/>
+          </a:prstGeom>
+        </p:spPr>
+        <p:style>
+          <a:lnRef idx="1">
+            <a:schemeClr val="accent1"/>
+          </a:lnRef>
+          <a:fillRef idx="0">
+            <a:schemeClr val="accent1"/>
+          </a:fillRef>
+          <a:effectRef idx="0">
+            <a:schemeClr val="accent1"/>
+          </a:effectRef>
+          <a:fontRef idx="minor">
+            <a:schemeClr val="tx1"/>
+          </a:fontRef>
+        </p:style>
+      </p:cxnSp>
+      <p:cxnSp>
+        <p:nvCxnSpPr>
+          <p:cNvPr id="29" name="Straight Connector 28">
+            <a:extLst>
+              <a:ext uri="{FF2B5EF4-FFF2-40B4-BE49-F238E27FC236}">
+                <a16:creationId xmlns:a16="http://schemas.microsoft.com/office/drawing/2014/main" id="{2049002B-277B-549A-D609-8A88EEDBC4CB}"/>
+              </a:ext>
+            </a:extLst>
+          </p:cNvPr>
+          <p:cNvCxnSpPr/>
+          <p:nvPr/>
+        </p:nvCxnSpPr>
+        <p:spPr>
+          <a:xfrm>
+            <a:off x="2140432" y="4060478"/>
+            <a:ext cx="278282" cy="0"/>
+          </a:xfrm>
+          <a:prstGeom prst="line">
+            <a:avLst/>
+          </a:prstGeom>
+        </p:spPr>
+        <p:style>
+          <a:lnRef idx="1">
+            <a:schemeClr val="accent1"/>
+          </a:lnRef>
+          <a:fillRef idx="0">
+            <a:schemeClr val="accent1"/>
+          </a:fillRef>
+          <a:effectRef idx="0">
+            <a:schemeClr val="accent1"/>
+          </a:effectRef>
+          <a:fontRef idx="minor">
+            <a:schemeClr val="tx1"/>
+          </a:fontRef>
+        </p:style>
+      </p:cxnSp>
+      <p:sp>
+        <p:nvSpPr>
+          <p:cNvPr id="30" name="Oval 29">
+            <a:extLst>
+              <a:ext uri="{FF2B5EF4-FFF2-40B4-BE49-F238E27FC236}">
+                <a16:creationId xmlns:a16="http://schemas.microsoft.com/office/drawing/2014/main" id="{2EFE3080-CE6C-E2D7-631E-6B8F6AFCD49C}"/>
+              </a:ext>
+            </a:extLst>
+          </p:cNvPr>
+          <p:cNvSpPr/>
+          <p:nvPr/>
+        </p:nvSpPr>
+        <p:spPr>
+          <a:xfrm>
+            <a:off x="2415350" y="3611928"/>
+            <a:ext cx="215844" cy="215844"/>
+          </a:xfrm>
+          <a:prstGeom prst="ellipse">
+            <a:avLst/>
+          </a:prstGeom>
+          <a:noFill/>
+        </p:spPr>
+        <p:style>
+          <a:lnRef idx="2">
+            <a:schemeClr val="accent1">
+              <a:shade val="15000"/>
+            </a:schemeClr>
+          </a:lnRef>
+          <a:fillRef idx="1">
+            <a:schemeClr val="accent1"/>
+          </a:fillRef>
+          <a:effectRef idx="0">
+            <a:schemeClr val="accent1"/>
+          </a:effectRef>
+          <a:fontRef idx="minor">
+            <a:schemeClr val="lt1"/>
+          </a:fontRef>
+        </p:style>
+        <p:txBody>
+          <a:bodyPr rtlCol="0" anchor="ctr"/>
+          <a:lstStyle/>
+          <a:p>
+            <a:pPr algn="ctr"/>
+            <a:endParaRPr lang="es-419"/>
+          </a:p>
+        </p:txBody>
+      </p:sp>
+      <p:sp>
+        <p:nvSpPr>
+          <p:cNvPr id="31" name="Oval 30">
+            <a:extLst>
+              <a:ext uri="{FF2B5EF4-FFF2-40B4-BE49-F238E27FC236}">
+                <a16:creationId xmlns:a16="http://schemas.microsoft.com/office/drawing/2014/main" id="{414EBA4E-365F-24E3-942A-7E18DFA5DBD3}"/>
+              </a:ext>
+            </a:extLst>
+          </p:cNvPr>
+          <p:cNvSpPr/>
+          <p:nvPr/>
+        </p:nvSpPr>
+        <p:spPr>
+          <a:xfrm>
+            <a:off x="2415350" y="3949063"/>
+            <a:ext cx="215844" cy="215844"/>
+          </a:xfrm>
+          <a:prstGeom prst="ellipse">
+            <a:avLst/>
+          </a:prstGeom>
+          <a:noFill/>
+        </p:spPr>
+        <p:style>
+          <a:lnRef idx="2">
+            <a:schemeClr val="accent1">
+              <a:shade val="15000"/>
+            </a:schemeClr>
+          </a:lnRef>
+          <a:fillRef idx="1">
+            <a:schemeClr val="accent1"/>
+          </a:fillRef>
+          <a:effectRef idx="0">
+            <a:schemeClr val="accent1"/>
+          </a:effectRef>
+          <a:fontRef idx="minor">
+            <a:schemeClr val="lt1"/>
+          </a:fontRef>
+        </p:style>
+        <p:txBody>
+          <a:bodyPr rtlCol="0" anchor="ctr"/>
+          <a:lstStyle/>
+          <a:p>
+            <a:pPr algn="ctr"/>
+            <a:endParaRPr lang="es-419"/>
+          </a:p>
+        </p:txBody>
+      </p:sp>
+      <p:sp>
+        <p:nvSpPr>
+          <p:cNvPr id="32" name="TextBox 31">
+            <a:extLst>
+              <a:ext uri="{FF2B5EF4-FFF2-40B4-BE49-F238E27FC236}">
+                <a16:creationId xmlns:a16="http://schemas.microsoft.com/office/drawing/2014/main" id="{A5C077B0-D54A-0676-4499-3FCD796D105F}"/>
+              </a:ext>
+            </a:extLst>
+          </p:cNvPr>
+          <p:cNvSpPr txBox="1"/>
+          <p:nvPr/>
+        </p:nvSpPr>
+        <p:spPr>
+          <a:xfrm>
+            <a:off x="2987644" y="3103811"/>
+            <a:ext cx="530915" cy="369332"/>
+          </a:xfrm>
+          <a:prstGeom prst="rect">
+            <a:avLst/>
+          </a:prstGeom>
+          <a:noFill/>
+        </p:spPr>
+        <p:txBody>
+          <a:bodyPr wrap="none" rtlCol="0">
+            <a:spAutoFit/>
+          </a:bodyPr>
+          <a:lstStyle/>
+          <a:p>
+            <a:r>
+              <a:rPr lang="es-419" dirty="0">
+                <a:latin typeface="Arial" panose="020B0604020202020204" pitchFamily="34" charset="0"/>
+                <a:cs typeface="Arial" panose="020B0604020202020204" pitchFamily="34" charset="0"/>
+              </a:rPr>
+              <a:t>GC</a:t>
+            </a:r>
+          </a:p>
+        </p:txBody>
+      </p:sp>
+      <p:sp>
+        <p:nvSpPr>
+          <p:cNvPr id="33" name="Rectangle 32">
+            <a:extLst>
+              <a:ext uri="{FF2B5EF4-FFF2-40B4-BE49-F238E27FC236}">
+                <a16:creationId xmlns:a16="http://schemas.microsoft.com/office/drawing/2014/main" id="{BA21DC90-B60E-5018-1262-4623FD9339E3}"/>
+              </a:ext>
+            </a:extLst>
+          </p:cNvPr>
+          <p:cNvSpPr/>
+          <p:nvPr/>
+        </p:nvSpPr>
+        <p:spPr>
+          <a:xfrm>
+            <a:off x="9898288" y="1234750"/>
+            <a:ext cx="1238769" cy="152844"/>
+          </a:xfrm>
+          <a:prstGeom prst="rect">
+            <a:avLst/>
+          </a:prstGeom>
+          <a:noFill/>
+        </p:spPr>
+        <p:style>
+          <a:lnRef idx="2">
+            <a:schemeClr val="accent1">
+              <a:shade val="15000"/>
+            </a:schemeClr>
+          </a:lnRef>
+          <a:fillRef idx="1">
+            <a:schemeClr val="accent1"/>
+          </a:fillRef>
+          <a:effectRef idx="0">
+            <a:schemeClr val="accent1"/>
+          </a:effectRef>
+          <a:fontRef idx="minor">
+            <a:schemeClr val="lt1"/>
+          </a:fontRef>
+        </p:style>
+        <p:txBody>
+          <a:bodyPr rtlCol="0" anchor="ctr"/>
+          <a:lstStyle/>
+          <a:p>
+            <a:pPr algn="ctr"/>
+            <a:endParaRPr lang="es-419">
+              <a:latin typeface="Arial" panose="020B0604020202020204" pitchFamily="34" charset="0"/>
+              <a:cs typeface="Arial" panose="020B0604020202020204" pitchFamily="34" charset="0"/>
+            </a:endParaRPr>
+          </a:p>
+        </p:txBody>
+      </p:sp>
+      <p:sp>
+        <p:nvSpPr>
+          <p:cNvPr id="34" name="Rectangle 33">
+            <a:extLst>
+              <a:ext uri="{FF2B5EF4-FFF2-40B4-BE49-F238E27FC236}">
+                <a16:creationId xmlns:a16="http://schemas.microsoft.com/office/drawing/2014/main" id="{F1C96492-D5E5-7E2F-9453-D9B5F8773B81}"/>
+              </a:ext>
+            </a:extLst>
+          </p:cNvPr>
+          <p:cNvSpPr/>
+          <p:nvPr/>
+        </p:nvSpPr>
+        <p:spPr>
+          <a:xfrm>
+            <a:off x="9898288" y="1512994"/>
+            <a:ext cx="1238769" cy="152844"/>
+          </a:xfrm>
+          <a:prstGeom prst="rect">
+            <a:avLst/>
+          </a:prstGeom>
+          <a:noFill/>
+        </p:spPr>
+        <p:style>
+          <a:lnRef idx="2">
+            <a:schemeClr val="accent1">
+              <a:shade val="15000"/>
+            </a:schemeClr>
+          </a:lnRef>
+          <a:fillRef idx="1">
+            <a:schemeClr val="accent1"/>
+          </a:fillRef>
+          <a:effectRef idx="0">
+            <a:schemeClr val="accent1"/>
+          </a:effectRef>
+          <a:fontRef idx="minor">
+            <a:schemeClr val="lt1"/>
+          </a:fontRef>
+        </p:style>
+        <p:txBody>
+          <a:bodyPr rtlCol="0" anchor="ctr"/>
+          <a:lstStyle/>
+          <a:p>
+            <a:pPr algn="ctr"/>
+            <a:endParaRPr lang="es-419">
+              <a:latin typeface="Arial" panose="020B0604020202020204" pitchFamily="34" charset="0"/>
+              <a:cs typeface="Arial" panose="020B0604020202020204" pitchFamily="34" charset="0"/>
+            </a:endParaRPr>
+          </a:p>
+        </p:txBody>
+      </p:sp>
+      <p:sp>
+        <p:nvSpPr>
+          <p:cNvPr id="35" name="Rectangle 34">
+            <a:extLst>
+              <a:ext uri="{FF2B5EF4-FFF2-40B4-BE49-F238E27FC236}">
+                <a16:creationId xmlns:a16="http://schemas.microsoft.com/office/drawing/2014/main" id="{ED45FD16-BA28-DB63-A842-701EB57337ED}"/>
+              </a:ext>
+            </a:extLst>
+          </p:cNvPr>
+          <p:cNvSpPr/>
+          <p:nvPr/>
+        </p:nvSpPr>
+        <p:spPr>
+          <a:xfrm>
+            <a:off x="9898288" y="1790835"/>
+            <a:ext cx="1238769" cy="152844"/>
+          </a:xfrm>
+          <a:prstGeom prst="rect">
+            <a:avLst/>
+          </a:prstGeom>
+          <a:noFill/>
+        </p:spPr>
+        <p:style>
+          <a:lnRef idx="2">
+            <a:schemeClr val="accent1">
+              <a:shade val="15000"/>
+            </a:schemeClr>
+          </a:lnRef>
+          <a:fillRef idx="1">
+            <a:schemeClr val="accent1"/>
+          </a:fillRef>
+          <a:effectRef idx="0">
+            <a:schemeClr val="accent1"/>
+          </a:effectRef>
+          <a:fontRef idx="minor">
+            <a:schemeClr val="lt1"/>
+          </a:fontRef>
+        </p:style>
+        <p:txBody>
+          <a:bodyPr rtlCol="0" anchor="ctr"/>
+          <a:lstStyle/>
+          <a:p>
+            <a:pPr algn="ctr"/>
+            <a:endParaRPr lang="es-419">
+              <a:latin typeface="Arial" panose="020B0604020202020204" pitchFamily="34" charset="0"/>
+              <a:cs typeface="Arial" panose="020B0604020202020204" pitchFamily="34" charset="0"/>
+            </a:endParaRPr>
+          </a:p>
+        </p:txBody>
+      </p:sp>
+      <p:sp>
+        <p:nvSpPr>
+          <p:cNvPr id="36" name="Rectangle 35">
+            <a:extLst>
+              <a:ext uri="{FF2B5EF4-FFF2-40B4-BE49-F238E27FC236}">
+                <a16:creationId xmlns:a16="http://schemas.microsoft.com/office/drawing/2014/main" id="{A32B6FE1-90CE-E735-1A7E-62F9F7FD5764}"/>
+              </a:ext>
+            </a:extLst>
+          </p:cNvPr>
+          <p:cNvSpPr/>
+          <p:nvPr/>
+        </p:nvSpPr>
+        <p:spPr>
+          <a:xfrm>
+            <a:off x="9898288" y="2096136"/>
+            <a:ext cx="1238769" cy="152844"/>
+          </a:xfrm>
+          <a:prstGeom prst="rect">
+            <a:avLst/>
+          </a:prstGeom>
+          <a:noFill/>
+        </p:spPr>
+        <p:style>
+          <a:lnRef idx="2">
+            <a:schemeClr val="accent1">
+              <a:shade val="15000"/>
+            </a:schemeClr>
+          </a:lnRef>
+          <a:fillRef idx="1">
+            <a:schemeClr val="accent1"/>
+          </a:fillRef>
+          <a:effectRef idx="0">
+            <a:schemeClr val="accent1"/>
+          </a:effectRef>
+          <a:fontRef idx="minor">
+            <a:schemeClr val="lt1"/>
+          </a:fontRef>
+        </p:style>
+        <p:txBody>
+          <a:bodyPr rtlCol="0" anchor="ctr"/>
+          <a:lstStyle/>
+          <a:p>
+            <a:pPr algn="ctr"/>
+            <a:endParaRPr lang="es-419">
+              <a:latin typeface="Arial" panose="020B0604020202020204" pitchFamily="34" charset="0"/>
+              <a:cs typeface="Arial" panose="020B0604020202020204" pitchFamily="34" charset="0"/>
+            </a:endParaRPr>
+          </a:p>
+        </p:txBody>
+      </p:sp>
+      <p:sp>
+        <p:nvSpPr>
+          <p:cNvPr id="37" name="TextBox 36">
+            <a:extLst>
+              <a:ext uri="{FF2B5EF4-FFF2-40B4-BE49-F238E27FC236}">
+                <a16:creationId xmlns:a16="http://schemas.microsoft.com/office/drawing/2014/main" id="{1329BEFD-FA9C-5303-2B8D-065BD6A56AB2}"/>
+              </a:ext>
+            </a:extLst>
+          </p:cNvPr>
+          <p:cNvSpPr txBox="1"/>
+          <p:nvPr/>
+        </p:nvSpPr>
+        <p:spPr>
+          <a:xfrm>
+            <a:off x="9898288" y="838258"/>
+            <a:ext cx="1037463" cy="369332"/>
+          </a:xfrm>
+          <a:prstGeom prst="rect">
+            <a:avLst/>
+          </a:prstGeom>
+          <a:noFill/>
+        </p:spPr>
+        <p:txBody>
+          <a:bodyPr wrap="none" rtlCol="0">
+            <a:spAutoFit/>
+          </a:bodyPr>
+          <a:lstStyle/>
+          <a:p>
+            <a:r>
+              <a:rPr lang="es-419" dirty="0" err="1"/>
+              <a:t>Compiler</a:t>
+            </a:r>
+            <a:endParaRPr lang="es-419" dirty="0"/>
+          </a:p>
+        </p:txBody>
+      </p:sp>
+      <p:sp>
+        <p:nvSpPr>
+          <p:cNvPr id="38" name="Scroll: Vertical 37">
+            <a:extLst>
+              <a:ext uri="{FF2B5EF4-FFF2-40B4-BE49-F238E27FC236}">
+                <a16:creationId xmlns:a16="http://schemas.microsoft.com/office/drawing/2014/main" id="{FB1333EF-E55E-0657-D1F1-0F4E7FCA3DE1}"/>
+              </a:ext>
+            </a:extLst>
+          </p:cNvPr>
+          <p:cNvSpPr/>
+          <p:nvPr/>
+        </p:nvSpPr>
+        <p:spPr>
+          <a:xfrm>
+            <a:off x="11340353" y="1207590"/>
+            <a:ext cx="540597" cy="1041390"/>
+          </a:xfrm>
+          <a:prstGeom prst="verticalScroll">
+            <a:avLst/>
+          </a:prstGeom>
+          <a:noFill/>
+        </p:spPr>
+        <p:style>
+          <a:lnRef idx="2">
+            <a:schemeClr val="accent1">
+              <a:shade val="15000"/>
+            </a:schemeClr>
+          </a:lnRef>
+          <a:fillRef idx="1">
+            <a:schemeClr val="accent1"/>
+          </a:fillRef>
+          <a:effectRef idx="0">
+            <a:schemeClr val="accent1"/>
+          </a:effectRef>
+          <a:fontRef idx="minor">
+            <a:schemeClr val="lt1"/>
+          </a:fontRef>
+        </p:style>
+        <p:txBody>
+          <a:bodyPr rtlCol="0" anchor="ctr"/>
+          <a:lstStyle/>
+          <a:p>
+            <a:pPr algn="ctr"/>
+            <a:endParaRPr lang="es-419"/>
+          </a:p>
+        </p:txBody>
+      </p:sp>
+      <p:sp>
+        <p:nvSpPr>
+          <p:cNvPr id="39" name="TextBox 38">
+            <a:extLst>
+              <a:ext uri="{FF2B5EF4-FFF2-40B4-BE49-F238E27FC236}">
+                <a16:creationId xmlns:a16="http://schemas.microsoft.com/office/drawing/2014/main" id="{7A65CF76-F171-48C9-77FD-17180AB3F65E}"/>
+              </a:ext>
+            </a:extLst>
+          </p:cNvPr>
+          <p:cNvSpPr txBox="1"/>
+          <p:nvPr/>
+        </p:nvSpPr>
+        <p:spPr>
+          <a:xfrm>
+            <a:off x="11340353" y="838258"/>
+            <a:ext cx="511679" cy="369332"/>
+          </a:xfrm>
+          <a:prstGeom prst="rect">
+            <a:avLst/>
+          </a:prstGeom>
+          <a:noFill/>
+        </p:spPr>
+        <p:txBody>
+          <a:bodyPr wrap="none" rtlCol="0">
+            <a:spAutoFit/>
+          </a:bodyPr>
+          <a:lstStyle/>
+          <a:p>
+            <a:r>
+              <a:rPr lang="es-419" dirty="0"/>
+              <a:t>CLS</a:t>
+            </a:r>
+          </a:p>
+        </p:txBody>
+      </p:sp>
+      <p:sp>
+        <p:nvSpPr>
+          <p:cNvPr id="40" name="Arrow: Down 39">
+            <a:extLst>
+              <a:ext uri="{FF2B5EF4-FFF2-40B4-BE49-F238E27FC236}">
+                <a16:creationId xmlns:a16="http://schemas.microsoft.com/office/drawing/2014/main" id="{61D4819F-04B5-EDFD-57E0-32730BA8D3D8}"/>
+              </a:ext>
+            </a:extLst>
+          </p:cNvPr>
+          <p:cNvSpPr/>
+          <p:nvPr/>
+        </p:nvSpPr>
+        <p:spPr>
+          <a:xfrm>
+            <a:off x="9995308" y="2723745"/>
+            <a:ext cx="683825" cy="665956"/>
+          </a:xfrm>
+          <a:prstGeom prst="downArrow">
+            <a:avLst/>
+          </a:prstGeom>
+          <a:noFill/>
+        </p:spPr>
+        <p:style>
+          <a:lnRef idx="2">
+            <a:schemeClr val="accent1">
+              <a:shade val="15000"/>
+            </a:schemeClr>
+          </a:lnRef>
+          <a:fillRef idx="1">
+            <a:schemeClr val="accent1"/>
+          </a:fillRef>
+          <a:effectRef idx="0">
+            <a:schemeClr val="accent1"/>
+          </a:effectRef>
+          <a:fontRef idx="minor">
+            <a:schemeClr val="lt1"/>
+          </a:fontRef>
+        </p:style>
+        <p:txBody>
+          <a:bodyPr rtlCol="0" anchor="ctr"/>
+          <a:lstStyle/>
+          <a:p>
+            <a:pPr algn="ctr"/>
+            <a:endParaRPr lang="es-419" dirty="0"/>
+          </a:p>
+        </p:txBody>
+      </p:sp>
+      <p:sp>
+        <p:nvSpPr>
+          <p:cNvPr id="41" name="TextBox 40">
+            <a:extLst>
+              <a:ext uri="{FF2B5EF4-FFF2-40B4-BE49-F238E27FC236}">
+                <a16:creationId xmlns:a16="http://schemas.microsoft.com/office/drawing/2014/main" id="{2A18EFAD-4E1C-8481-4713-9313EE6315D3}"/>
+              </a:ext>
+            </a:extLst>
+          </p:cNvPr>
+          <p:cNvSpPr txBox="1"/>
+          <p:nvPr/>
+        </p:nvSpPr>
+        <p:spPr>
+          <a:xfrm>
+            <a:off x="8986499" y="3369749"/>
+            <a:ext cx="2701445" cy="369332"/>
+          </a:xfrm>
+          <a:prstGeom prst="rect">
+            <a:avLst/>
+          </a:prstGeom>
+          <a:noFill/>
+        </p:spPr>
+        <p:txBody>
+          <a:bodyPr wrap="none" rtlCol="0">
+            <a:spAutoFit/>
+          </a:bodyPr>
+          <a:lstStyle/>
+          <a:p>
+            <a:r>
+              <a:rPr lang="es-419" dirty="0"/>
+              <a:t>IL (</a:t>
+            </a:r>
+            <a:r>
+              <a:rPr lang="es-419" dirty="0" err="1"/>
+              <a:t>Intermediate</a:t>
+            </a:r>
+            <a:r>
+              <a:rPr lang="es-419" dirty="0"/>
+              <a:t> </a:t>
+            </a:r>
+            <a:r>
+              <a:rPr lang="es-419" dirty="0" err="1"/>
+              <a:t>Language</a:t>
+            </a:r>
+            <a:r>
+              <a:rPr lang="es-419" dirty="0"/>
+              <a:t>)</a:t>
+            </a:r>
+          </a:p>
+        </p:txBody>
+      </p:sp>
+      <p:sp>
+        <p:nvSpPr>
+          <p:cNvPr id="42" name="Arrow: Down 41">
+            <a:extLst>
+              <a:ext uri="{FF2B5EF4-FFF2-40B4-BE49-F238E27FC236}">
+                <a16:creationId xmlns:a16="http://schemas.microsoft.com/office/drawing/2014/main" id="{A5C0BD81-4333-5DBA-704B-67C513E56A32}"/>
+              </a:ext>
+            </a:extLst>
+          </p:cNvPr>
+          <p:cNvSpPr/>
+          <p:nvPr/>
+        </p:nvSpPr>
+        <p:spPr>
+          <a:xfrm>
+            <a:off x="9995308" y="3795402"/>
+            <a:ext cx="683825" cy="665956"/>
+          </a:xfrm>
+          <a:prstGeom prst="downArrow">
+            <a:avLst/>
+          </a:prstGeom>
+          <a:noFill/>
+        </p:spPr>
+        <p:style>
+          <a:lnRef idx="2">
+            <a:schemeClr val="accent1">
+              <a:shade val="15000"/>
+            </a:schemeClr>
+          </a:lnRef>
+          <a:fillRef idx="1">
+            <a:schemeClr val="accent1"/>
+          </a:fillRef>
+          <a:effectRef idx="0">
+            <a:schemeClr val="accent1"/>
+          </a:effectRef>
+          <a:fontRef idx="minor">
+            <a:schemeClr val="lt1"/>
+          </a:fontRef>
+        </p:style>
+        <p:txBody>
+          <a:bodyPr rtlCol="0" anchor="ctr"/>
+          <a:lstStyle/>
+          <a:p>
+            <a:pPr algn="ctr"/>
+            <a:endParaRPr lang="es-419" dirty="0"/>
+          </a:p>
+        </p:txBody>
+      </p:sp>
+      <p:sp>
+        <p:nvSpPr>
+          <p:cNvPr id="43" name="Rectangle 42">
+            <a:extLst>
+              <a:ext uri="{FF2B5EF4-FFF2-40B4-BE49-F238E27FC236}">
+                <a16:creationId xmlns:a16="http://schemas.microsoft.com/office/drawing/2014/main" id="{55FD77AA-9E2E-9BED-A068-CFA24FD3F5AD}"/>
+              </a:ext>
+            </a:extLst>
+          </p:cNvPr>
+          <p:cNvSpPr/>
+          <p:nvPr/>
+        </p:nvSpPr>
+        <p:spPr>
+          <a:xfrm>
+            <a:off x="9677584" y="4705351"/>
+            <a:ext cx="1396446" cy="512047"/>
+          </a:xfrm>
+          <a:prstGeom prst="rect">
+            <a:avLst/>
+          </a:prstGeom>
+          <a:noFill/>
+        </p:spPr>
+        <p:style>
+          <a:lnRef idx="2">
+            <a:schemeClr val="accent1">
+              <a:shade val="15000"/>
+            </a:schemeClr>
+          </a:lnRef>
+          <a:fillRef idx="1">
+            <a:schemeClr val="accent1"/>
+          </a:fillRef>
+          <a:effectRef idx="0">
+            <a:schemeClr val="accent1"/>
+          </a:effectRef>
+          <a:fontRef idx="minor">
+            <a:schemeClr val="lt1"/>
+          </a:fontRef>
+        </p:style>
+        <p:txBody>
+          <a:bodyPr rtlCol="0" anchor="ctr"/>
+          <a:lstStyle/>
+          <a:p>
+            <a:pPr algn="ctr"/>
+            <a:endParaRPr lang="es-419"/>
+          </a:p>
+        </p:txBody>
+      </p:sp>
+      <p:sp>
+        <p:nvSpPr>
+          <p:cNvPr id="44" name="Rectangle 43">
+            <a:extLst>
+              <a:ext uri="{FF2B5EF4-FFF2-40B4-BE49-F238E27FC236}">
+                <a16:creationId xmlns:a16="http://schemas.microsoft.com/office/drawing/2014/main" id="{D5F6A87A-876E-FC8B-181E-51C69EA4DC1E}"/>
+              </a:ext>
+            </a:extLst>
+          </p:cNvPr>
+          <p:cNvSpPr/>
+          <p:nvPr/>
+        </p:nvSpPr>
+        <p:spPr>
+          <a:xfrm>
+            <a:off x="9527096" y="4517679"/>
+            <a:ext cx="1617201" cy="947018"/>
+          </a:xfrm>
+          <a:prstGeom prst="rect">
+            <a:avLst/>
+          </a:prstGeom>
+          <a:noFill/>
+        </p:spPr>
+        <p:style>
+          <a:lnRef idx="2">
+            <a:schemeClr val="accent1">
+              <a:shade val="15000"/>
+            </a:schemeClr>
+          </a:lnRef>
+          <a:fillRef idx="1">
+            <a:schemeClr val="accent1"/>
+          </a:fillRef>
+          <a:effectRef idx="0">
+            <a:schemeClr val="accent1"/>
+          </a:effectRef>
+          <a:fontRef idx="minor">
+            <a:schemeClr val="lt1"/>
+          </a:fontRef>
+        </p:style>
+        <p:txBody>
+          <a:bodyPr rtlCol="0" anchor="ctr"/>
+          <a:lstStyle/>
+          <a:p>
+            <a:pPr algn="ctr"/>
+            <a:endParaRPr lang="es-419"/>
+          </a:p>
+        </p:txBody>
+      </p:sp>
+      <p:sp>
+        <p:nvSpPr>
+          <p:cNvPr id="45" name="TextBox 44">
+            <a:extLst>
+              <a:ext uri="{FF2B5EF4-FFF2-40B4-BE49-F238E27FC236}">
+                <a16:creationId xmlns:a16="http://schemas.microsoft.com/office/drawing/2014/main" id="{EA92BD14-D7F3-894A-415D-C1C0BBB628D1}"/>
+              </a:ext>
+            </a:extLst>
+          </p:cNvPr>
+          <p:cNvSpPr txBox="1"/>
+          <p:nvPr/>
+        </p:nvSpPr>
+        <p:spPr>
+          <a:xfrm>
+            <a:off x="9643123" y="4663400"/>
+            <a:ext cx="530915" cy="369332"/>
+          </a:xfrm>
+          <a:prstGeom prst="rect">
+            <a:avLst/>
+          </a:prstGeom>
+          <a:noFill/>
+        </p:spPr>
+        <p:txBody>
+          <a:bodyPr wrap="none" rtlCol="0">
+            <a:spAutoFit/>
+          </a:bodyPr>
+          <a:lstStyle/>
+          <a:p>
+            <a:r>
+              <a:rPr lang="es-419" dirty="0"/>
+              <a:t>CLR</a:t>
+            </a:r>
+          </a:p>
+        </p:txBody>
+      </p:sp>
+      <p:sp>
+        <p:nvSpPr>
+          <p:cNvPr id="46" name="Arrow: Down 45">
+            <a:extLst>
+              <a:ext uri="{FF2B5EF4-FFF2-40B4-BE49-F238E27FC236}">
+                <a16:creationId xmlns:a16="http://schemas.microsoft.com/office/drawing/2014/main" id="{74C11C16-4C0F-92F7-1189-F180A5F04D48}"/>
+              </a:ext>
+            </a:extLst>
+          </p:cNvPr>
+          <p:cNvSpPr/>
+          <p:nvPr/>
+        </p:nvSpPr>
+        <p:spPr>
+          <a:xfrm>
+            <a:off x="9995308" y="5522499"/>
+            <a:ext cx="683825" cy="665956"/>
+          </a:xfrm>
+          <a:prstGeom prst="downArrow">
+            <a:avLst/>
+          </a:prstGeom>
+          <a:noFill/>
+        </p:spPr>
+        <p:style>
+          <a:lnRef idx="2">
+            <a:schemeClr val="accent1">
+              <a:shade val="15000"/>
+            </a:schemeClr>
+          </a:lnRef>
+          <a:fillRef idx="1">
+            <a:schemeClr val="accent1"/>
+          </a:fillRef>
+          <a:effectRef idx="0">
+            <a:schemeClr val="accent1"/>
+          </a:effectRef>
+          <a:fontRef idx="minor">
+            <a:schemeClr val="lt1"/>
+          </a:fontRef>
+        </p:style>
+        <p:txBody>
+          <a:bodyPr rtlCol="0" anchor="ctr"/>
+          <a:lstStyle/>
+          <a:p>
+            <a:pPr algn="ctr"/>
+            <a:endParaRPr lang="es-419" dirty="0"/>
+          </a:p>
+        </p:txBody>
+      </p:sp>
+      <p:sp>
+        <p:nvSpPr>
+          <p:cNvPr id="47" name="TextBox 46">
+            <a:extLst>
+              <a:ext uri="{FF2B5EF4-FFF2-40B4-BE49-F238E27FC236}">
+                <a16:creationId xmlns:a16="http://schemas.microsoft.com/office/drawing/2014/main" id="{6448D439-E18C-44F2-464B-5CDA8360A32D}"/>
+              </a:ext>
+            </a:extLst>
+          </p:cNvPr>
+          <p:cNvSpPr txBox="1"/>
+          <p:nvPr/>
+        </p:nvSpPr>
+        <p:spPr>
+          <a:xfrm>
+            <a:off x="9407127" y="6151829"/>
+            <a:ext cx="2019784" cy="369332"/>
+          </a:xfrm>
+          <a:prstGeom prst="rect">
+            <a:avLst/>
+          </a:prstGeom>
+          <a:noFill/>
+        </p:spPr>
+        <p:txBody>
+          <a:bodyPr wrap="none" rtlCol="0">
+            <a:spAutoFit/>
+          </a:bodyPr>
+          <a:lstStyle/>
+          <a:p>
+            <a:r>
+              <a:rPr lang="es-419" dirty="0"/>
+              <a:t>Machine </a:t>
+            </a:r>
+            <a:r>
+              <a:rPr lang="es-419" dirty="0" err="1"/>
+              <a:t>Language</a:t>
+            </a:r>
+            <a:endParaRPr lang="es-419" dirty="0"/>
+          </a:p>
+        </p:txBody>
+      </p:sp>
+      <p:sp>
+        <p:nvSpPr>
+          <p:cNvPr id="48" name="Cross 47">
+            <a:extLst>
+              <a:ext uri="{FF2B5EF4-FFF2-40B4-BE49-F238E27FC236}">
+                <a16:creationId xmlns:a16="http://schemas.microsoft.com/office/drawing/2014/main" id="{3884A18F-839D-231A-4193-56204D062824}"/>
+              </a:ext>
+            </a:extLst>
+          </p:cNvPr>
+          <p:cNvSpPr/>
+          <p:nvPr/>
+        </p:nvSpPr>
+        <p:spPr>
+          <a:xfrm rot="2934813">
+            <a:off x="9335258" y="1974244"/>
+            <a:ext cx="367736" cy="353424"/>
+          </a:xfrm>
+          <a:prstGeom prst="plus">
+            <a:avLst>
+              <a:gd name="adj" fmla="val 44035"/>
+            </a:avLst>
+          </a:prstGeom>
+          <a:solidFill>
+            <a:srgbClr val="FF0000"/>
+          </a:solidFill>
+          <a:ln>
+            <a:solidFill>
+              <a:srgbClr val="FF0000"/>
+            </a:solidFill>
+          </a:ln>
+        </p:spPr>
+        <p:style>
+          <a:lnRef idx="2">
+            <a:schemeClr val="accent1">
+              <a:shade val="15000"/>
+            </a:schemeClr>
+          </a:lnRef>
+          <a:fillRef idx="1">
+            <a:schemeClr val="accent1"/>
+          </a:fillRef>
+          <a:effectRef idx="0">
+            <a:schemeClr val="accent1"/>
+          </a:effectRef>
+          <a:fontRef idx="minor">
+            <a:schemeClr val="lt1"/>
+          </a:fontRef>
+        </p:style>
+        <p:txBody>
+          <a:bodyPr rtlCol="0" anchor="ctr"/>
+          <a:lstStyle/>
+          <a:p>
+            <a:pPr algn="ctr"/>
+            <a:endParaRPr lang="es-419" dirty="0"/>
+          </a:p>
+        </p:txBody>
+      </p:sp>
+      <p:sp>
+        <p:nvSpPr>
+          <p:cNvPr id="49" name="TextBox 48">
+            <a:extLst>
+              <a:ext uri="{FF2B5EF4-FFF2-40B4-BE49-F238E27FC236}">
+                <a16:creationId xmlns:a16="http://schemas.microsoft.com/office/drawing/2014/main" id="{B34CE895-1958-85CA-C17D-65B7FE7A0DAF}"/>
+              </a:ext>
+            </a:extLst>
+          </p:cNvPr>
+          <p:cNvSpPr txBox="1"/>
+          <p:nvPr/>
+        </p:nvSpPr>
+        <p:spPr>
+          <a:xfrm>
+            <a:off x="8694479" y="4069532"/>
+            <a:ext cx="930063" cy="1200329"/>
+          </a:xfrm>
+          <a:prstGeom prst="rect">
+            <a:avLst/>
+          </a:prstGeom>
+          <a:noFill/>
+        </p:spPr>
+        <p:txBody>
+          <a:bodyPr wrap="none" rtlCol="0">
+            <a:spAutoFit/>
+          </a:bodyPr>
+          <a:lstStyle/>
+          <a:p>
+            <a:r>
+              <a:rPr lang="es-419" dirty="0"/>
+              <a:t>O.S.</a:t>
+            </a:r>
+          </a:p>
+          <a:p>
+            <a:r>
+              <a:rPr lang="es-419" dirty="0" err="1"/>
+              <a:t>Win</a:t>
+            </a:r>
+            <a:r>
+              <a:rPr lang="es-419" dirty="0"/>
+              <a:t> 95</a:t>
+            </a:r>
+          </a:p>
+          <a:p>
+            <a:r>
+              <a:rPr lang="es-419" dirty="0" err="1"/>
+              <a:t>Win</a:t>
+            </a:r>
+            <a:r>
+              <a:rPr lang="es-419" dirty="0"/>
+              <a:t> Me</a:t>
+            </a:r>
+          </a:p>
+          <a:p>
+            <a:r>
+              <a:rPr lang="es-419" dirty="0" err="1"/>
+              <a:t>Win</a:t>
+            </a:r>
+            <a:r>
+              <a:rPr lang="es-419" dirty="0"/>
+              <a:t> NT</a:t>
+            </a:r>
+          </a:p>
+        </p:txBody>
+      </p:sp>
     </p:spTree>
     <p:extLst>
       <p:ext uri="{BB962C8B-B14F-4D97-AF65-F5344CB8AC3E}">
         <p14:creationId xmlns:p14="http://schemas.microsoft.com/office/powerpoint/2010/main" val="1961803340"/>
+      </p:ext>
+    </p:extLst>
+  </p:cSld>
+  <p:clrMapOvr>
+    <a:masterClrMapping/>
+  </p:clrMapOvr>
+</p:sld>
+</file>
+
+<file path=ppt/slides/slide2.xml><?xml version="1.0" encoding="utf-8"?>
+<p:sld xmlns:a="http://schemas.openxmlformats.org/drawingml/2006/main" xmlns:r="http://schemas.openxmlformats.org/officeDocument/2006/relationships" xmlns:p="http://schemas.openxmlformats.org/presentationml/2006/main">
+  <p:cSld>
+    <p:spTree>
+      <p:nvGrpSpPr>
+        <p:cNvPr id="1" name=""/>
+        <p:cNvGrpSpPr/>
+        <p:nvPr/>
+      </p:nvGrpSpPr>
+      <p:grpSpPr>
+        <a:xfrm>
+          <a:off x="0" y="0"/>
+          <a:ext cx="0" cy="0"/>
+          <a:chOff x="0" y="0"/>
+          <a:chExt cx="0" cy="0"/>
+        </a:xfrm>
+      </p:grpSpPr>
+      <p:sp>
+        <p:nvSpPr>
+          <p:cNvPr id="4" name="Hexagon 3">
+            <a:extLst>
+              <a:ext uri="{FF2B5EF4-FFF2-40B4-BE49-F238E27FC236}">
+                <a16:creationId xmlns:a16="http://schemas.microsoft.com/office/drawing/2014/main" id="{5BCE388B-4C20-B396-6C0C-3BF1476524B1}"/>
+              </a:ext>
+            </a:extLst>
+          </p:cNvPr>
+          <p:cNvSpPr/>
+          <p:nvPr/>
+        </p:nvSpPr>
+        <p:spPr>
+          <a:xfrm>
+            <a:off x="1270444" y="660903"/>
+            <a:ext cx="913675" cy="787651"/>
+          </a:xfrm>
+          <a:prstGeom prst="hexagon">
+            <a:avLst/>
+          </a:prstGeom>
+          <a:noFill/>
+        </p:spPr>
+        <p:style>
+          <a:lnRef idx="2">
+            <a:schemeClr val="accent1">
+              <a:shade val="15000"/>
+            </a:schemeClr>
+          </a:lnRef>
+          <a:fillRef idx="1">
+            <a:schemeClr val="accent1"/>
+          </a:fillRef>
+          <a:effectRef idx="0">
+            <a:schemeClr val="accent1"/>
+          </a:effectRef>
+          <a:fontRef idx="minor">
+            <a:schemeClr val="lt1"/>
+          </a:fontRef>
+        </p:style>
+        <p:txBody>
+          <a:bodyPr rtlCol="0" anchor="ctr"/>
+          <a:lstStyle/>
+          <a:p>
+            <a:pPr algn="ctr"/>
+            <a:r>
+              <a:rPr lang="es-419" dirty="0">
+                <a:solidFill>
+                  <a:schemeClr val="tx1"/>
+                </a:solidFill>
+              </a:rPr>
+              <a:t>Java</a:t>
+            </a:r>
+          </a:p>
+        </p:txBody>
+      </p:sp>
+      <p:sp>
+        <p:nvSpPr>
+          <p:cNvPr id="5" name="TextBox 4">
+            <a:extLst>
+              <a:ext uri="{FF2B5EF4-FFF2-40B4-BE49-F238E27FC236}">
+                <a16:creationId xmlns:a16="http://schemas.microsoft.com/office/drawing/2014/main" id="{BA33E39A-B52D-311D-79DD-87AF7E9CD906}"/>
+              </a:ext>
+            </a:extLst>
+          </p:cNvPr>
+          <p:cNvSpPr txBox="1"/>
+          <p:nvPr/>
+        </p:nvSpPr>
+        <p:spPr>
+          <a:xfrm>
+            <a:off x="1934967" y="312871"/>
+            <a:ext cx="638316" cy="369332"/>
+          </a:xfrm>
+          <a:prstGeom prst="rect">
+            <a:avLst/>
+          </a:prstGeom>
+          <a:noFill/>
+        </p:spPr>
+        <p:txBody>
+          <a:bodyPr wrap="none" rtlCol="0">
+            <a:spAutoFit/>
+          </a:bodyPr>
+          <a:lstStyle/>
+          <a:p>
+            <a:r>
+              <a:rPr lang="es-419" dirty="0"/>
+              <a:t>JRMI</a:t>
+            </a:r>
+          </a:p>
+        </p:txBody>
+      </p:sp>
+      <p:sp>
+        <p:nvSpPr>
+          <p:cNvPr id="6" name="Hexagon 5">
+            <a:extLst>
+              <a:ext uri="{FF2B5EF4-FFF2-40B4-BE49-F238E27FC236}">
+                <a16:creationId xmlns:a16="http://schemas.microsoft.com/office/drawing/2014/main" id="{0ADC47D2-D498-5A98-E2D7-10144459A081}"/>
+              </a:ext>
+            </a:extLst>
+          </p:cNvPr>
+          <p:cNvSpPr/>
+          <p:nvPr/>
+        </p:nvSpPr>
+        <p:spPr>
+          <a:xfrm>
+            <a:off x="1276539" y="2254313"/>
+            <a:ext cx="913675" cy="787651"/>
+          </a:xfrm>
+          <a:prstGeom prst="hexagon">
+            <a:avLst/>
+          </a:prstGeom>
+          <a:noFill/>
+        </p:spPr>
+        <p:style>
+          <a:lnRef idx="2">
+            <a:schemeClr val="accent1">
+              <a:shade val="15000"/>
+            </a:schemeClr>
+          </a:lnRef>
+          <a:fillRef idx="1">
+            <a:schemeClr val="accent1"/>
+          </a:fillRef>
+          <a:effectRef idx="0">
+            <a:schemeClr val="accent1"/>
+          </a:effectRef>
+          <a:fontRef idx="minor">
+            <a:schemeClr val="lt1"/>
+          </a:fontRef>
+        </p:style>
+        <p:txBody>
+          <a:bodyPr rtlCol="0" anchor="ctr"/>
+          <a:lstStyle/>
+          <a:p>
+            <a:pPr algn="ctr"/>
+            <a:r>
+              <a:rPr lang="es-419" dirty="0">
+                <a:solidFill>
+                  <a:schemeClr val="tx1"/>
+                </a:solidFill>
+              </a:rPr>
+              <a:t>VB</a:t>
+            </a:r>
+          </a:p>
+        </p:txBody>
+      </p:sp>
+      <p:sp>
+        <p:nvSpPr>
+          <p:cNvPr id="7" name="TextBox 6">
+            <a:extLst>
+              <a:ext uri="{FF2B5EF4-FFF2-40B4-BE49-F238E27FC236}">
+                <a16:creationId xmlns:a16="http://schemas.microsoft.com/office/drawing/2014/main" id="{F8A6FDF7-65C7-A5C7-BCD2-BD30E08AAA91}"/>
+              </a:ext>
+            </a:extLst>
+          </p:cNvPr>
+          <p:cNvSpPr txBox="1"/>
+          <p:nvPr/>
+        </p:nvSpPr>
+        <p:spPr>
+          <a:xfrm>
+            <a:off x="1222114" y="1884981"/>
+            <a:ext cx="770917" cy="369332"/>
+          </a:xfrm>
+          <a:prstGeom prst="rect">
+            <a:avLst/>
+          </a:prstGeom>
+          <a:noFill/>
+        </p:spPr>
+        <p:txBody>
+          <a:bodyPr wrap="none" rtlCol="0">
+            <a:spAutoFit/>
+          </a:bodyPr>
+          <a:lstStyle/>
+          <a:p>
+            <a:r>
+              <a:rPr lang="es-419" dirty="0"/>
+              <a:t>COM+</a:t>
+            </a:r>
+          </a:p>
+        </p:txBody>
+      </p:sp>
+      <p:sp>
+        <p:nvSpPr>
+          <p:cNvPr id="8" name="Hexagon 7">
+            <a:extLst>
+              <a:ext uri="{FF2B5EF4-FFF2-40B4-BE49-F238E27FC236}">
+                <a16:creationId xmlns:a16="http://schemas.microsoft.com/office/drawing/2014/main" id="{A5AD205F-572C-31C2-7C79-F30C419BF324}"/>
+              </a:ext>
+            </a:extLst>
+          </p:cNvPr>
+          <p:cNvSpPr/>
+          <p:nvPr/>
+        </p:nvSpPr>
+        <p:spPr>
+          <a:xfrm>
+            <a:off x="3216939" y="2254313"/>
+            <a:ext cx="913675" cy="787651"/>
+          </a:xfrm>
+          <a:prstGeom prst="hexagon">
+            <a:avLst/>
+          </a:prstGeom>
+          <a:noFill/>
+        </p:spPr>
+        <p:style>
+          <a:lnRef idx="2">
+            <a:schemeClr val="accent1">
+              <a:shade val="15000"/>
+            </a:schemeClr>
+          </a:lnRef>
+          <a:fillRef idx="1">
+            <a:schemeClr val="accent1"/>
+          </a:fillRef>
+          <a:effectRef idx="0">
+            <a:schemeClr val="accent1"/>
+          </a:effectRef>
+          <a:fontRef idx="minor">
+            <a:schemeClr val="lt1"/>
+          </a:fontRef>
+        </p:style>
+        <p:txBody>
+          <a:bodyPr rtlCol="0" anchor="ctr"/>
+          <a:lstStyle/>
+          <a:p>
+            <a:pPr algn="ctr"/>
+            <a:r>
+              <a:rPr lang="es-419" sz="1200" dirty="0" err="1">
+                <a:solidFill>
+                  <a:schemeClr val="tx1"/>
+                </a:solidFill>
+              </a:rPr>
+              <a:t>Other</a:t>
+            </a:r>
+            <a:endParaRPr lang="es-419" sz="1200" dirty="0">
+              <a:solidFill>
+                <a:schemeClr val="tx1"/>
+              </a:solidFill>
+            </a:endParaRPr>
+          </a:p>
+        </p:txBody>
+      </p:sp>
+      <p:sp>
+        <p:nvSpPr>
+          <p:cNvPr id="9" name="TextBox 8">
+            <a:extLst>
+              <a:ext uri="{FF2B5EF4-FFF2-40B4-BE49-F238E27FC236}">
+                <a16:creationId xmlns:a16="http://schemas.microsoft.com/office/drawing/2014/main" id="{ACD1C736-951D-7A2A-925E-9B442CE1619F}"/>
+              </a:ext>
+            </a:extLst>
+          </p:cNvPr>
+          <p:cNvSpPr txBox="1"/>
+          <p:nvPr/>
+        </p:nvSpPr>
+        <p:spPr>
+          <a:xfrm>
+            <a:off x="3899369" y="1884981"/>
+            <a:ext cx="742511" cy="369332"/>
+          </a:xfrm>
+          <a:prstGeom prst="rect">
+            <a:avLst/>
+          </a:prstGeom>
+          <a:noFill/>
+        </p:spPr>
+        <p:txBody>
+          <a:bodyPr wrap="none" rtlCol="0">
+            <a:spAutoFit/>
+          </a:bodyPr>
+          <a:lstStyle/>
+          <a:p>
+            <a:r>
+              <a:rPr lang="es-419" dirty="0" err="1"/>
+              <a:t>Corba</a:t>
+            </a:r>
+            <a:endParaRPr lang="es-419" dirty="0"/>
+          </a:p>
+        </p:txBody>
+      </p:sp>
+      <p:sp>
+        <p:nvSpPr>
+          <p:cNvPr id="10" name="TextBox 9">
+            <a:extLst>
+              <a:ext uri="{FF2B5EF4-FFF2-40B4-BE49-F238E27FC236}">
+                <a16:creationId xmlns:a16="http://schemas.microsoft.com/office/drawing/2014/main" id="{8D45738E-8673-87E7-DEC1-E0AC9D05CB14}"/>
+              </a:ext>
+            </a:extLst>
+          </p:cNvPr>
+          <p:cNvSpPr txBox="1"/>
+          <p:nvPr/>
+        </p:nvSpPr>
+        <p:spPr>
+          <a:xfrm>
+            <a:off x="226337" y="128205"/>
+            <a:ext cx="780535" cy="369332"/>
+          </a:xfrm>
+          <a:prstGeom prst="rect">
+            <a:avLst/>
+          </a:prstGeom>
+          <a:noFill/>
+        </p:spPr>
+        <p:txBody>
+          <a:bodyPr wrap="none" rtlCol="0">
+            <a:spAutoFit/>
+          </a:bodyPr>
+          <a:lstStyle/>
+          <a:p>
+            <a:r>
+              <a:rPr lang="es-419" dirty="0" err="1"/>
+              <a:t>Binary</a:t>
+            </a:r>
+            <a:endParaRPr lang="es-419" dirty="0"/>
+          </a:p>
+        </p:txBody>
+      </p:sp>
+      <p:sp>
+        <p:nvSpPr>
+          <p:cNvPr id="11" name="Hexagon 10">
+            <a:extLst>
+              <a:ext uri="{FF2B5EF4-FFF2-40B4-BE49-F238E27FC236}">
+                <a16:creationId xmlns:a16="http://schemas.microsoft.com/office/drawing/2014/main" id="{0A589131-05CB-5255-2DAF-BFC405554DF7}"/>
+              </a:ext>
+            </a:extLst>
+          </p:cNvPr>
+          <p:cNvSpPr/>
+          <p:nvPr/>
+        </p:nvSpPr>
+        <p:spPr>
+          <a:xfrm>
+            <a:off x="3216939" y="660903"/>
+            <a:ext cx="913675" cy="787651"/>
+          </a:xfrm>
+          <a:prstGeom prst="hexagon">
+            <a:avLst/>
+          </a:prstGeom>
+          <a:noFill/>
+        </p:spPr>
+        <p:style>
+          <a:lnRef idx="2">
+            <a:schemeClr val="accent1">
+              <a:shade val="15000"/>
+            </a:schemeClr>
+          </a:lnRef>
+          <a:fillRef idx="1">
+            <a:schemeClr val="accent1"/>
+          </a:fillRef>
+          <a:effectRef idx="0">
+            <a:schemeClr val="accent1"/>
+          </a:effectRef>
+          <a:fontRef idx="minor">
+            <a:schemeClr val="lt1"/>
+          </a:fontRef>
+        </p:style>
+        <p:txBody>
+          <a:bodyPr rtlCol="0" anchor="ctr"/>
+          <a:lstStyle/>
+          <a:p>
+            <a:pPr algn="ctr"/>
+            <a:r>
+              <a:rPr lang="es-419" sz="1100" dirty="0" err="1">
+                <a:solidFill>
+                  <a:schemeClr val="tx1"/>
+                </a:solidFill>
+              </a:rPr>
+              <a:t>.Net</a:t>
+            </a:r>
+            <a:endParaRPr lang="es-419" sz="1100" dirty="0">
+              <a:solidFill>
+                <a:schemeClr val="tx1"/>
+              </a:solidFill>
+            </a:endParaRPr>
+          </a:p>
+          <a:p>
+            <a:pPr algn="ctr"/>
+            <a:r>
+              <a:rPr lang="es-419" sz="1100" dirty="0">
+                <a:solidFill>
+                  <a:schemeClr val="tx1"/>
+                </a:solidFill>
+              </a:rPr>
+              <a:t>Framework</a:t>
+            </a:r>
+          </a:p>
+        </p:txBody>
+      </p:sp>
+      <p:sp>
+        <p:nvSpPr>
+          <p:cNvPr id="12" name="TextBox 11">
+            <a:extLst>
+              <a:ext uri="{FF2B5EF4-FFF2-40B4-BE49-F238E27FC236}">
+                <a16:creationId xmlns:a16="http://schemas.microsoft.com/office/drawing/2014/main" id="{3029314F-9C59-4E8E-3B1E-69B0D788EDA9}"/>
+              </a:ext>
+            </a:extLst>
+          </p:cNvPr>
+          <p:cNvSpPr txBox="1"/>
+          <p:nvPr/>
+        </p:nvSpPr>
+        <p:spPr>
+          <a:xfrm>
+            <a:off x="4270625" y="731562"/>
+            <a:ext cx="3638560" cy="646331"/>
+          </a:xfrm>
+          <a:prstGeom prst="rect">
+            <a:avLst/>
+          </a:prstGeom>
+          <a:noFill/>
+        </p:spPr>
+        <p:txBody>
+          <a:bodyPr wrap="none" rtlCol="0">
+            <a:spAutoFit/>
+          </a:bodyPr>
+          <a:lstStyle/>
+          <a:p>
+            <a:r>
+              <a:rPr lang="es-419" dirty="0" err="1"/>
+              <a:t>Window</a:t>
+            </a:r>
+            <a:r>
+              <a:rPr lang="es-419" dirty="0"/>
+              <a:t> </a:t>
+            </a:r>
+            <a:r>
+              <a:rPr lang="es-419" dirty="0" err="1"/>
+              <a:t>Communication</a:t>
+            </a:r>
+            <a:r>
+              <a:rPr lang="es-419" dirty="0"/>
+              <a:t> </a:t>
+            </a:r>
+            <a:r>
+              <a:rPr lang="es-419" dirty="0" err="1"/>
+              <a:t>Foundation</a:t>
+            </a:r>
+            <a:endParaRPr lang="es-419" dirty="0"/>
+          </a:p>
+          <a:p>
+            <a:r>
+              <a:rPr lang="es-419" dirty="0"/>
+              <a:t>WCF</a:t>
+            </a:r>
+          </a:p>
+        </p:txBody>
+      </p:sp>
+      <p:cxnSp>
+        <p:nvCxnSpPr>
+          <p:cNvPr id="13" name="Straight Arrow Connector 12">
+            <a:extLst>
+              <a:ext uri="{FF2B5EF4-FFF2-40B4-BE49-F238E27FC236}">
+                <a16:creationId xmlns:a16="http://schemas.microsoft.com/office/drawing/2014/main" id="{FD802B64-1C6C-E1BC-2338-92DDF5B9B31D}"/>
+              </a:ext>
+            </a:extLst>
+          </p:cNvPr>
+          <p:cNvCxnSpPr>
+            <a:stCxn id="11" idx="3"/>
+          </p:cNvCxnSpPr>
+          <p:nvPr/>
+        </p:nvCxnSpPr>
+        <p:spPr>
+          <a:xfrm flipH="1">
+            <a:off x="2184119" y="1054729"/>
+            <a:ext cx="1032820" cy="0"/>
+          </a:xfrm>
+          <a:prstGeom prst="straightConnector1">
+            <a:avLst/>
+          </a:prstGeom>
+          <a:ln>
+            <a:tailEnd type="triangle"/>
+          </a:ln>
+        </p:spPr>
+        <p:style>
+          <a:lnRef idx="1">
+            <a:schemeClr val="accent1"/>
+          </a:lnRef>
+          <a:fillRef idx="0">
+            <a:schemeClr val="accent1"/>
+          </a:fillRef>
+          <a:effectRef idx="0">
+            <a:schemeClr val="accent1"/>
+          </a:effectRef>
+          <a:fontRef idx="minor">
+            <a:schemeClr val="tx1"/>
+          </a:fontRef>
+        </p:style>
+      </p:cxnSp>
+      <p:cxnSp>
+        <p:nvCxnSpPr>
+          <p:cNvPr id="14" name="Straight Arrow Connector 13">
+            <a:extLst>
+              <a:ext uri="{FF2B5EF4-FFF2-40B4-BE49-F238E27FC236}">
+                <a16:creationId xmlns:a16="http://schemas.microsoft.com/office/drawing/2014/main" id="{124B8C0F-BE2F-88CE-0F4B-FE70DFE43F1A}"/>
+              </a:ext>
+            </a:extLst>
+          </p:cNvPr>
+          <p:cNvCxnSpPr>
+            <a:cxnSpLocks/>
+            <a:stCxn id="11" idx="3"/>
+          </p:cNvCxnSpPr>
+          <p:nvPr/>
+        </p:nvCxnSpPr>
+        <p:spPr>
+          <a:xfrm flipH="1">
+            <a:off x="1987206" y="1054729"/>
+            <a:ext cx="1229733" cy="1199584"/>
+          </a:xfrm>
+          <a:prstGeom prst="straightConnector1">
+            <a:avLst/>
+          </a:prstGeom>
+          <a:ln>
+            <a:tailEnd type="triangle"/>
+          </a:ln>
+        </p:spPr>
+        <p:style>
+          <a:lnRef idx="1">
+            <a:schemeClr val="accent1"/>
+          </a:lnRef>
+          <a:fillRef idx="0">
+            <a:schemeClr val="accent1"/>
+          </a:fillRef>
+          <a:effectRef idx="0">
+            <a:schemeClr val="accent1"/>
+          </a:effectRef>
+          <a:fontRef idx="minor">
+            <a:schemeClr val="tx1"/>
+          </a:fontRef>
+        </p:style>
+      </p:cxnSp>
+      <p:cxnSp>
+        <p:nvCxnSpPr>
+          <p:cNvPr id="15" name="Straight Arrow Connector 14">
+            <a:extLst>
+              <a:ext uri="{FF2B5EF4-FFF2-40B4-BE49-F238E27FC236}">
+                <a16:creationId xmlns:a16="http://schemas.microsoft.com/office/drawing/2014/main" id="{50CD7CF0-739D-008E-BBF2-31B3308E1875}"/>
+              </a:ext>
+            </a:extLst>
+          </p:cNvPr>
+          <p:cNvCxnSpPr>
+            <a:stCxn id="11" idx="3"/>
+          </p:cNvCxnSpPr>
+          <p:nvPr/>
+        </p:nvCxnSpPr>
+        <p:spPr>
+          <a:xfrm>
+            <a:off x="3216939" y="1054729"/>
+            <a:ext cx="196913" cy="1199584"/>
+          </a:xfrm>
+          <a:prstGeom prst="straightConnector1">
+            <a:avLst/>
+          </a:prstGeom>
+          <a:ln>
+            <a:tailEnd type="triangle"/>
+          </a:ln>
+        </p:spPr>
+        <p:style>
+          <a:lnRef idx="1">
+            <a:schemeClr val="accent1"/>
+          </a:lnRef>
+          <a:fillRef idx="0">
+            <a:schemeClr val="accent1"/>
+          </a:fillRef>
+          <a:effectRef idx="0">
+            <a:schemeClr val="accent1"/>
+          </a:effectRef>
+          <a:fontRef idx="minor">
+            <a:schemeClr val="tx1"/>
+          </a:fontRef>
+        </p:style>
+      </p:cxnSp>
+      <p:sp>
+        <p:nvSpPr>
+          <p:cNvPr id="16" name="Rectangle: Rounded Corners 15">
+            <a:extLst>
+              <a:ext uri="{FF2B5EF4-FFF2-40B4-BE49-F238E27FC236}">
+                <a16:creationId xmlns:a16="http://schemas.microsoft.com/office/drawing/2014/main" id="{3C32BEE7-61E3-A10E-0335-C9122C6C9793}"/>
+              </a:ext>
+            </a:extLst>
+          </p:cNvPr>
+          <p:cNvSpPr/>
+          <p:nvPr/>
+        </p:nvSpPr>
+        <p:spPr>
+          <a:xfrm>
+            <a:off x="651850" y="3528094"/>
+            <a:ext cx="2906162" cy="2598344"/>
+          </a:xfrm>
+          <a:prstGeom prst="roundRect">
+            <a:avLst/>
+          </a:prstGeom>
+          <a:noFill/>
+        </p:spPr>
+        <p:style>
+          <a:lnRef idx="2">
+            <a:schemeClr val="accent1">
+              <a:shade val="15000"/>
+            </a:schemeClr>
+          </a:lnRef>
+          <a:fillRef idx="1">
+            <a:schemeClr val="accent1"/>
+          </a:fillRef>
+          <a:effectRef idx="0">
+            <a:schemeClr val="accent1"/>
+          </a:effectRef>
+          <a:fontRef idx="minor">
+            <a:schemeClr val="lt1"/>
+          </a:fontRef>
+        </p:style>
+        <p:txBody>
+          <a:bodyPr rtlCol="0" anchor="ctr"/>
+          <a:lstStyle/>
+          <a:p>
+            <a:pPr algn="ctr"/>
+            <a:r>
+              <a:rPr lang="es-419" dirty="0" err="1">
+                <a:solidFill>
+                  <a:sysClr val="windowText" lastClr="000000"/>
+                </a:solidFill>
+              </a:rPr>
+              <a:t>.Net</a:t>
+            </a:r>
+            <a:r>
+              <a:rPr lang="es-419" dirty="0">
+                <a:solidFill>
+                  <a:sysClr val="windowText" lastClr="000000"/>
+                </a:solidFill>
+              </a:rPr>
+              <a:t> Framework</a:t>
+            </a:r>
+          </a:p>
+        </p:txBody>
+      </p:sp>
+      <p:sp>
+        <p:nvSpPr>
+          <p:cNvPr id="17" name="Rectangle 16">
+            <a:extLst>
+              <a:ext uri="{FF2B5EF4-FFF2-40B4-BE49-F238E27FC236}">
+                <a16:creationId xmlns:a16="http://schemas.microsoft.com/office/drawing/2014/main" id="{0E345C6D-51C9-E58A-87B3-4B3294603BF9}"/>
+              </a:ext>
+            </a:extLst>
+          </p:cNvPr>
+          <p:cNvSpPr/>
+          <p:nvPr/>
+        </p:nvSpPr>
+        <p:spPr>
+          <a:xfrm>
+            <a:off x="1013988" y="3790644"/>
+            <a:ext cx="733331" cy="688467"/>
+          </a:xfrm>
+          <a:prstGeom prst="rect">
+            <a:avLst/>
+          </a:prstGeom>
+          <a:noFill/>
+        </p:spPr>
+        <p:style>
+          <a:lnRef idx="2">
+            <a:schemeClr val="accent1">
+              <a:shade val="15000"/>
+            </a:schemeClr>
+          </a:lnRef>
+          <a:fillRef idx="1">
+            <a:schemeClr val="accent1"/>
+          </a:fillRef>
+          <a:effectRef idx="0">
+            <a:schemeClr val="accent1"/>
+          </a:effectRef>
+          <a:fontRef idx="minor">
+            <a:schemeClr val="lt1"/>
+          </a:fontRef>
+        </p:style>
+        <p:txBody>
+          <a:bodyPr rtlCol="0" anchor="ctr"/>
+          <a:lstStyle/>
+          <a:p>
+            <a:pPr algn="ctr"/>
+            <a:endParaRPr lang="es-419"/>
+          </a:p>
+        </p:txBody>
+      </p:sp>
+      <p:sp>
+        <p:nvSpPr>
+          <p:cNvPr id="18" name="Rectangle 17">
+            <a:extLst>
+              <a:ext uri="{FF2B5EF4-FFF2-40B4-BE49-F238E27FC236}">
+                <a16:creationId xmlns:a16="http://schemas.microsoft.com/office/drawing/2014/main" id="{B083D2DB-3BF0-04D1-3083-0DF2AA5E8525}"/>
+              </a:ext>
+            </a:extLst>
+          </p:cNvPr>
+          <p:cNvSpPr/>
+          <p:nvPr/>
+        </p:nvSpPr>
+        <p:spPr>
+          <a:xfrm>
+            <a:off x="1873705" y="3790644"/>
+            <a:ext cx="733331" cy="688467"/>
+          </a:xfrm>
+          <a:prstGeom prst="rect">
+            <a:avLst/>
+          </a:prstGeom>
+          <a:noFill/>
+        </p:spPr>
+        <p:style>
+          <a:lnRef idx="2">
+            <a:schemeClr val="accent1">
+              <a:shade val="15000"/>
+            </a:schemeClr>
+          </a:lnRef>
+          <a:fillRef idx="1">
+            <a:schemeClr val="accent1"/>
+          </a:fillRef>
+          <a:effectRef idx="0">
+            <a:schemeClr val="accent1"/>
+          </a:effectRef>
+          <a:fontRef idx="minor">
+            <a:schemeClr val="lt1"/>
+          </a:fontRef>
+        </p:style>
+        <p:txBody>
+          <a:bodyPr rtlCol="0" anchor="ctr"/>
+          <a:lstStyle/>
+          <a:p>
+            <a:pPr algn="ctr"/>
+            <a:endParaRPr lang="es-419"/>
+          </a:p>
+        </p:txBody>
+      </p:sp>
+      <p:sp>
+        <p:nvSpPr>
+          <p:cNvPr id="19" name="Rectangle 18">
+            <a:extLst>
+              <a:ext uri="{FF2B5EF4-FFF2-40B4-BE49-F238E27FC236}">
+                <a16:creationId xmlns:a16="http://schemas.microsoft.com/office/drawing/2014/main" id="{94B84B22-8B7D-15E0-B0D4-FDCAF855FCD8}"/>
+              </a:ext>
+            </a:extLst>
+          </p:cNvPr>
+          <p:cNvSpPr/>
+          <p:nvPr/>
+        </p:nvSpPr>
+        <p:spPr>
+          <a:xfrm>
+            <a:off x="2719479" y="3790644"/>
+            <a:ext cx="733331" cy="688467"/>
+          </a:xfrm>
+          <a:prstGeom prst="rect">
+            <a:avLst/>
+          </a:prstGeom>
+          <a:noFill/>
+        </p:spPr>
+        <p:style>
+          <a:lnRef idx="2">
+            <a:schemeClr val="accent1">
+              <a:shade val="15000"/>
+            </a:schemeClr>
+          </a:lnRef>
+          <a:fillRef idx="1">
+            <a:schemeClr val="accent1"/>
+          </a:fillRef>
+          <a:effectRef idx="0">
+            <a:schemeClr val="accent1"/>
+          </a:effectRef>
+          <a:fontRef idx="minor">
+            <a:schemeClr val="lt1"/>
+          </a:fontRef>
+        </p:style>
+        <p:txBody>
+          <a:bodyPr rtlCol="0" anchor="ctr"/>
+          <a:lstStyle/>
+          <a:p>
+            <a:pPr algn="ctr"/>
+            <a:endParaRPr lang="es-419"/>
+          </a:p>
+        </p:txBody>
+      </p:sp>
+      <p:sp>
+        <p:nvSpPr>
+          <p:cNvPr id="20" name="Rectangle 19">
+            <a:extLst>
+              <a:ext uri="{FF2B5EF4-FFF2-40B4-BE49-F238E27FC236}">
+                <a16:creationId xmlns:a16="http://schemas.microsoft.com/office/drawing/2014/main" id="{774293D0-9B19-E1B5-7F3C-FBE012D2526C}"/>
+              </a:ext>
+            </a:extLst>
+          </p:cNvPr>
+          <p:cNvSpPr/>
+          <p:nvPr/>
+        </p:nvSpPr>
+        <p:spPr>
+          <a:xfrm>
+            <a:off x="1013988" y="5185282"/>
+            <a:ext cx="733331" cy="688467"/>
+          </a:xfrm>
+          <a:prstGeom prst="rect">
+            <a:avLst/>
+          </a:prstGeom>
+          <a:noFill/>
+        </p:spPr>
+        <p:style>
+          <a:lnRef idx="2">
+            <a:schemeClr val="accent1">
+              <a:shade val="15000"/>
+            </a:schemeClr>
+          </a:lnRef>
+          <a:fillRef idx="1">
+            <a:schemeClr val="accent1"/>
+          </a:fillRef>
+          <a:effectRef idx="0">
+            <a:schemeClr val="accent1"/>
+          </a:effectRef>
+          <a:fontRef idx="minor">
+            <a:schemeClr val="lt1"/>
+          </a:fontRef>
+        </p:style>
+        <p:txBody>
+          <a:bodyPr rtlCol="0" anchor="ctr"/>
+          <a:lstStyle/>
+          <a:p>
+            <a:pPr algn="ctr"/>
+            <a:r>
+              <a:rPr lang="es-419" dirty="0">
+                <a:solidFill>
+                  <a:schemeClr val="tx1"/>
+                </a:solidFill>
+              </a:rPr>
+              <a:t>WCF</a:t>
+            </a:r>
+          </a:p>
+        </p:txBody>
+      </p:sp>
+      <p:sp>
+        <p:nvSpPr>
+          <p:cNvPr id="22" name="TextBox 21">
+            <a:extLst>
+              <a:ext uri="{FF2B5EF4-FFF2-40B4-BE49-F238E27FC236}">
+                <a16:creationId xmlns:a16="http://schemas.microsoft.com/office/drawing/2014/main" id="{7E83939C-41C3-6EF6-251D-45A7C0928C9B}"/>
+              </a:ext>
+            </a:extLst>
+          </p:cNvPr>
+          <p:cNvSpPr txBox="1"/>
+          <p:nvPr/>
+        </p:nvSpPr>
+        <p:spPr>
+          <a:xfrm>
+            <a:off x="718893" y="3105371"/>
+            <a:ext cx="819455" cy="369332"/>
+          </a:xfrm>
+          <a:prstGeom prst="rect">
+            <a:avLst/>
+          </a:prstGeom>
+          <a:noFill/>
+        </p:spPr>
+        <p:txBody>
+          <a:bodyPr wrap="none" rtlCol="0">
+            <a:spAutoFit/>
+          </a:bodyPr>
+          <a:lstStyle/>
+          <a:p>
+            <a:r>
+              <a:rPr lang="es-419" dirty="0" err="1"/>
+              <a:t>Owner</a:t>
+            </a:r>
+            <a:endParaRPr lang="es-419" dirty="0"/>
+          </a:p>
+        </p:txBody>
+      </p:sp>
+      <p:sp>
+        <p:nvSpPr>
+          <p:cNvPr id="23" name="Rectangle: Rounded Corners 22">
+            <a:extLst>
+              <a:ext uri="{FF2B5EF4-FFF2-40B4-BE49-F238E27FC236}">
+                <a16:creationId xmlns:a16="http://schemas.microsoft.com/office/drawing/2014/main" id="{B684C63D-C943-4FD3-E478-22E8E3F8A2ED}"/>
+              </a:ext>
+            </a:extLst>
+          </p:cNvPr>
+          <p:cNvSpPr/>
+          <p:nvPr/>
+        </p:nvSpPr>
+        <p:spPr>
+          <a:xfrm>
+            <a:off x="5721066" y="3528094"/>
+            <a:ext cx="1883845" cy="2598344"/>
+          </a:xfrm>
+          <a:prstGeom prst="roundRect">
+            <a:avLst/>
+          </a:prstGeom>
+          <a:noFill/>
+        </p:spPr>
+        <p:style>
+          <a:lnRef idx="2">
+            <a:schemeClr val="accent1">
+              <a:shade val="15000"/>
+            </a:schemeClr>
+          </a:lnRef>
+          <a:fillRef idx="1">
+            <a:schemeClr val="accent1"/>
+          </a:fillRef>
+          <a:effectRef idx="0">
+            <a:schemeClr val="accent1"/>
+          </a:effectRef>
+          <a:fontRef idx="minor">
+            <a:schemeClr val="lt1"/>
+          </a:fontRef>
+        </p:style>
+        <p:txBody>
+          <a:bodyPr rtlCol="0" anchor="ctr"/>
+          <a:lstStyle/>
+          <a:p>
+            <a:pPr algn="ctr"/>
+            <a:r>
+              <a:rPr lang="es-419" dirty="0" err="1">
+                <a:solidFill>
+                  <a:sysClr val="windowText" lastClr="000000"/>
+                </a:solidFill>
+              </a:rPr>
+              <a:t>.Net</a:t>
+            </a:r>
+            <a:r>
+              <a:rPr lang="es-419" dirty="0">
+                <a:solidFill>
+                  <a:sysClr val="windowText" lastClr="000000"/>
+                </a:solidFill>
+              </a:rPr>
+              <a:t> Core</a:t>
+            </a:r>
+          </a:p>
+        </p:txBody>
+      </p:sp>
+      <p:sp>
+        <p:nvSpPr>
+          <p:cNvPr id="24" name="Rectangle 23">
+            <a:extLst>
+              <a:ext uri="{FF2B5EF4-FFF2-40B4-BE49-F238E27FC236}">
+                <a16:creationId xmlns:a16="http://schemas.microsoft.com/office/drawing/2014/main" id="{5FA3115F-CBC4-CA8C-5886-B13CA6C51C0F}"/>
+              </a:ext>
+            </a:extLst>
+          </p:cNvPr>
+          <p:cNvSpPr/>
+          <p:nvPr/>
+        </p:nvSpPr>
+        <p:spPr>
+          <a:xfrm>
+            <a:off x="5879138" y="3790644"/>
+            <a:ext cx="733331" cy="688467"/>
+          </a:xfrm>
+          <a:prstGeom prst="rect">
+            <a:avLst/>
+          </a:prstGeom>
+          <a:noFill/>
+        </p:spPr>
+        <p:style>
+          <a:lnRef idx="2">
+            <a:schemeClr val="accent1">
+              <a:shade val="15000"/>
+            </a:schemeClr>
+          </a:lnRef>
+          <a:fillRef idx="1">
+            <a:schemeClr val="accent1"/>
+          </a:fillRef>
+          <a:effectRef idx="0">
+            <a:schemeClr val="accent1"/>
+          </a:effectRef>
+          <a:fontRef idx="minor">
+            <a:schemeClr val="lt1"/>
+          </a:fontRef>
+        </p:style>
+        <p:txBody>
+          <a:bodyPr rtlCol="0" anchor="ctr"/>
+          <a:lstStyle/>
+          <a:p>
+            <a:pPr algn="ctr"/>
+            <a:endParaRPr lang="es-419"/>
+          </a:p>
+        </p:txBody>
+      </p:sp>
+      <p:sp>
+        <p:nvSpPr>
+          <p:cNvPr id="25" name="TextBox 24">
+            <a:extLst>
+              <a:ext uri="{FF2B5EF4-FFF2-40B4-BE49-F238E27FC236}">
+                <a16:creationId xmlns:a16="http://schemas.microsoft.com/office/drawing/2014/main" id="{6C746FD6-2AEC-9BF1-1876-88251E86CED9}"/>
+              </a:ext>
+            </a:extLst>
+          </p:cNvPr>
+          <p:cNvSpPr txBox="1"/>
+          <p:nvPr/>
+        </p:nvSpPr>
+        <p:spPr>
+          <a:xfrm>
+            <a:off x="5788833" y="3105371"/>
+            <a:ext cx="1388329" cy="369332"/>
+          </a:xfrm>
+          <a:prstGeom prst="rect">
+            <a:avLst/>
+          </a:prstGeom>
+          <a:noFill/>
+        </p:spPr>
+        <p:txBody>
+          <a:bodyPr wrap="none" rtlCol="0">
+            <a:spAutoFit/>
+          </a:bodyPr>
+          <a:lstStyle/>
+          <a:p>
+            <a:r>
+              <a:rPr lang="es-419" dirty="0"/>
+              <a:t>Open </a:t>
+            </a:r>
+            <a:r>
+              <a:rPr lang="es-419" dirty="0" err="1"/>
+              <a:t>Source</a:t>
+            </a:r>
+            <a:endParaRPr lang="es-419" dirty="0"/>
+          </a:p>
+        </p:txBody>
+      </p:sp>
+      <p:sp>
+        <p:nvSpPr>
+          <p:cNvPr id="26" name="Rectangle 25">
+            <a:extLst>
+              <a:ext uri="{FF2B5EF4-FFF2-40B4-BE49-F238E27FC236}">
+                <a16:creationId xmlns:a16="http://schemas.microsoft.com/office/drawing/2014/main" id="{778792C7-5141-15DE-09D3-96E6C0EE29BD}"/>
+              </a:ext>
+            </a:extLst>
+          </p:cNvPr>
+          <p:cNvSpPr/>
+          <p:nvPr/>
+        </p:nvSpPr>
+        <p:spPr>
+          <a:xfrm>
+            <a:off x="5893806" y="5185282"/>
+            <a:ext cx="552261" cy="461323"/>
+          </a:xfrm>
+          <a:prstGeom prst="rect">
+            <a:avLst/>
+          </a:prstGeom>
+          <a:noFill/>
+        </p:spPr>
+        <p:style>
+          <a:lnRef idx="2">
+            <a:schemeClr val="accent1">
+              <a:shade val="15000"/>
+            </a:schemeClr>
+          </a:lnRef>
+          <a:fillRef idx="1">
+            <a:schemeClr val="accent1"/>
+          </a:fillRef>
+          <a:effectRef idx="0">
+            <a:schemeClr val="accent1"/>
+          </a:effectRef>
+          <a:fontRef idx="minor">
+            <a:schemeClr val="lt1"/>
+          </a:fontRef>
+        </p:style>
+        <p:txBody>
+          <a:bodyPr rtlCol="0" anchor="ctr"/>
+          <a:lstStyle/>
+          <a:p>
+            <a:pPr algn="ctr"/>
+            <a:r>
+              <a:rPr lang="es-419" sz="1400" dirty="0" err="1">
+                <a:solidFill>
+                  <a:schemeClr val="tx1"/>
+                </a:solidFill>
+              </a:rPr>
+              <a:t>Win</a:t>
+            </a:r>
+            <a:endParaRPr lang="es-419" sz="1400" dirty="0">
+              <a:solidFill>
+                <a:schemeClr val="tx1"/>
+              </a:solidFill>
+            </a:endParaRPr>
+          </a:p>
+        </p:txBody>
+      </p:sp>
+      <p:sp>
+        <p:nvSpPr>
+          <p:cNvPr id="27" name="Rectangle 26">
+            <a:extLst>
+              <a:ext uri="{FF2B5EF4-FFF2-40B4-BE49-F238E27FC236}">
+                <a16:creationId xmlns:a16="http://schemas.microsoft.com/office/drawing/2014/main" id="{3C68A20B-C7A4-545C-DE88-A7907B0B59C4}"/>
+              </a:ext>
+            </a:extLst>
+          </p:cNvPr>
+          <p:cNvSpPr/>
+          <p:nvPr/>
+        </p:nvSpPr>
+        <p:spPr>
+          <a:xfrm>
+            <a:off x="6612832" y="5185282"/>
+            <a:ext cx="552261" cy="461323"/>
+          </a:xfrm>
+          <a:prstGeom prst="rect">
+            <a:avLst/>
+          </a:prstGeom>
+          <a:noFill/>
+        </p:spPr>
+        <p:style>
+          <a:lnRef idx="2">
+            <a:schemeClr val="accent1">
+              <a:shade val="15000"/>
+            </a:schemeClr>
+          </a:lnRef>
+          <a:fillRef idx="1">
+            <a:schemeClr val="accent1"/>
+          </a:fillRef>
+          <a:effectRef idx="0">
+            <a:schemeClr val="accent1"/>
+          </a:effectRef>
+          <a:fontRef idx="minor">
+            <a:schemeClr val="lt1"/>
+          </a:fontRef>
+        </p:style>
+        <p:txBody>
+          <a:bodyPr rtlCol="0" anchor="ctr"/>
+          <a:lstStyle/>
+          <a:p>
+            <a:pPr algn="ctr"/>
+            <a:r>
+              <a:rPr lang="es-419" sz="1050" dirty="0">
+                <a:solidFill>
+                  <a:schemeClr val="tx1"/>
+                </a:solidFill>
+              </a:rPr>
+              <a:t>Linux</a:t>
+            </a:r>
+          </a:p>
+          <a:p>
+            <a:pPr algn="ctr"/>
+            <a:r>
+              <a:rPr lang="es-419" sz="1050" dirty="0">
+                <a:solidFill>
+                  <a:schemeClr val="tx1"/>
+                </a:solidFill>
+              </a:rPr>
+              <a:t>(</a:t>
+            </a:r>
+            <a:r>
+              <a:rPr lang="es-419" sz="900" dirty="0">
+                <a:solidFill>
+                  <a:schemeClr val="tx1"/>
+                </a:solidFill>
+              </a:rPr>
+              <a:t>Mono</a:t>
+            </a:r>
+            <a:r>
+              <a:rPr lang="es-419" sz="1050" dirty="0">
+                <a:solidFill>
+                  <a:schemeClr val="tx1"/>
+                </a:solidFill>
+              </a:rPr>
+              <a:t>)</a:t>
+            </a:r>
+          </a:p>
+        </p:txBody>
+      </p:sp>
+      <p:sp>
+        <p:nvSpPr>
+          <p:cNvPr id="28" name="Rectangle 27">
+            <a:extLst>
+              <a:ext uri="{FF2B5EF4-FFF2-40B4-BE49-F238E27FC236}">
+                <a16:creationId xmlns:a16="http://schemas.microsoft.com/office/drawing/2014/main" id="{42E8CF9C-273C-6B13-5526-DC3A36F4B9EE}"/>
+              </a:ext>
+            </a:extLst>
+          </p:cNvPr>
+          <p:cNvSpPr/>
+          <p:nvPr/>
+        </p:nvSpPr>
+        <p:spPr>
+          <a:xfrm>
+            <a:off x="6673213" y="3790644"/>
+            <a:ext cx="733331" cy="688467"/>
+          </a:xfrm>
+          <a:prstGeom prst="rect">
+            <a:avLst/>
+          </a:prstGeom>
+          <a:noFill/>
+        </p:spPr>
+        <p:style>
+          <a:lnRef idx="2">
+            <a:schemeClr val="accent1">
+              <a:shade val="15000"/>
+            </a:schemeClr>
+          </a:lnRef>
+          <a:fillRef idx="1">
+            <a:schemeClr val="accent1"/>
+          </a:fillRef>
+          <a:effectRef idx="0">
+            <a:schemeClr val="accent1"/>
+          </a:effectRef>
+          <a:fontRef idx="minor">
+            <a:schemeClr val="lt1"/>
+          </a:fontRef>
+        </p:style>
+        <p:txBody>
+          <a:bodyPr rtlCol="0" anchor="ctr"/>
+          <a:lstStyle/>
+          <a:p>
+            <a:pPr algn="ctr"/>
+            <a:endParaRPr lang="es-419"/>
+          </a:p>
+        </p:txBody>
+      </p:sp>
+      <p:sp>
+        <p:nvSpPr>
+          <p:cNvPr id="29" name="Arrow: Right 28">
+            <a:extLst>
+              <a:ext uri="{FF2B5EF4-FFF2-40B4-BE49-F238E27FC236}">
+                <a16:creationId xmlns:a16="http://schemas.microsoft.com/office/drawing/2014/main" id="{D71215EE-26D6-15B5-FEC4-F1F4345F004B}"/>
+              </a:ext>
+            </a:extLst>
+          </p:cNvPr>
+          <p:cNvSpPr/>
+          <p:nvPr/>
+        </p:nvSpPr>
+        <p:spPr>
+          <a:xfrm>
+            <a:off x="651850" y="6271697"/>
+            <a:ext cx="9125893" cy="579422"/>
+          </a:xfrm>
+          <a:prstGeom prst="rightArrow">
+            <a:avLst/>
+          </a:prstGeom>
+          <a:noFill/>
+        </p:spPr>
+        <p:style>
+          <a:lnRef idx="2">
+            <a:schemeClr val="accent1">
+              <a:shade val="15000"/>
+            </a:schemeClr>
+          </a:lnRef>
+          <a:fillRef idx="1">
+            <a:schemeClr val="accent1"/>
+          </a:fillRef>
+          <a:effectRef idx="0">
+            <a:schemeClr val="accent1"/>
+          </a:effectRef>
+          <a:fontRef idx="minor">
+            <a:schemeClr val="lt1"/>
+          </a:fontRef>
+        </p:style>
+        <p:txBody>
+          <a:bodyPr rtlCol="0" anchor="ctr"/>
+          <a:lstStyle/>
+          <a:p>
+            <a:pPr algn="ctr"/>
+            <a:endParaRPr lang="es-419"/>
+          </a:p>
+        </p:txBody>
+      </p:sp>
+      <p:sp>
+        <p:nvSpPr>
+          <p:cNvPr id="30" name="TextBox 29">
+            <a:extLst>
+              <a:ext uri="{FF2B5EF4-FFF2-40B4-BE49-F238E27FC236}">
+                <a16:creationId xmlns:a16="http://schemas.microsoft.com/office/drawing/2014/main" id="{5C3D0B96-C026-31ED-689F-C47314F769F7}"/>
+              </a:ext>
+            </a:extLst>
+          </p:cNvPr>
+          <p:cNvSpPr txBox="1"/>
+          <p:nvPr/>
+        </p:nvSpPr>
+        <p:spPr>
+          <a:xfrm>
+            <a:off x="9832063" y="6126438"/>
+            <a:ext cx="1360244" cy="646331"/>
+          </a:xfrm>
+          <a:prstGeom prst="rect">
+            <a:avLst/>
+          </a:prstGeom>
+          <a:noFill/>
+        </p:spPr>
+        <p:txBody>
+          <a:bodyPr wrap="none" rtlCol="0">
+            <a:spAutoFit/>
+          </a:bodyPr>
+          <a:lstStyle/>
+          <a:p>
+            <a:r>
+              <a:rPr lang="es-419" dirty="0"/>
+              <a:t>2019</a:t>
+            </a:r>
+          </a:p>
+          <a:p>
+            <a:r>
+              <a:rPr lang="es-419" dirty="0"/>
+              <a:t>Net Core 3.1</a:t>
+            </a:r>
+          </a:p>
+        </p:txBody>
+      </p:sp>
+      <p:sp>
+        <p:nvSpPr>
+          <p:cNvPr id="31" name="Arrow: Right 30">
+            <a:extLst>
+              <a:ext uri="{FF2B5EF4-FFF2-40B4-BE49-F238E27FC236}">
+                <a16:creationId xmlns:a16="http://schemas.microsoft.com/office/drawing/2014/main" id="{DA1B3785-0B7D-3447-8A83-E0319DEC1F54}"/>
+              </a:ext>
+            </a:extLst>
+          </p:cNvPr>
+          <p:cNvSpPr/>
+          <p:nvPr/>
+        </p:nvSpPr>
+        <p:spPr>
+          <a:xfrm>
+            <a:off x="4037121" y="4406280"/>
+            <a:ext cx="1204836" cy="787651"/>
+          </a:xfrm>
+          <a:prstGeom prst="rightArrow">
+            <a:avLst/>
+          </a:prstGeom>
+          <a:noFill/>
+        </p:spPr>
+        <p:style>
+          <a:lnRef idx="2">
+            <a:schemeClr val="accent1">
+              <a:shade val="15000"/>
+            </a:schemeClr>
+          </a:lnRef>
+          <a:fillRef idx="1">
+            <a:schemeClr val="accent1"/>
+          </a:fillRef>
+          <a:effectRef idx="0">
+            <a:schemeClr val="accent1"/>
+          </a:effectRef>
+          <a:fontRef idx="minor">
+            <a:schemeClr val="lt1"/>
+          </a:fontRef>
+        </p:style>
+        <p:txBody>
+          <a:bodyPr rtlCol="0" anchor="ctr"/>
+          <a:lstStyle/>
+          <a:p>
+            <a:pPr algn="ctr"/>
+            <a:endParaRPr lang="es-419"/>
+          </a:p>
+        </p:txBody>
+      </p:sp>
+      <p:sp>
+        <p:nvSpPr>
+          <p:cNvPr id="32" name="Cross 31">
+            <a:extLst>
+              <a:ext uri="{FF2B5EF4-FFF2-40B4-BE49-F238E27FC236}">
+                <a16:creationId xmlns:a16="http://schemas.microsoft.com/office/drawing/2014/main" id="{253F52DF-8A54-F66C-EB02-9FAF70F7236B}"/>
+              </a:ext>
+            </a:extLst>
+          </p:cNvPr>
+          <p:cNvSpPr/>
+          <p:nvPr/>
+        </p:nvSpPr>
+        <p:spPr>
+          <a:xfrm rot="2934813">
+            <a:off x="1788530" y="5406518"/>
+            <a:ext cx="367736" cy="353424"/>
+          </a:xfrm>
+          <a:prstGeom prst="plus">
+            <a:avLst>
+              <a:gd name="adj" fmla="val 44035"/>
+            </a:avLst>
+          </a:prstGeom>
+          <a:solidFill>
+            <a:srgbClr val="FF0000"/>
+          </a:solidFill>
+          <a:ln>
+            <a:solidFill>
+              <a:srgbClr val="FF0000"/>
+            </a:solidFill>
+          </a:ln>
+        </p:spPr>
+        <p:style>
+          <a:lnRef idx="2">
+            <a:schemeClr val="accent1">
+              <a:shade val="15000"/>
+            </a:schemeClr>
+          </a:lnRef>
+          <a:fillRef idx="1">
+            <a:schemeClr val="accent1"/>
+          </a:fillRef>
+          <a:effectRef idx="0">
+            <a:schemeClr val="accent1"/>
+          </a:effectRef>
+          <a:fontRef idx="minor">
+            <a:schemeClr val="lt1"/>
+          </a:fontRef>
+        </p:style>
+        <p:txBody>
+          <a:bodyPr rtlCol="0" anchor="ctr"/>
+          <a:lstStyle/>
+          <a:p>
+            <a:pPr algn="ctr"/>
+            <a:endParaRPr lang="es-419"/>
+          </a:p>
+        </p:txBody>
+      </p:sp>
+      <p:sp>
+        <p:nvSpPr>
+          <p:cNvPr id="34" name="Rectangle 33">
+            <a:extLst>
+              <a:ext uri="{FF2B5EF4-FFF2-40B4-BE49-F238E27FC236}">
+                <a16:creationId xmlns:a16="http://schemas.microsoft.com/office/drawing/2014/main" id="{2175429E-B33E-53A1-D2EA-B9C199E78B76}"/>
+              </a:ext>
+            </a:extLst>
+          </p:cNvPr>
+          <p:cNvSpPr/>
+          <p:nvPr/>
+        </p:nvSpPr>
+        <p:spPr>
+          <a:xfrm>
+            <a:off x="4875291" y="5583230"/>
+            <a:ext cx="733331" cy="688467"/>
+          </a:xfrm>
+          <a:prstGeom prst="rect">
+            <a:avLst/>
+          </a:prstGeom>
+          <a:noFill/>
+        </p:spPr>
+        <p:style>
+          <a:lnRef idx="2">
+            <a:schemeClr val="accent1">
+              <a:shade val="15000"/>
+            </a:schemeClr>
+          </a:lnRef>
+          <a:fillRef idx="1">
+            <a:schemeClr val="accent1"/>
+          </a:fillRef>
+          <a:effectRef idx="0">
+            <a:schemeClr val="accent1"/>
+          </a:effectRef>
+          <a:fontRef idx="minor">
+            <a:schemeClr val="lt1"/>
+          </a:fontRef>
+        </p:style>
+        <p:txBody>
+          <a:bodyPr rtlCol="0" anchor="ctr"/>
+          <a:lstStyle/>
+          <a:p>
+            <a:pPr algn="ctr"/>
+            <a:r>
+              <a:rPr lang="es-419" dirty="0">
+                <a:solidFill>
+                  <a:schemeClr val="tx1"/>
+                </a:solidFill>
+              </a:rPr>
+              <a:t>WCF’</a:t>
+            </a:r>
+          </a:p>
+        </p:txBody>
+      </p:sp>
+      <p:sp>
+        <p:nvSpPr>
+          <p:cNvPr id="35" name="Rectangle: Rounded Corners 34">
+            <a:extLst>
+              <a:ext uri="{FF2B5EF4-FFF2-40B4-BE49-F238E27FC236}">
+                <a16:creationId xmlns:a16="http://schemas.microsoft.com/office/drawing/2014/main" id="{D224F9C6-ACB0-C01E-96A5-B824BE4517D8}"/>
+              </a:ext>
+            </a:extLst>
+          </p:cNvPr>
+          <p:cNvSpPr/>
+          <p:nvPr/>
+        </p:nvSpPr>
+        <p:spPr>
+          <a:xfrm>
+            <a:off x="7771676" y="3528094"/>
+            <a:ext cx="1883845" cy="2598344"/>
+          </a:xfrm>
+          <a:prstGeom prst="roundRect">
+            <a:avLst/>
+          </a:prstGeom>
+          <a:noFill/>
+        </p:spPr>
+        <p:style>
+          <a:lnRef idx="2">
+            <a:schemeClr val="accent1">
+              <a:shade val="15000"/>
+            </a:schemeClr>
+          </a:lnRef>
+          <a:fillRef idx="1">
+            <a:schemeClr val="accent1"/>
+          </a:fillRef>
+          <a:effectRef idx="0">
+            <a:schemeClr val="accent1"/>
+          </a:effectRef>
+          <a:fontRef idx="minor">
+            <a:schemeClr val="lt1"/>
+          </a:fontRef>
+        </p:style>
+        <p:txBody>
+          <a:bodyPr rtlCol="0" anchor="ctr"/>
+          <a:lstStyle/>
+          <a:p>
+            <a:pPr algn="ctr"/>
+            <a:r>
+              <a:rPr lang="es-419" dirty="0" err="1">
+                <a:solidFill>
+                  <a:sysClr val="windowText" lastClr="000000"/>
+                </a:solidFill>
+              </a:rPr>
+              <a:t>Xamarin</a:t>
+            </a:r>
+            <a:endParaRPr lang="es-419" dirty="0">
+              <a:solidFill>
+                <a:sysClr val="windowText" lastClr="000000"/>
+              </a:solidFill>
+            </a:endParaRPr>
+          </a:p>
+          <a:p>
+            <a:pPr algn="ctr"/>
+            <a:r>
+              <a:rPr lang="es-419" dirty="0">
+                <a:solidFill>
+                  <a:sysClr val="windowText" lastClr="000000"/>
+                </a:solidFill>
+              </a:rPr>
+              <a:t>(Mobile)</a:t>
+            </a:r>
+          </a:p>
+          <a:p>
+            <a:pPr algn="ctr"/>
+            <a:r>
+              <a:rPr lang="es-419" dirty="0">
+                <a:solidFill>
+                  <a:sysClr val="windowText" lastClr="000000"/>
+                </a:solidFill>
+              </a:rPr>
+              <a:t>Mono</a:t>
+            </a:r>
+          </a:p>
+        </p:txBody>
+      </p:sp>
+      <p:sp>
+        <p:nvSpPr>
+          <p:cNvPr id="36" name="TextBox 35">
+            <a:extLst>
+              <a:ext uri="{FF2B5EF4-FFF2-40B4-BE49-F238E27FC236}">
+                <a16:creationId xmlns:a16="http://schemas.microsoft.com/office/drawing/2014/main" id="{FB402D3F-03D2-D867-4BE7-E6BCD8424566}"/>
+              </a:ext>
+            </a:extLst>
+          </p:cNvPr>
+          <p:cNvSpPr txBox="1"/>
+          <p:nvPr/>
+        </p:nvSpPr>
+        <p:spPr>
+          <a:xfrm>
+            <a:off x="7952610" y="3582414"/>
+            <a:ext cx="423514" cy="646331"/>
+          </a:xfrm>
+          <a:prstGeom prst="rect">
+            <a:avLst/>
+          </a:prstGeom>
+          <a:noFill/>
+        </p:spPr>
+        <p:txBody>
+          <a:bodyPr wrap="none" rtlCol="0">
+            <a:spAutoFit/>
+          </a:bodyPr>
+          <a:lstStyle/>
+          <a:p>
+            <a:r>
+              <a:rPr lang="es-419" dirty="0"/>
+              <a:t>C#</a:t>
+            </a:r>
+          </a:p>
+          <a:p>
+            <a:endParaRPr lang="es-419" dirty="0"/>
+          </a:p>
+        </p:txBody>
+      </p:sp>
+      <p:sp>
+        <p:nvSpPr>
+          <p:cNvPr id="37" name="Rectangle 36">
+            <a:extLst>
+              <a:ext uri="{FF2B5EF4-FFF2-40B4-BE49-F238E27FC236}">
+                <a16:creationId xmlns:a16="http://schemas.microsoft.com/office/drawing/2014/main" id="{76D690D5-15CD-61DA-F17E-9D5621BED607}"/>
+              </a:ext>
+            </a:extLst>
+          </p:cNvPr>
+          <p:cNvSpPr/>
+          <p:nvPr/>
+        </p:nvSpPr>
+        <p:spPr>
+          <a:xfrm>
+            <a:off x="7840912" y="5352568"/>
+            <a:ext cx="666289" cy="461323"/>
+          </a:xfrm>
+          <a:prstGeom prst="rect">
+            <a:avLst/>
+          </a:prstGeom>
+          <a:noFill/>
+        </p:spPr>
+        <p:style>
+          <a:lnRef idx="2">
+            <a:schemeClr val="accent1">
+              <a:shade val="15000"/>
+            </a:schemeClr>
+          </a:lnRef>
+          <a:fillRef idx="1">
+            <a:schemeClr val="accent1"/>
+          </a:fillRef>
+          <a:effectRef idx="0">
+            <a:schemeClr val="accent1"/>
+          </a:effectRef>
+          <a:fontRef idx="minor">
+            <a:schemeClr val="lt1"/>
+          </a:fontRef>
+        </p:style>
+        <p:txBody>
+          <a:bodyPr rtlCol="0" anchor="ctr"/>
+          <a:lstStyle/>
+          <a:p>
+            <a:pPr algn="ctr"/>
+            <a:r>
+              <a:rPr lang="es-419" sz="1050" dirty="0">
+                <a:solidFill>
+                  <a:schemeClr val="tx1"/>
+                </a:solidFill>
+              </a:rPr>
+              <a:t>Android</a:t>
+            </a:r>
+          </a:p>
+          <a:p>
+            <a:pPr algn="ctr"/>
+            <a:r>
+              <a:rPr lang="es-419" sz="1050" dirty="0">
+                <a:solidFill>
+                  <a:schemeClr val="tx1"/>
+                </a:solidFill>
+              </a:rPr>
+              <a:t>Linux</a:t>
+            </a:r>
+          </a:p>
+          <a:p>
+            <a:pPr algn="ctr"/>
+            <a:r>
+              <a:rPr lang="es-419" sz="1050" dirty="0">
+                <a:solidFill>
+                  <a:schemeClr val="tx1"/>
+                </a:solidFill>
+              </a:rPr>
+              <a:t>(</a:t>
+            </a:r>
+            <a:r>
+              <a:rPr lang="es-419" sz="900" dirty="0">
+                <a:solidFill>
+                  <a:schemeClr val="tx1"/>
+                </a:solidFill>
+              </a:rPr>
+              <a:t>Mono</a:t>
+            </a:r>
+            <a:r>
+              <a:rPr lang="es-419" sz="1050" dirty="0">
+                <a:solidFill>
+                  <a:schemeClr val="tx1"/>
+                </a:solidFill>
+              </a:rPr>
+              <a:t>)</a:t>
+            </a:r>
+          </a:p>
+        </p:txBody>
+      </p:sp>
+      <p:sp>
+        <p:nvSpPr>
+          <p:cNvPr id="38" name="Rectangle 37">
+            <a:extLst>
+              <a:ext uri="{FF2B5EF4-FFF2-40B4-BE49-F238E27FC236}">
+                <a16:creationId xmlns:a16="http://schemas.microsoft.com/office/drawing/2014/main" id="{B6206453-7C6E-D1C8-88E8-24A141F670AB}"/>
+              </a:ext>
+            </a:extLst>
+          </p:cNvPr>
+          <p:cNvSpPr/>
+          <p:nvPr/>
+        </p:nvSpPr>
+        <p:spPr>
+          <a:xfrm>
+            <a:off x="8509533" y="5352567"/>
+            <a:ext cx="552261" cy="461323"/>
+          </a:xfrm>
+          <a:prstGeom prst="rect">
+            <a:avLst/>
+          </a:prstGeom>
+          <a:noFill/>
+        </p:spPr>
+        <p:style>
+          <a:lnRef idx="2">
+            <a:schemeClr val="accent1">
+              <a:shade val="15000"/>
+            </a:schemeClr>
+          </a:lnRef>
+          <a:fillRef idx="1">
+            <a:schemeClr val="accent1"/>
+          </a:fillRef>
+          <a:effectRef idx="0">
+            <a:schemeClr val="accent1"/>
+          </a:effectRef>
+          <a:fontRef idx="minor">
+            <a:schemeClr val="lt1"/>
+          </a:fontRef>
+        </p:style>
+        <p:txBody>
+          <a:bodyPr rtlCol="0" anchor="ctr"/>
+          <a:lstStyle/>
+          <a:p>
+            <a:pPr algn="ctr"/>
+            <a:r>
+              <a:rPr lang="es-419" sz="1400" dirty="0" err="1">
+                <a:solidFill>
+                  <a:schemeClr val="tx1"/>
+                </a:solidFill>
+              </a:rPr>
+              <a:t>Win</a:t>
+            </a:r>
+            <a:endParaRPr lang="es-419" sz="1400" dirty="0">
+              <a:solidFill>
+                <a:schemeClr val="tx1"/>
+              </a:solidFill>
+            </a:endParaRPr>
+          </a:p>
+        </p:txBody>
+      </p:sp>
+      <p:sp>
+        <p:nvSpPr>
+          <p:cNvPr id="39" name="Rectangle 38">
+            <a:extLst>
+              <a:ext uri="{FF2B5EF4-FFF2-40B4-BE49-F238E27FC236}">
+                <a16:creationId xmlns:a16="http://schemas.microsoft.com/office/drawing/2014/main" id="{5CBA413E-7B54-C0F6-7397-8E5366D7902E}"/>
+              </a:ext>
+            </a:extLst>
+          </p:cNvPr>
+          <p:cNvSpPr/>
+          <p:nvPr/>
+        </p:nvSpPr>
+        <p:spPr>
+          <a:xfrm>
+            <a:off x="9061794" y="5352567"/>
+            <a:ext cx="552261" cy="461323"/>
+          </a:xfrm>
+          <a:prstGeom prst="rect">
+            <a:avLst/>
+          </a:prstGeom>
+          <a:noFill/>
+        </p:spPr>
+        <p:style>
+          <a:lnRef idx="2">
+            <a:schemeClr val="accent1">
+              <a:shade val="15000"/>
+            </a:schemeClr>
+          </a:lnRef>
+          <a:fillRef idx="1">
+            <a:schemeClr val="accent1"/>
+          </a:fillRef>
+          <a:effectRef idx="0">
+            <a:schemeClr val="accent1"/>
+          </a:effectRef>
+          <a:fontRef idx="minor">
+            <a:schemeClr val="lt1"/>
+          </a:fontRef>
+        </p:style>
+        <p:txBody>
+          <a:bodyPr rtlCol="0" anchor="ctr"/>
+          <a:lstStyle/>
+          <a:p>
+            <a:pPr algn="ctr"/>
+            <a:r>
+              <a:rPr lang="es-419" sz="1400" dirty="0">
+                <a:solidFill>
+                  <a:schemeClr val="tx1"/>
+                </a:solidFill>
+              </a:rPr>
+              <a:t>iOS</a:t>
+            </a:r>
+          </a:p>
+        </p:txBody>
+      </p:sp>
+      <p:sp>
+        <p:nvSpPr>
+          <p:cNvPr id="40" name="Rectangle: Rounded Corners 39">
+            <a:extLst>
+              <a:ext uri="{FF2B5EF4-FFF2-40B4-BE49-F238E27FC236}">
+                <a16:creationId xmlns:a16="http://schemas.microsoft.com/office/drawing/2014/main" id="{DAE25FF6-5AB5-B511-D9F1-8C6E4007C557}"/>
+              </a:ext>
+            </a:extLst>
+          </p:cNvPr>
+          <p:cNvSpPr/>
+          <p:nvPr/>
+        </p:nvSpPr>
+        <p:spPr>
+          <a:xfrm>
+            <a:off x="9822286" y="3528094"/>
+            <a:ext cx="1883845" cy="2598344"/>
+          </a:xfrm>
+          <a:prstGeom prst="roundRect">
+            <a:avLst/>
+          </a:prstGeom>
+          <a:noFill/>
+        </p:spPr>
+        <p:style>
+          <a:lnRef idx="2">
+            <a:schemeClr val="accent1">
+              <a:shade val="15000"/>
+            </a:schemeClr>
+          </a:lnRef>
+          <a:fillRef idx="1">
+            <a:schemeClr val="accent1"/>
+          </a:fillRef>
+          <a:effectRef idx="0">
+            <a:schemeClr val="accent1"/>
+          </a:effectRef>
+          <a:fontRef idx="minor">
+            <a:schemeClr val="lt1"/>
+          </a:fontRef>
+        </p:style>
+        <p:txBody>
+          <a:bodyPr rtlCol="0" anchor="ctr"/>
+          <a:lstStyle/>
+          <a:p>
+            <a:pPr algn="ctr"/>
+            <a:r>
+              <a:rPr lang="es-419" dirty="0" err="1">
+                <a:solidFill>
+                  <a:sysClr val="windowText" lastClr="000000"/>
+                </a:solidFill>
+              </a:rPr>
+              <a:t>.Net</a:t>
+            </a:r>
+            <a:r>
+              <a:rPr lang="es-419" dirty="0">
+                <a:solidFill>
+                  <a:sysClr val="windowText" lastClr="000000"/>
+                </a:solidFill>
+              </a:rPr>
+              <a:t> Framework</a:t>
+            </a:r>
+          </a:p>
+        </p:txBody>
+      </p:sp>
+    </p:spTree>
+    <p:extLst>
+      <p:ext uri="{BB962C8B-B14F-4D97-AF65-F5344CB8AC3E}">
+        <p14:creationId xmlns:p14="http://schemas.microsoft.com/office/powerpoint/2010/main" val="2379373443"/>
+      </p:ext>
+    </p:extLst>
+  </p:cSld>
+  <p:clrMapOvr>
+    <a:masterClrMapping/>
+  </p:clrMapOvr>
+</p:sld>
+</file>
+
+<file path=ppt/slides/slide3.xml><?xml version="1.0" encoding="utf-8"?>
+<p:sld xmlns:a="http://schemas.openxmlformats.org/drawingml/2006/main" xmlns:r="http://schemas.openxmlformats.org/officeDocument/2006/relationships" xmlns:p="http://schemas.openxmlformats.org/presentationml/2006/main">
+  <p:cSld>
+    <p:spTree>
+      <p:nvGrpSpPr>
+        <p:cNvPr id="1" name=""/>
+        <p:cNvGrpSpPr/>
+        <p:nvPr/>
+      </p:nvGrpSpPr>
+      <p:grpSpPr>
+        <a:xfrm>
+          <a:off x="0" y="0"/>
+          <a:ext cx="0" cy="0"/>
+          <a:chOff x="0" y="0"/>
+          <a:chExt cx="0" cy="0"/>
+        </a:xfrm>
+      </p:grpSpPr>
+      <p:sp>
+        <p:nvSpPr>
+          <p:cNvPr id="4" name="Rectangle: Rounded Corners 3">
+            <a:extLst>
+              <a:ext uri="{FF2B5EF4-FFF2-40B4-BE49-F238E27FC236}">
+                <a16:creationId xmlns:a16="http://schemas.microsoft.com/office/drawing/2014/main" id="{F0EF3952-21FC-037A-D8AF-98DFEAF39A1B}"/>
+              </a:ext>
+            </a:extLst>
+          </p:cNvPr>
+          <p:cNvSpPr/>
+          <p:nvPr/>
+        </p:nvSpPr>
+        <p:spPr>
+          <a:xfrm>
+            <a:off x="533430" y="1192299"/>
+            <a:ext cx="1883845" cy="2598344"/>
+          </a:xfrm>
+          <a:prstGeom prst="roundRect">
+            <a:avLst/>
+          </a:prstGeom>
+          <a:noFill/>
+        </p:spPr>
+        <p:style>
+          <a:lnRef idx="2">
+            <a:schemeClr val="accent1">
+              <a:shade val="15000"/>
+            </a:schemeClr>
+          </a:lnRef>
+          <a:fillRef idx="1">
+            <a:schemeClr val="accent1"/>
+          </a:fillRef>
+          <a:effectRef idx="0">
+            <a:schemeClr val="accent1"/>
+          </a:effectRef>
+          <a:fontRef idx="minor">
+            <a:schemeClr val="lt1"/>
+          </a:fontRef>
+        </p:style>
+        <p:txBody>
+          <a:bodyPr rtlCol="0" anchor="ctr"/>
+          <a:lstStyle/>
+          <a:p>
+            <a:pPr algn="ctr"/>
+            <a:r>
+              <a:rPr lang="es-419" dirty="0" err="1">
+                <a:solidFill>
+                  <a:sysClr val="windowText" lastClr="000000"/>
+                </a:solidFill>
+              </a:rPr>
+              <a:t>.Net</a:t>
+            </a:r>
+            <a:r>
+              <a:rPr lang="es-419" dirty="0">
+                <a:solidFill>
+                  <a:sysClr val="windowText" lastClr="000000"/>
+                </a:solidFill>
+              </a:rPr>
+              <a:t> Core</a:t>
+            </a:r>
+          </a:p>
+        </p:txBody>
+      </p:sp>
+      <p:sp>
+        <p:nvSpPr>
+          <p:cNvPr id="5" name="Rectangle 4">
+            <a:extLst>
+              <a:ext uri="{FF2B5EF4-FFF2-40B4-BE49-F238E27FC236}">
+                <a16:creationId xmlns:a16="http://schemas.microsoft.com/office/drawing/2014/main" id="{F30E02D1-7DE1-AAB9-58AC-3770914411ED}"/>
+              </a:ext>
+            </a:extLst>
+          </p:cNvPr>
+          <p:cNvSpPr/>
+          <p:nvPr/>
+        </p:nvSpPr>
+        <p:spPr>
+          <a:xfrm>
+            <a:off x="691502" y="1454849"/>
+            <a:ext cx="733331" cy="688467"/>
+          </a:xfrm>
+          <a:prstGeom prst="rect">
+            <a:avLst/>
+          </a:prstGeom>
+          <a:noFill/>
+        </p:spPr>
+        <p:style>
+          <a:lnRef idx="2">
+            <a:schemeClr val="accent1">
+              <a:shade val="15000"/>
+            </a:schemeClr>
+          </a:lnRef>
+          <a:fillRef idx="1">
+            <a:schemeClr val="accent1"/>
+          </a:fillRef>
+          <a:effectRef idx="0">
+            <a:schemeClr val="accent1"/>
+          </a:effectRef>
+          <a:fontRef idx="minor">
+            <a:schemeClr val="lt1"/>
+          </a:fontRef>
+        </p:style>
+        <p:txBody>
+          <a:bodyPr rtlCol="0" anchor="ctr"/>
+          <a:lstStyle/>
+          <a:p>
+            <a:pPr algn="ctr"/>
+            <a:endParaRPr lang="es-419"/>
+          </a:p>
+        </p:txBody>
+      </p:sp>
+      <p:sp>
+        <p:nvSpPr>
+          <p:cNvPr id="6" name="TextBox 5">
+            <a:extLst>
+              <a:ext uri="{FF2B5EF4-FFF2-40B4-BE49-F238E27FC236}">
+                <a16:creationId xmlns:a16="http://schemas.microsoft.com/office/drawing/2014/main" id="{7D1405AA-CE66-C978-3F8D-F37E2D33A354}"/>
+              </a:ext>
+            </a:extLst>
+          </p:cNvPr>
+          <p:cNvSpPr txBox="1"/>
+          <p:nvPr/>
+        </p:nvSpPr>
+        <p:spPr>
+          <a:xfrm>
+            <a:off x="601197" y="769576"/>
+            <a:ext cx="1388329" cy="369332"/>
+          </a:xfrm>
+          <a:prstGeom prst="rect">
+            <a:avLst/>
+          </a:prstGeom>
+          <a:noFill/>
+        </p:spPr>
+        <p:txBody>
+          <a:bodyPr wrap="none" rtlCol="0">
+            <a:spAutoFit/>
+          </a:bodyPr>
+          <a:lstStyle/>
+          <a:p>
+            <a:r>
+              <a:rPr lang="es-419" dirty="0"/>
+              <a:t>Open </a:t>
+            </a:r>
+            <a:r>
+              <a:rPr lang="es-419" dirty="0" err="1"/>
+              <a:t>Source</a:t>
+            </a:r>
+            <a:endParaRPr lang="es-419" dirty="0"/>
+          </a:p>
+        </p:txBody>
+      </p:sp>
+      <p:sp>
+        <p:nvSpPr>
+          <p:cNvPr id="7" name="Rectangle: Rounded Corners 6">
+            <a:extLst>
+              <a:ext uri="{FF2B5EF4-FFF2-40B4-BE49-F238E27FC236}">
+                <a16:creationId xmlns:a16="http://schemas.microsoft.com/office/drawing/2014/main" id="{90F42C42-768A-CBC1-00D6-35AE25FA52F2}"/>
+              </a:ext>
+            </a:extLst>
+          </p:cNvPr>
+          <p:cNvSpPr/>
+          <p:nvPr/>
+        </p:nvSpPr>
+        <p:spPr>
+          <a:xfrm>
+            <a:off x="2584040" y="1192299"/>
+            <a:ext cx="1883845" cy="2598344"/>
+          </a:xfrm>
+          <a:prstGeom prst="roundRect">
+            <a:avLst/>
+          </a:prstGeom>
+          <a:noFill/>
+        </p:spPr>
+        <p:style>
+          <a:lnRef idx="2">
+            <a:schemeClr val="accent1">
+              <a:shade val="15000"/>
+            </a:schemeClr>
+          </a:lnRef>
+          <a:fillRef idx="1">
+            <a:schemeClr val="accent1"/>
+          </a:fillRef>
+          <a:effectRef idx="0">
+            <a:schemeClr val="accent1"/>
+          </a:effectRef>
+          <a:fontRef idx="minor">
+            <a:schemeClr val="lt1"/>
+          </a:fontRef>
+        </p:style>
+        <p:txBody>
+          <a:bodyPr rtlCol="0" anchor="ctr"/>
+          <a:lstStyle/>
+          <a:p>
+            <a:pPr algn="ctr"/>
+            <a:r>
+              <a:rPr lang="es-419" dirty="0" err="1">
+                <a:solidFill>
+                  <a:sysClr val="windowText" lastClr="000000"/>
+                </a:solidFill>
+              </a:rPr>
+              <a:t>Xamarin</a:t>
+            </a:r>
+            <a:endParaRPr lang="es-419" dirty="0">
+              <a:solidFill>
+                <a:sysClr val="windowText" lastClr="000000"/>
+              </a:solidFill>
+            </a:endParaRPr>
+          </a:p>
+          <a:p>
+            <a:pPr algn="ctr"/>
+            <a:r>
+              <a:rPr lang="es-419" dirty="0">
+                <a:solidFill>
+                  <a:sysClr val="windowText" lastClr="000000"/>
+                </a:solidFill>
+              </a:rPr>
+              <a:t>(Mobile)</a:t>
+            </a:r>
+          </a:p>
+          <a:p>
+            <a:pPr algn="ctr"/>
+            <a:r>
+              <a:rPr lang="es-419" dirty="0">
+                <a:solidFill>
+                  <a:sysClr val="windowText" lastClr="000000"/>
+                </a:solidFill>
+              </a:rPr>
+              <a:t>Mono</a:t>
+            </a:r>
+          </a:p>
+        </p:txBody>
+      </p:sp>
+      <p:sp>
+        <p:nvSpPr>
+          <p:cNvPr id="8" name="Rectangle 7">
+            <a:extLst>
+              <a:ext uri="{FF2B5EF4-FFF2-40B4-BE49-F238E27FC236}">
+                <a16:creationId xmlns:a16="http://schemas.microsoft.com/office/drawing/2014/main" id="{178CFB9C-83DF-FFFC-C133-08CD923E9829}"/>
+              </a:ext>
+            </a:extLst>
+          </p:cNvPr>
+          <p:cNvSpPr/>
+          <p:nvPr/>
+        </p:nvSpPr>
+        <p:spPr>
+          <a:xfrm>
+            <a:off x="706170" y="2849487"/>
+            <a:ext cx="552261" cy="461323"/>
+          </a:xfrm>
+          <a:prstGeom prst="rect">
+            <a:avLst/>
+          </a:prstGeom>
+          <a:noFill/>
+        </p:spPr>
+        <p:style>
+          <a:lnRef idx="2">
+            <a:schemeClr val="accent1">
+              <a:shade val="15000"/>
+            </a:schemeClr>
+          </a:lnRef>
+          <a:fillRef idx="1">
+            <a:schemeClr val="accent1"/>
+          </a:fillRef>
+          <a:effectRef idx="0">
+            <a:schemeClr val="accent1"/>
+          </a:effectRef>
+          <a:fontRef idx="minor">
+            <a:schemeClr val="lt1"/>
+          </a:fontRef>
+        </p:style>
+        <p:txBody>
+          <a:bodyPr rtlCol="0" anchor="ctr"/>
+          <a:lstStyle/>
+          <a:p>
+            <a:pPr algn="ctr"/>
+            <a:r>
+              <a:rPr lang="es-419" sz="1400" dirty="0" err="1">
+                <a:solidFill>
+                  <a:schemeClr val="tx1"/>
+                </a:solidFill>
+              </a:rPr>
+              <a:t>Win</a:t>
+            </a:r>
+            <a:endParaRPr lang="es-419" sz="1400" dirty="0">
+              <a:solidFill>
+                <a:schemeClr val="tx1"/>
+              </a:solidFill>
+            </a:endParaRPr>
+          </a:p>
+        </p:txBody>
+      </p:sp>
+      <p:sp>
+        <p:nvSpPr>
+          <p:cNvPr id="9" name="Rectangle 8">
+            <a:extLst>
+              <a:ext uri="{FF2B5EF4-FFF2-40B4-BE49-F238E27FC236}">
+                <a16:creationId xmlns:a16="http://schemas.microsoft.com/office/drawing/2014/main" id="{990B1111-A5E3-FD89-6515-30F7973820E9}"/>
+              </a:ext>
+            </a:extLst>
+          </p:cNvPr>
+          <p:cNvSpPr/>
+          <p:nvPr/>
+        </p:nvSpPr>
+        <p:spPr>
+          <a:xfrm>
+            <a:off x="1425196" y="2849487"/>
+            <a:ext cx="552261" cy="461323"/>
+          </a:xfrm>
+          <a:prstGeom prst="rect">
+            <a:avLst/>
+          </a:prstGeom>
+          <a:noFill/>
+        </p:spPr>
+        <p:style>
+          <a:lnRef idx="2">
+            <a:schemeClr val="accent1">
+              <a:shade val="15000"/>
+            </a:schemeClr>
+          </a:lnRef>
+          <a:fillRef idx="1">
+            <a:schemeClr val="accent1"/>
+          </a:fillRef>
+          <a:effectRef idx="0">
+            <a:schemeClr val="accent1"/>
+          </a:effectRef>
+          <a:fontRef idx="minor">
+            <a:schemeClr val="lt1"/>
+          </a:fontRef>
+        </p:style>
+        <p:txBody>
+          <a:bodyPr rtlCol="0" anchor="ctr"/>
+          <a:lstStyle/>
+          <a:p>
+            <a:pPr algn="ctr"/>
+            <a:r>
+              <a:rPr lang="es-419" sz="1050" dirty="0">
+                <a:solidFill>
+                  <a:schemeClr val="tx1"/>
+                </a:solidFill>
+              </a:rPr>
+              <a:t>Linux</a:t>
+            </a:r>
+          </a:p>
+          <a:p>
+            <a:pPr algn="ctr"/>
+            <a:r>
+              <a:rPr lang="es-419" sz="1050" dirty="0">
+                <a:solidFill>
+                  <a:schemeClr val="tx1"/>
+                </a:solidFill>
+              </a:rPr>
+              <a:t>(</a:t>
+            </a:r>
+            <a:r>
+              <a:rPr lang="es-419" sz="900" dirty="0">
+                <a:solidFill>
+                  <a:schemeClr val="tx1"/>
+                </a:solidFill>
+              </a:rPr>
+              <a:t>Mono</a:t>
+            </a:r>
+            <a:r>
+              <a:rPr lang="es-419" sz="1050" dirty="0">
+                <a:solidFill>
+                  <a:schemeClr val="tx1"/>
+                </a:solidFill>
+              </a:rPr>
+              <a:t>)</a:t>
+            </a:r>
+          </a:p>
+        </p:txBody>
+      </p:sp>
+      <p:sp>
+        <p:nvSpPr>
+          <p:cNvPr id="10" name="TextBox 9">
+            <a:extLst>
+              <a:ext uri="{FF2B5EF4-FFF2-40B4-BE49-F238E27FC236}">
+                <a16:creationId xmlns:a16="http://schemas.microsoft.com/office/drawing/2014/main" id="{855B89B7-E0D0-7EFC-BA2F-BB35973FFF82}"/>
+              </a:ext>
+            </a:extLst>
+          </p:cNvPr>
+          <p:cNvSpPr txBox="1"/>
+          <p:nvPr/>
+        </p:nvSpPr>
+        <p:spPr>
+          <a:xfrm>
+            <a:off x="2764974" y="1246619"/>
+            <a:ext cx="423514" cy="646331"/>
+          </a:xfrm>
+          <a:prstGeom prst="rect">
+            <a:avLst/>
+          </a:prstGeom>
+          <a:noFill/>
+        </p:spPr>
+        <p:txBody>
+          <a:bodyPr wrap="none" rtlCol="0">
+            <a:spAutoFit/>
+          </a:bodyPr>
+          <a:lstStyle/>
+          <a:p>
+            <a:r>
+              <a:rPr lang="es-419" dirty="0"/>
+              <a:t>C#</a:t>
+            </a:r>
+          </a:p>
+          <a:p>
+            <a:endParaRPr lang="es-419" dirty="0"/>
+          </a:p>
+        </p:txBody>
+      </p:sp>
+      <p:sp>
+        <p:nvSpPr>
+          <p:cNvPr id="11" name="Rectangle 10">
+            <a:extLst>
+              <a:ext uri="{FF2B5EF4-FFF2-40B4-BE49-F238E27FC236}">
+                <a16:creationId xmlns:a16="http://schemas.microsoft.com/office/drawing/2014/main" id="{CF847D16-DFA6-5E8A-D654-54A41761BF26}"/>
+              </a:ext>
+            </a:extLst>
+          </p:cNvPr>
+          <p:cNvSpPr/>
+          <p:nvPr/>
+        </p:nvSpPr>
+        <p:spPr>
+          <a:xfrm>
+            <a:off x="2653276" y="3016773"/>
+            <a:ext cx="666289" cy="461323"/>
+          </a:xfrm>
+          <a:prstGeom prst="rect">
+            <a:avLst/>
+          </a:prstGeom>
+          <a:noFill/>
+        </p:spPr>
+        <p:style>
+          <a:lnRef idx="2">
+            <a:schemeClr val="accent1">
+              <a:shade val="15000"/>
+            </a:schemeClr>
+          </a:lnRef>
+          <a:fillRef idx="1">
+            <a:schemeClr val="accent1"/>
+          </a:fillRef>
+          <a:effectRef idx="0">
+            <a:schemeClr val="accent1"/>
+          </a:effectRef>
+          <a:fontRef idx="minor">
+            <a:schemeClr val="lt1"/>
+          </a:fontRef>
+        </p:style>
+        <p:txBody>
+          <a:bodyPr rtlCol="0" anchor="ctr"/>
+          <a:lstStyle/>
+          <a:p>
+            <a:pPr algn="ctr"/>
+            <a:r>
+              <a:rPr lang="es-419" sz="1050" dirty="0">
+                <a:solidFill>
+                  <a:schemeClr val="tx1"/>
+                </a:solidFill>
+              </a:rPr>
+              <a:t>Android</a:t>
+            </a:r>
+          </a:p>
+          <a:p>
+            <a:pPr algn="ctr"/>
+            <a:r>
+              <a:rPr lang="es-419" sz="1050" dirty="0">
+                <a:solidFill>
+                  <a:schemeClr val="tx1"/>
+                </a:solidFill>
+              </a:rPr>
+              <a:t>Linux</a:t>
+            </a:r>
+          </a:p>
+          <a:p>
+            <a:pPr algn="ctr"/>
+            <a:r>
+              <a:rPr lang="es-419" sz="1050" dirty="0">
+                <a:solidFill>
+                  <a:schemeClr val="tx1"/>
+                </a:solidFill>
+              </a:rPr>
+              <a:t>(</a:t>
+            </a:r>
+            <a:r>
+              <a:rPr lang="es-419" sz="900" dirty="0">
+                <a:solidFill>
+                  <a:schemeClr val="tx1"/>
+                </a:solidFill>
+              </a:rPr>
+              <a:t>Mono</a:t>
+            </a:r>
+            <a:r>
+              <a:rPr lang="es-419" sz="1050" dirty="0">
+                <a:solidFill>
+                  <a:schemeClr val="tx1"/>
+                </a:solidFill>
+              </a:rPr>
+              <a:t>)</a:t>
+            </a:r>
+          </a:p>
+        </p:txBody>
+      </p:sp>
+      <p:sp>
+        <p:nvSpPr>
+          <p:cNvPr id="12" name="Rectangle 11">
+            <a:extLst>
+              <a:ext uri="{FF2B5EF4-FFF2-40B4-BE49-F238E27FC236}">
+                <a16:creationId xmlns:a16="http://schemas.microsoft.com/office/drawing/2014/main" id="{38AFCEDF-8156-F020-20A3-2088C2358D7B}"/>
+              </a:ext>
+            </a:extLst>
+          </p:cNvPr>
+          <p:cNvSpPr/>
+          <p:nvPr/>
+        </p:nvSpPr>
+        <p:spPr>
+          <a:xfrm>
+            <a:off x="3321897" y="3016772"/>
+            <a:ext cx="552261" cy="461323"/>
+          </a:xfrm>
+          <a:prstGeom prst="rect">
+            <a:avLst/>
+          </a:prstGeom>
+          <a:noFill/>
+        </p:spPr>
+        <p:style>
+          <a:lnRef idx="2">
+            <a:schemeClr val="accent1">
+              <a:shade val="15000"/>
+            </a:schemeClr>
+          </a:lnRef>
+          <a:fillRef idx="1">
+            <a:schemeClr val="accent1"/>
+          </a:fillRef>
+          <a:effectRef idx="0">
+            <a:schemeClr val="accent1"/>
+          </a:effectRef>
+          <a:fontRef idx="minor">
+            <a:schemeClr val="lt1"/>
+          </a:fontRef>
+        </p:style>
+        <p:txBody>
+          <a:bodyPr rtlCol="0" anchor="ctr"/>
+          <a:lstStyle/>
+          <a:p>
+            <a:pPr algn="ctr"/>
+            <a:r>
+              <a:rPr lang="es-419" sz="1400" dirty="0" err="1">
+                <a:solidFill>
+                  <a:schemeClr val="tx1"/>
+                </a:solidFill>
+              </a:rPr>
+              <a:t>Win</a:t>
+            </a:r>
+            <a:endParaRPr lang="es-419" sz="1400" dirty="0">
+              <a:solidFill>
+                <a:schemeClr val="tx1"/>
+              </a:solidFill>
+            </a:endParaRPr>
+          </a:p>
+        </p:txBody>
+      </p:sp>
+      <p:sp>
+        <p:nvSpPr>
+          <p:cNvPr id="13" name="Rectangle 12">
+            <a:extLst>
+              <a:ext uri="{FF2B5EF4-FFF2-40B4-BE49-F238E27FC236}">
+                <a16:creationId xmlns:a16="http://schemas.microsoft.com/office/drawing/2014/main" id="{8A1B086E-C762-939E-A185-41B1B1AD5A39}"/>
+              </a:ext>
+            </a:extLst>
+          </p:cNvPr>
+          <p:cNvSpPr/>
+          <p:nvPr/>
+        </p:nvSpPr>
+        <p:spPr>
+          <a:xfrm>
+            <a:off x="3874158" y="3016772"/>
+            <a:ext cx="552261" cy="461323"/>
+          </a:xfrm>
+          <a:prstGeom prst="rect">
+            <a:avLst/>
+          </a:prstGeom>
+          <a:noFill/>
+        </p:spPr>
+        <p:style>
+          <a:lnRef idx="2">
+            <a:schemeClr val="accent1">
+              <a:shade val="15000"/>
+            </a:schemeClr>
+          </a:lnRef>
+          <a:fillRef idx="1">
+            <a:schemeClr val="accent1"/>
+          </a:fillRef>
+          <a:effectRef idx="0">
+            <a:schemeClr val="accent1"/>
+          </a:effectRef>
+          <a:fontRef idx="minor">
+            <a:schemeClr val="lt1"/>
+          </a:fontRef>
+        </p:style>
+        <p:txBody>
+          <a:bodyPr rtlCol="0" anchor="ctr"/>
+          <a:lstStyle/>
+          <a:p>
+            <a:pPr algn="ctr"/>
+            <a:r>
+              <a:rPr lang="es-419" sz="1400" dirty="0">
+                <a:solidFill>
+                  <a:schemeClr val="tx1"/>
+                </a:solidFill>
+              </a:rPr>
+              <a:t>iOS</a:t>
+            </a:r>
+          </a:p>
+        </p:txBody>
+      </p:sp>
+      <p:sp>
+        <p:nvSpPr>
+          <p:cNvPr id="14" name="Rectangle 13">
+            <a:extLst>
+              <a:ext uri="{FF2B5EF4-FFF2-40B4-BE49-F238E27FC236}">
+                <a16:creationId xmlns:a16="http://schemas.microsoft.com/office/drawing/2014/main" id="{ACE409F5-7457-0B58-1A1E-25778EFF49F3}"/>
+              </a:ext>
+            </a:extLst>
+          </p:cNvPr>
+          <p:cNvSpPr/>
+          <p:nvPr/>
+        </p:nvSpPr>
+        <p:spPr>
+          <a:xfrm>
+            <a:off x="1485577" y="1454849"/>
+            <a:ext cx="733331" cy="688467"/>
+          </a:xfrm>
+          <a:prstGeom prst="rect">
+            <a:avLst/>
+          </a:prstGeom>
+          <a:noFill/>
+        </p:spPr>
+        <p:style>
+          <a:lnRef idx="2">
+            <a:schemeClr val="accent1">
+              <a:shade val="15000"/>
+            </a:schemeClr>
+          </a:lnRef>
+          <a:fillRef idx="1">
+            <a:schemeClr val="accent1"/>
+          </a:fillRef>
+          <a:effectRef idx="0">
+            <a:schemeClr val="accent1"/>
+          </a:effectRef>
+          <a:fontRef idx="minor">
+            <a:schemeClr val="lt1"/>
+          </a:fontRef>
+        </p:style>
+        <p:txBody>
+          <a:bodyPr rtlCol="0" anchor="ctr"/>
+          <a:lstStyle/>
+          <a:p>
+            <a:pPr algn="ctr"/>
+            <a:endParaRPr lang="es-419"/>
+          </a:p>
+        </p:txBody>
+      </p:sp>
+      <p:sp>
+        <p:nvSpPr>
+          <p:cNvPr id="15" name="Rectangle: Rounded Corners 14">
+            <a:extLst>
+              <a:ext uri="{FF2B5EF4-FFF2-40B4-BE49-F238E27FC236}">
+                <a16:creationId xmlns:a16="http://schemas.microsoft.com/office/drawing/2014/main" id="{3131A775-ABD9-E0CC-EF0B-5BCFC8D6A721}"/>
+              </a:ext>
+            </a:extLst>
+          </p:cNvPr>
+          <p:cNvSpPr/>
+          <p:nvPr/>
+        </p:nvSpPr>
+        <p:spPr>
+          <a:xfrm>
+            <a:off x="4634650" y="1192299"/>
+            <a:ext cx="1883845" cy="2598344"/>
+          </a:xfrm>
+          <a:prstGeom prst="roundRect">
+            <a:avLst/>
+          </a:prstGeom>
+          <a:noFill/>
+        </p:spPr>
+        <p:style>
+          <a:lnRef idx="2">
+            <a:schemeClr val="accent1">
+              <a:shade val="15000"/>
+            </a:schemeClr>
+          </a:lnRef>
+          <a:fillRef idx="1">
+            <a:schemeClr val="accent1"/>
+          </a:fillRef>
+          <a:effectRef idx="0">
+            <a:schemeClr val="accent1"/>
+          </a:effectRef>
+          <a:fontRef idx="minor">
+            <a:schemeClr val="lt1"/>
+          </a:fontRef>
+        </p:style>
+        <p:txBody>
+          <a:bodyPr rtlCol="0" anchor="ctr"/>
+          <a:lstStyle/>
+          <a:p>
+            <a:pPr algn="ctr"/>
+            <a:r>
+              <a:rPr lang="es-419" dirty="0" err="1">
+                <a:solidFill>
+                  <a:sysClr val="windowText" lastClr="000000"/>
+                </a:solidFill>
+              </a:rPr>
+              <a:t>.Net</a:t>
+            </a:r>
+            <a:r>
+              <a:rPr lang="es-419" dirty="0">
+                <a:solidFill>
+                  <a:sysClr val="windowText" lastClr="000000"/>
+                </a:solidFill>
+              </a:rPr>
+              <a:t> Framework</a:t>
+            </a:r>
+          </a:p>
+          <a:p>
+            <a:pPr algn="ctr"/>
+            <a:r>
+              <a:rPr lang="es-419" dirty="0">
+                <a:solidFill>
+                  <a:sysClr val="windowText" lastClr="000000"/>
+                </a:solidFill>
+              </a:rPr>
+              <a:t>4.8</a:t>
+            </a:r>
+          </a:p>
+        </p:txBody>
+      </p:sp>
+      <p:sp>
+        <p:nvSpPr>
+          <p:cNvPr id="16" name="Rectangle 15">
+            <a:extLst>
+              <a:ext uri="{FF2B5EF4-FFF2-40B4-BE49-F238E27FC236}">
+                <a16:creationId xmlns:a16="http://schemas.microsoft.com/office/drawing/2014/main" id="{EBFAA44E-064B-E4E2-495B-15C6D8BB8C1E}"/>
+              </a:ext>
+            </a:extLst>
+          </p:cNvPr>
+          <p:cNvSpPr/>
+          <p:nvPr/>
+        </p:nvSpPr>
+        <p:spPr>
+          <a:xfrm>
+            <a:off x="4902073" y="2842402"/>
+            <a:ext cx="697118" cy="461323"/>
+          </a:xfrm>
+          <a:prstGeom prst="rect">
+            <a:avLst/>
+          </a:prstGeom>
+          <a:noFill/>
+        </p:spPr>
+        <p:style>
+          <a:lnRef idx="2">
+            <a:schemeClr val="accent1">
+              <a:shade val="15000"/>
+            </a:schemeClr>
+          </a:lnRef>
+          <a:fillRef idx="1">
+            <a:schemeClr val="accent1"/>
+          </a:fillRef>
+          <a:effectRef idx="0">
+            <a:schemeClr val="accent1"/>
+          </a:effectRef>
+          <a:fontRef idx="minor">
+            <a:schemeClr val="lt1"/>
+          </a:fontRef>
+        </p:style>
+        <p:txBody>
+          <a:bodyPr rtlCol="0" anchor="ctr"/>
+          <a:lstStyle/>
+          <a:p>
+            <a:pPr algn="ctr"/>
+            <a:r>
+              <a:rPr lang="es-419" sz="1050" dirty="0" err="1">
+                <a:solidFill>
+                  <a:sysClr val="windowText" lastClr="000000"/>
+                </a:solidFill>
+              </a:rPr>
+              <a:t>WinForm</a:t>
+            </a:r>
+            <a:endParaRPr lang="es-419" sz="1050" dirty="0">
+              <a:solidFill>
+                <a:sysClr val="windowText" lastClr="000000"/>
+              </a:solidFill>
+            </a:endParaRPr>
+          </a:p>
+        </p:txBody>
+      </p:sp>
+      <p:sp>
+        <p:nvSpPr>
+          <p:cNvPr id="17" name="Arrow: Right 16">
+            <a:extLst>
+              <a:ext uri="{FF2B5EF4-FFF2-40B4-BE49-F238E27FC236}">
+                <a16:creationId xmlns:a16="http://schemas.microsoft.com/office/drawing/2014/main" id="{B4156600-AAA9-621D-E9A9-FAE55C690250}"/>
+              </a:ext>
+            </a:extLst>
+          </p:cNvPr>
+          <p:cNvSpPr/>
+          <p:nvPr/>
+        </p:nvSpPr>
+        <p:spPr>
+          <a:xfrm>
+            <a:off x="6762939" y="2263366"/>
+            <a:ext cx="579421" cy="488887"/>
+          </a:xfrm>
+          <a:prstGeom prst="rightArrow">
+            <a:avLst/>
+          </a:prstGeom>
+          <a:noFill/>
+        </p:spPr>
+        <p:style>
+          <a:lnRef idx="2">
+            <a:schemeClr val="accent1">
+              <a:shade val="15000"/>
+            </a:schemeClr>
+          </a:lnRef>
+          <a:fillRef idx="1">
+            <a:schemeClr val="accent1"/>
+          </a:fillRef>
+          <a:effectRef idx="0">
+            <a:schemeClr val="accent1"/>
+          </a:effectRef>
+          <a:fontRef idx="minor">
+            <a:schemeClr val="lt1"/>
+          </a:fontRef>
+        </p:style>
+        <p:txBody>
+          <a:bodyPr rtlCol="0" anchor="ctr"/>
+          <a:lstStyle/>
+          <a:p>
+            <a:pPr algn="ctr"/>
+            <a:endParaRPr lang="es-419"/>
+          </a:p>
+        </p:txBody>
+      </p:sp>
+      <p:sp>
+        <p:nvSpPr>
+          <p:cNvPr id="18" name="Rectangle: Rounded Corners 17">
+            <a:extLst>
+              <a:ext uri="{FF2B5EF4-FFF2-40B4-BE49-F238E27FC236}">
+                <a16:creationId xmlns:a16="http://schemas.microsoft.com/office/drawing/2014/main" id="{2543544C-EB3D-B1DA-E3D6-B06EA39EB1CF}"/>
+              </a:ext>
+            </a:extLst>
+          </p:cNvPr>
+          <p:cNvSpPr/>
+          <p:nvPr/>
+        </p:nvSpPr>
+        <p:spPr>
+          <a:xfrm>
+            <a:off x="7654879" y="1192299"/>
+            <a:ext cx="4241374" cy="2598344"/>
+          </a:xfrm>
+          <a:prstGeom prst="roundRect">
+            <a:avLst/>
+          </a:prstGeom>
+          <a:noFill/>
+        </p:spPr>
+        <p:style>
+          <a:lnRef idx="2">
+            <a:schemeClr val="accent1">
+              <a:shade val="15000"/>
+            </a:schemeClr>
+          </a:lnRef>
+          <a:fillRef idx="1">
+            <a:schemeClr val="accent1"/>
+          </a:fillRef>
+          <a:effectRef idx="0">
+            <a:schemeClr val="accent1"/>
+          </a:effectRef>
+          <a:fontRef idx="minor">
+            <a:schemeClr val="lt1"/>
+          </a:fontRef>
+        </p:style>
+        <p:txBody>
+          <a:bodyPr rtlCol="0" anchor="ctr"/>
+          <a:lstStyle/>
+          <a:p>
+            <a:pPr algn="ctr"/>
+            <a:r>
+              <a:rPr lang="es-419" dirty="0">
+                <a:solidFill>
+                  <a:sysClr val="windowText" lastClr="000000"/>
+                </a:solidFill>
+              </a:rPr>
+              <a:t>NET 5</a:t>
+            </a:r>
+          </a:p>
+        </p:txBody>
+      </p:sp>
+      <p:sp>
+        <p:nvSpPr>
+          <p:cNvPr id="19" name="TextBox 18">
+            <a:extLst>
+              <a:ext uri="{FF2B5EF4-FFF2-40B4-BE49-F238E27FC236}">
+                <a16:creationId xmlns:a16="http://schemas.microsoft.com/office/drawing/2014/main" id="{72225A20-F112-0223-1FED-249E681375FA}"/>
+              </a:ext>
+            </a:extLst>
+          </p:cNvPr>
+          <p:cNvSpPr txBox="1"/>
+          <p:nvPr/>
+        </p:nvSpPr>
+        <p:spPr>
+          <a:xfrm>
+            <a:off x="7772213" y="3878170"/>
+            <a:ext cx="1282146" cy="2831544"/>
+          </a:xfrm>
+          <a:prstGeom prst="rect">
+            <a:avLst/>
+          </a:prstGeom>
+          <a:noFill/>
+        </p:spPr>
+        <p:txBody>
+          <a:bodyPr wrap="none" rtlCol="0">
+            <a:spAutoFit/>
+          </a:bodyPr>
+          <a:lstStyle/>
+          <a:p>
+            <a:r>
+              <a:rPr lang="es-419" sz="1600" dirty="0" err="1"/>
+              <a:t>.Net</a:t>
+            </a:r>
+            <a:r>
+              <a:rPr lang="es-419" sz="1600" dirty="0"/>
+              <a:t> Core 1.0</a:t>
+            </a:r>
+          </a:p>
+          <a:p>
+            <a:r>
+              <a:rPr lang="es-419" sz="1600" dirty="0" err="1"/>
+              <a:t>.Net</a:t>
+            </a:r>
+            <a:r>
+              <a:rPr lang="es-419" sz="1600" dirty="0"/>
+              <a:t> Core 1.1</a:t>
+            </a:r>
+          </a:p>
+          <a:p>
+            <a:r>
+              <a:rPr lang="es-419" sz="1600" dirty="0" err="1"/>
+              <a:t>.Net</a:t>
+            </a:r>
+            <a:r>
+              <a:rPr lang="es-419" sz="1600" dirty="0"/>
+              <a:t> Core 2.0</a:t>
+            </a:r>
+          </a:p>
+          <a:p>
+            <a:r>
+              <a:rPr lang="es-419" sz="1600" dirty="0" err="1"/>
+              <a:t>.Net</a:t>
+            </a:r>
+            <a:r>
+              <a:rPr lang="es-419" sz="1600" dirty="0"/>
+              <a:t> Core 2.1</a:t>
+            </a:r>
+          </a:p>
+          <a:p>
+            <a:r>
+              <a:rPr lang="es-419" sz="1600" dirty="0" err="1"/>
+              <a:t>.Net</a:t>
+            </a:r>
+            <a:r>
+              <a:rPr lang="es-419" sz="1600" dirty="0"/>
+              <a:t> Core 3.0</a:t>
+            </a:r>
+          </a:p>
+          <a:p>
+            <a:r>
+              <a:rPr lang="es-419" sz="1600" dirty="0" err="1"/>
+              <a:t>.Net</a:t>
+            </a:r>
+            <a:r>
+              <a:rPr lang="es-419" sz="1600" dirty="0"/>
+              <a:t> Core 3.1</a:t>
+            </a:r>
+          </a:p>
+          <a:p>
+            <a:endParaRPr lang="es-419" sz="1600" dirty="0"/>
+          </a:p>
+          <a:p>
+            <a:r>
+              <a:rPr lang="es-419" sz="1600" dirty="0"/>
+              <a:t>NET 5</a:t>
+            </a:r>
+          </a:p>
+          <a:p>
+            <a:r>
+              <a:rPr lang="es-419" sz="1600" dirty="0"/>
+              <a:t>NET 6</a:t>
+            </a:r>
+          </a:p>
+          <a:p>
+            <a:r>
+              <a:rPr lang="es-419" sz="1600" dirty="0"/>
+              <a:t>NET 7</a:t>
+            </a:r>
+          </a:p>
+          <a:p>
+            <a:r>
+              <a:rPr lang="es-419" sz="1600" dirty="0"/>
+              <a:t>NET 8</a:t>
+            </a:r>
+          </a:p>
+        </p:txBody>
+      </p:sp>
+      <p:sp>
+        <p:nvSpPr>
+          <p:cNvPr id="20" name="Rectangle 19">
+            <a:extLst>
+              <a:ext uri="{FF2B5EF4-FFF2-40B4-BE49-F238E27FC236}">
+                <a16:creationId xmlns:a16="http://schemas.microsoft.com/office/drawing/2014/main" id="{0DD9870C-903C-0A7A-5C96-940FCC306EE6}"/>
+              </a:ext>
+            </a:extLst>
+          </p:cNvPr>
+          <p:cNvSpPr/>
+          <p:nvPr/>
+        </p:nvSpPr>
+        <p:spPr>
+          <a:xfrm>
+            <a:off x="778599" y="4204443"/>
+            <a:ext cx="1100300" cy="1021273"/>
+          </a:xfrm>
+          <a:prstGeom prst="rect">
+            <a:avLst/>
+          </a:prstGeom>
+          <a:noFill/>
+        </p:spPr>
+        <p:style>
+          <a:lnRef idx="2">
+            <a:schemeClr val="accent1">
+              <a:shade val="15000"/>
+            </a:schemeClr>
+          </a:lnRef>
+          <a:fillRef idx="1">
+            <a:schemeClr val="accent1"/>
+          </a:fillRef>
+          <a:effectRef idx="0">
+            <a:schemeClr val="accent1"/>
+          </a:effectRef>
+          <a:fontRef idx="minor">
+            <a:schemeClr val="lt1"/>
+          </a:fontRef>
+        </p:style>
+        <p:txBody>
+          <a:bodyPr rtlCol="0" anchor="ctr"/>
+          <a:lstStyle/>
+          <a:p>
+            <a:pPr algn="ctr"/>
+            <a:r>
+              <a:rPr lang="es-419" dirty="0" err="1">
+                <a:solidFill>
+                  <a:schemeClr val="tx1"/>
+                </a:solidFill>
+              </a:rPr>
+              <a:t>Program</a:t>
+            </a:r>
+            <a:r>
+              <a:rPr lang="es-419" dirty="0">
+                <a:solidFill>
+                  <a:schemeClr val="tx1"/>
+                </a:solidFill>
+              </a:rPr>
+              <a:t> </a:t>
+            </a:r>
+            <a:r>
+              <a:rPr lang="es-419" dirty="0" err="1">
+                <a:solidFill>
+                  <a:schemeClr val="tx1"/>
+                </a:solidFill>
+              </a:rPr>
+              <a:t>Language</a:t>
+            </a:r>
+            <a:endParaRPr lang="es-419" dirty="0">
+              <a:solidFill>
+                <a:schemeClr val="tx1"/>
+              </a:solidFill>
+            </a:endParaRPr>
+          </a:p>
+        </p:txBody>
+      </p:sp>
+      <p:sp>
+        <p:nvSpPr>
+          <p:cNvPr id="21" name="Arrow: Right 20">
+            <a:extLst>
+              <a:ext uri="{FF2B5EF4-FFF2-40B4-BE49-F238E27FC236}">
+                <a16:creationId xmlns:a16="http://schemas.microsoft.com/office/drawing/2014/main" id="{218239BF-A9E5-ED56-5551-24652AC269EF}"/>
+              </a:ext>
+            </a:extLst>
+          </p:cNvPr>
+          <p:cNvSpPr/>
+          <p:nvPr/>
+        </p:nvSpPr>
+        <p:spPr>
+          <a:xfrm>
+            <a:off x="2127564" y="4474279"/>
+            <a:ext cx="579421" cy="488887"/>
+          </a:xfrm>
+          <a:prstGeom prst="rightArrow">
+            <a:avLst/>
+          </a:prstGeom>
+          <a:noFill/>
+        </p:spPr>
+        <p:style>
+          <a:lnRef idx="2">
+            <a:schemeClr val="accent1">
+              <a:shade val="15000"/>
+            </a:schemeClr>
+          </a:lnRef>
+          <a:fillRef idx="1">
+            <a:schemeClr val="accent1"/>
+          </a:fillRef>
+          <a:effectRef idx="0">
+            <a:schemeClr val="accent1"/>
+          </a:effectRef>
+          <a:fontRef idx="minor">
+            <a:schemeClr val="lt1"/>
+          </a:fontRef>
+        </p:style>
+        <p:txBody>
+          <a:bodyPr rtlCol="0" anchor="ctr"/>
+          <a:lstStyle/>
+          <a:p>
+            <a:pPr algn="ctr"/>
+            <a:endParaRPr lang="es-419"/>
+          </a:p>
+        </p:txBody>
+      </p:sp>
+      <p:sp>
+        <p:nvSpPr>
+          <p:cNvPr id="22" name="Rectangle 21">
+            <a:extLst>
+              <a:ext uri="{FF2B5EF4-FFF2-40B4-BE49-F238E27FC236}">
+                <a16:creationId xmlns:a16="http://schemas.microsoft.com/office/drawing/2014/main" id="{E874AA05-EA4E-F0BD-D26D-5E546AB5D8AC}"/>
+              </a:ext>
+            </a:extLst>
+          </p:cNvPr>
+          <p:cNvSpPr/>
+          <p:nvPr/>
+        </p:nvSpPr>
+        <p:spPr>
+          <a:xfrm>
+            <a:off x="2800293" y="4204443"/>
+            <a:ext cx="1100300" cy="1021273"/>
+          </a:xfrm>
+          <a:prstGeom prst="rect">
+            <a:avLst/>
+          </a:prstGeom>
+          <a:noFill/>
+        </p:spPr>
+        <p:style>
+          <a:lnRef idx="2">
+            <a:schemeClr val="accent1">
+              <a:shade val="15000"/>
+            </a:schemeClr>
+          </a:lnRef>
+          <a:fillRef idx="1">
+            <a:schemeClr val="accent1"/>
+          </a:fillRef>
+          <a:effectRef idx="0">
+            <a:schemeClr val="accent1"/>
+          </a:effectRef>
+          <a:fontRef idx="minor">
+            <a:schemeClr val="lt1"/>
+          </a:fontRef>
+        </p:style>
+        <p:txBody>
+          <a:bodyPr rtlCol="0" anchor="ctr"/>
+          <a:lstStyle/>
+          <a:p>
+            <a:pPr algn="ctr"/>
+            <a:r>
+              <a:rPr lang="es-419" dirty="0" err="1">
+                <a:solidFill>
+                  <a:schemeClr val="tx1"/>
+                </a:solidFill>
+              </a:rPr>
+              <a:t>Intermediate</a:t>
+            </a:r>
+            <a:r>
+              <a:rPr lang="es-419" dirty="0">
+                <a:solidFill>
+                  <a:schemeClr val="tx1"/>
+                </a:solidFill>
+              </a:rPr>
+              <a:t> </a:t>
+            </a:r>
+            <a:r>
+              <a:rPr lang="es-419" dirty="0" err="1">
+                <a:solidFill>
+                  <a:schemeClr val="tx1"/>
+                </a:solidFill>
+              </a:rPr>
+              <a:t>Language</a:t>
+            </a:r>
+            <a:endParaRPr lang="es-419" dirty="0">
+              <a:solidFill>
+                <a:schemeClr val="tx1"/>
+              </a:solidFill>
+            </a:endParaRPr>
+          </a:p>
+        </p:txBody>
+      </p:sp>
+      <p:sp>
+        <p:nvSpPr>
+          <p:cNvPr id="23" name="Arrow: Right 22">
+            <a:extLst>
+              <a:ext uri="{FF2B5EF4-FFF2-40B4-BE49-F238E27FC236}">
+                <a16:creationId xmlns:a16="http://schemas.microsoft.com/office/drawing/2014/main" id="{B3BEAD00-CA74-B628-08BD-41D1BB081265}"/>
+              </a:ext>
+            </a:extLst>
+          </p:cNvPr>
+          <p:cNvSpPr/>
+          <p:nvPr/>
+        </p:nvSpPr>
+        <p:spPr>
+          <a:xfrm>
+            <a:off x="4130077" y="4474279"/>
+            <a:ext cx="579421" cy="488887"/>
+          </a:xfrm>
+          <a:prstGeom prst="rightArrow">
+            <a:avLst/>
+          </a:prstGeom>
+          <a:noFill/>
+        </p:spPr>
+        <p:style>
+          <a:lnRef idx="2">
+            <a:schemeClr val="accent1">
+              <a:shade val="15000"/>
+            </a:schemeClr>
+          </a:lnRef>
+          <a:fillRef idx="1">
+            <a:schemeClr val="accent1"/>
+          </a:fillRef>
+          <a:effectRef idx="0">
+            <a:schemeClr val="accent1"/>
+          </a:effectRef>
+          <a:fontRef idx="minor">
+            <a:schemeClr val="lt1"/>
+          </a:fontRef>
+        </p:style>
+        <p:txBody>
+          <a:bodyPr rtlCol="0" anchor="ctr"/>
+          <a:lstStyle/>
+          <a:p>
+            <a:pPr algn="ctr"/>
+            <a:endParaRPr lang="es-419"/>
+          </a:p>
+        </p:txBody>
+      </p:sp>
+      <p:sp>
+        <p:nvSpPr>
+          <p:cNvPr id="24" name="Rectangle 23">
+            <a:extLst>
+              <a:ext uri="{FF2B5EF4-FFF2-40B4-BE49-F238E27FC236}">
+                <a16:creationId xmlns:a16="http://schemas.microsoft.com/office/drawing/2014/main" id="{1AD033E3-76E7-8C3B-F001-778CCEC0B755}"/>
+              </a:ext>
+            </a:extLst>
+          </p:cNvPr>
+          <p:cNvSpPr/>
+          <p:nvPr/>
+        </p:nvSpPr>
+        <p:spPr>
+          <a:xfrm>
+            <a:off x="4880349" y="4204443"/>
+            <a:ext cx="1100300" cy="1021273"/>
+          </a:xfrm>
+          <a:prstGeom prst="rect">
+            <a:avLst/>
+          </a:prstGeom>
+          <a:noFill/>
+        </p:spPr>
+        <p:style>
+          <a:lnRef idx="2">
+            <a:schemeClr val="accent1">
+              <a:shade val="15000"/>
+            </a:schemeClr>
+          </a:lnRef>
+          <a:fillRef idx="1">
+            <a:schemeClr val="accent1"/>
+          </a:fillRef>
+          <a:effectRef idx="0">
+            <a:schemeClr val="accent1"/>
+          </a:effectRef>
+          <a:fontRef idx="minor">
+            <a:schemeClr val="lt1"/>
+          </a:fontRef>
+        </p:style>
+        <p:txBody>
+          <a:bodyPr rtlCol="0" anchor="ctr"/>
+          <a:lstStyle/>
+          <a:p>
+            <a:pPr algn="ctr"/>
+            <a:r>
+              <a:rPr lang="es-419" dirty="0" err="1">
+                <a:solidFill>
+                  <a:schemeClr val="tx1"/>
+                </a:solidFill>
+              </a:rPr>
+              <a:t>Processor</a:t>
+            </a:r>
+            <a:endParaRPr lang="es-419" dirty="0">
+              <a:solidFill>
+                <a:schemeClr val="tx1"/>
+              </a:solidFill>
+            </a:endParaRPr>
+          </a:p>
+        </p:txBody>
+      </p:sp>
+      <p:sp>
+        <p:nvSpPr>
+          <p:cNvPr id="25" name="TextBox 24">
+            <a:extLst>
+              <a:ext uri="{FF2B5EF4-FFF2-40B4-BE49-F238E27FC236}">
+                <a16:creationId xmlns:a16="http://schemas.microsoft.com/office/drawing/2014/main" id="{FDDBE37A-F35E-956C-3D9D-E10CD1AFE4B4}"/>
+              </a:ext>
+            </a:extLst>
+          </p:cNvPr>
+          <p:cNvSpPr txBox="1"/>
+          <p:nvPr/>
+        </p:nvSpPr>
+        <p:spPr>
+          <a:xfrm>
+            <a:off x="6105444" y="4391913"/>
+            <a:ext cx="816249" cy="646331"/>
+          </a:xfrm>
+          <a:prstGeom prst="rect">
+            <a:avLst/>
+          </a:prstGeom>
+          <a:noFill/>
+        </p:spPr>
+        <p:txBody>
+          <a:bodyPr wrap="none" rtlCol="0">
+            <a:spAutoFit/>
+          </a:bodyPr>
+          <a:lstStyle/>
+          <a:p>
+            <a:r>
+              <a:rPr lang="es-419" dirty="0"/>
+              <a:t>x64</a:t>
+            </a:r>
+          </a:p>
+          <a:p>
+            <a:r>
+              <a:rPr lang="es-419" dirty="0"/>
+              <a:t>Arm64</a:t>
+            </a:r>
+          </a:p>
+        </p:txBody>
+      </p:sp>
+      <p:sp>
+        <p:nvSpPr>
+          <p:cNvPr id="26" name="Rectangle 25">
+            <a:extLst>
+              <a:ext uri="{FF2B5EF4-FFF2-40B4-BE49-F238E27FC236}">
+                <a16:creationId xmlns:a16="http://schemas.microsoft.com/office/drawing/2014/main" id="{55F0EEF6-734F-8108-B9B2-4F50A4FF157C}"/>
+              </a:ext>
+            </a:extLst>
+          </p:cNvPr>
+          <p:cNvSpPr/>
+          <p:nvPr/>
+        </p:nvSpPr>
+        <p:spPr>
+          <a:xfrm>
+            <a:off x="778599" y="5639517"/>
+            <a:ext cx="1100300" cy="1021273"/>
+          </a:xfrm>
+          <a:prstGeom prst="rect">
+            <a:avLst/>
+          </a:prstGeom>
+          <a:noFill/>
+        </p:spPr>
+        <p:style>
+          <a:lnRef idx="2">
+            <a:schemeClr val="accent1">
+              <a:shade val="15000"/>
+            </a:schemeClr>
+          </a:lnRef>
+          <a:fillRef idx="1">
+            <a:schemeClr val="accent1"/>
+          </a:fillRef>
+          <a:effectRef idx="0">
+            <a:schemeClr val="accent1"/>
+          </a:effectRef>
+          <a:fontRef idx="minor">
+            <a:schemeClr val="lt1"/>
+          </a:fontRef>
+        </p:style>
+        <p:txBody>
+          <a:bodyPr rtlCol="0" anchor="ctr"/>
+          <a:lstStyle/>
+          <a:p>
+            <a:pPr algn="ctr"/>
+            <a:r>
+              <a:rPr lang="es-419" dirty="0" err="1">
+                <a:solidFill>
+                  <a:schemeClr val="tx1"/>
+                </a:solidFill>
+              </a:rPr>
+              <a:t>Program</a:t>
+            </a:r>
+            <a:r>
+              <a:rPr lang="es-419" dirty="0">
+                <a:solidFill>
+                  <a:schemeClr val="tx1"/>
+                </a:solidFill>
+              </a:rPr>
+              <a:t> </a:t>
+            </a:r>
+            <a:r>
+              <a:rPr lang="es-419" dirty="0" err="1">
+                <a:solidFill>
+                  <a:schemeClr val="tx1"/>
+                </a:solidFill>
+              </a:rPr>
+              <a:t>Language</a:t>
+            </a:r>
+            <a:endParaRPr lang="es-419" dirty="0">
+              <a:solidFill>
+                <a:schemeClr val="tx1"/>
+              </a:solidFill>
+            </a:endParaRPr>
+          </a:p>
+        </p:txBody>
+      </p:sp>
+      <p:sp>
+        <p:nvSpPr>
+          <p:cNvPr id="27" name="Arrow: Right 26">
+            <a:extLst>
+              <a:ext uri="{FF2B5EF4-FFF2-40B4-BE49-F238E27FC236}">
+                <a16:creationId xmlns:a16="http://schemas.microsoft.com/office/drawing/2014/main" id="{257EA6C1-EA43-7964-99BD-6B3E4F377C10}"/>
+              </a:ext>
+            </a:extLst>
+          </p:cNvPr>
+          <p:cNvSpPr/>
+          <p:nvPr/>
+        </p:nvSpPr>
+        <p:spPr>
+          <a:xfrm>
+            <a:off x="2127564" y="5909353"/>
+            <a:ext cx="2507086" cy="488887"/>
+          </a:xfrm>
+          <a:prstGeom prst="rightArrow">
+            <a:avLst/>
+          </a:prstGeom>
+          <a:noFill/>
+        </p:spPr>
+        <p:style>
+          <a:lnRef idx="2">
+            <a:schemeClr val="accent1">
+              <a:shade val="15000"/>
+            </a:schemeClr>
+          </a:lnRef>
+          <a:fillRef idx="1">
+            <a:schemeClr val="accent1"/>
+          </a:fillRef>
+          <a:effectRef idx="0">
+            <a:schemeClr val="accent1"/>
+          </a:effectRef>
+          <a:fontRef idx="minor">
+            <a:schemeClr val="lt1"/>
+          </a:fontRef>
+        </p:style>
+        <p:txBody>
+          <a:bodyPr rtlCol="0" anchor="ctr"/>
+          <a:lstStyle/>
+          <a:p>
+            <a:pPr algn="ctr"/>
+            <a:endParaRPr lang="es-419"/>
+          </a:p>
+        </p:txBody>
+      </p:sp>
+      <p:sp>
+        <p:nvSpPr>
+          <p:cNvPr id="28" name="Rectangle 27">
+            <a:extLst>
+              <a:ext uri="{FF2B5EF4-FFF2-40B4-BE49-F238E27FC236}">
+                <a16:creationId xmlns:a16="http://schemas.microsoft.com/office/drawing/2014/main" id="{0410E62C-3D7E-1F35-BC8C-4E4E12DF5EFF}"/>
+              </a:ext>
+            </a:extLst>
+          </p:cNvPr>
+          <p:cNvSpPr/>
+          <p:nvPr/>
+        </p:nvSpPr>
+        <p:spPr>
+          <a:xfrm>
+            <a:off x="4880349" y="5639514"/>
+            <a:ext cx="1100300" cy="1021273"/>
+          </a:xfrm>
+          <a:prstGeom prst="rect">
+            <a:avLst/>
+          </a:prstGeom>
+          <a:noFill/>
+        </p:spPr>
+        <p:style>
+          <a:lnRef idx="2">
+            <a:schemeClr val="accent1">
+              <a:shade val="15000"/>
+            </a:schemeClr>
+          </a:lnRef>
+          <a:fillRef idx="1">
+            <a:schemeClr val="accent1"/>
+          </a:fillRef>
+          <a:effectRef idx="0">
+            <a:schemeClr val="accent1"/>
+          </a:effectRef>
+          <a:fontRef idx="minor">
+            <a:schemeClr val="lt1"/>
+          </a:fontRef>
+        </p:style>
+        <p:txBody>
+          <a:bodyPr rtlCol="0" anchor="ctr"/>
+          <a:lstStyle/>
+          <a:p>
+            <a:pPr algn="ctr"/>
+            <a:r>
+              <a:rPr lang="es-419" dirty="0" err="1">
+                <a:solidFill>
+                  <a:schemeClr val="tx1"/>
+                </a:solidFill>
+              </a:rPr>
+              <a:t>Processor</a:t>
+            </a:r>
+            <a:endParaRPr lang="es-419" dirty="0">
+              <a:solidFill>
+                <a:schemeClr val="tx1"/>
+              </a:solidFill>
+            </a:endParaRPr>
+          </a:p>
+        </p:txBody>
+      </p:sp>
+      <p:sp>
+        <p:nvSpPr>
+          <p:cNvPr id="29" name="TextBox 28">
+            <a:extLst>
+              <a:ext uri="{FF2B5EF4-FFF2-40B4-BE49-F238E27FC236}">
+                <a16:creationId xmlns:a16="http://schemas.microsoft.com/office/drawing/2014/main" id="{EEDA4C1A-670F-6E4E-8997-951D548470F3}"/>
+              </a:ext>
+            </a:extLst>
+          </p:cNvPr>
+          <p:cNvSpPr txBox="1"/>
+          <p:nvPr/>
+        </p:nvSpPr>
+        <p:spPr>
+          <a:xfrm>
+            <a:off x="6105444" y="5826984"/>
+            <a:ext cx="816249" cy="646331"/>
+          </a:xfrm>
+          <a:prstGeom prst="rect">
+            <a:avLst/>
+          </a:prstGeom>
+          <a:noFill/>
+        </p:spPr>
+        <p:txBody>
+          <a:bodyPr wrap="none" rtlCol="0">
+            <a:spAutoFit/>
+          </a:bodyPr>
+          <a:lstStyle/>
+          <a:p>
+            <a:r>
+              <a:rPr lang="es-419" dirty="0"/>
+              <a:t>x64</a:t>
+            </a:r>
+          </a:p>
+          <a:p>
+            <a:r>
+              <a:rPr lang="es-419" dirty="0"/>
+              <a:t>Arm64</a:t>
+            </a:r>
+          </a:p>
+        </p:txBody>
+      </p:sp>
+    </p:spTree>
+    <p:extLst>
+      <p:ext uri="{BB962C8B-B14F-4D97-AF65-F5344CB8AC3E}">
+        <p14:creationId xmlns:p14="http://schemas.microsoft.com/office/powerpoint/2010/main" val="2502970151"/>
+      </p:ext>
+    </p:extLst>
+  </p:cSld>
+  <p:clrMapOvr>
+    <a:masterClrMapping/>
+  </p:clrMapOvr>
+</p:sld>
+</file>
+
+<file path=ppt/slides/slide4.xml><?xml version="1.0" encoding="utf-8"?>
+<p:sld xmlns:a="http://schemas.openxmlformats.org/drawingml/2006/main" xmlns:r="http://schemas.openxmlformats.org/officeDocument/2006/relationships" xmlns:p="http://schemas.openxmlformats.org/presentationml/2006/main">
+  <p:cSld>
+    <p:spTree>
+      <p:nvGrpSpPr>
+        <p:cNvPr id="1" name=""/>
+        <p:cNvGrpSpPr/>
+        <p:nvPr/>
+      </p:nvGrpSpPr>
+      <p:grpSpPr>
+        <a:xfrm>
+          <a:off x="0" y="0"/>
+          <a:ext cx="0" cy="0"/>
+          <a:chOff x="0" y="0"/>
+          <a:chExt cx="0" cy="0"/>
+        </a:xfrm>
+      </p:grpSpPr>
+      <p:sp>
+        <p:nvSpPr>
+          <p:cNvPr id="4" name="Rectangle 3">
+            <a:extLst>
+              <a:ext uri="{FF2B5EF4-FFF2-40B4-BE49-F238E27FC236}">
+                <a16:creationId xmlns:a16="http://schemas.microsoft.com/office/drawing/2014/main" id="{AA36DEFC-E7DD-02D1-53FF-6C431CB1AC67}"/>
+              </a:ext>
+            </a:extLst>
+          </p:cNvPr>
+          <p:cNvSpPr/>
+          <p:nvPr/>
+        </p:nvSpPr>
+        <p:spPr>
+          <a:xfrm>
+            <a:off x="1550003" y="2023428"/>
+            <a:ext cx="878187" cy="253916"/>
+          </a:xfrm>
+          <a:prstGeom prst="rect">
+            <a:avLst/>
+          </a:prstGeom>
+          <a:noFill/>
+        </p:spPr>
+        <p:style>
+          <a:lnRef idx="2">
+            <a:schemeClr val="accent1">
+              <a:shade val="15000"/>
+            </a:schemeClr>
+          </a:lnRef>
+          <a:fillRef idx="1">
+            <a:schemeClr val="accent1"/>
+          </a:fillRef>
+          <a:effectRef idx="0">
+            <a:schemeClr val="accent1"/>
+          </a:effectRef>
+          <a:fontRef idx="minor">
+            <a:schemeClr val="lt1"/>
+          </a:fontRef>
+        </p:style>
+        <p:txBody>
+          <a:bodyPr rtlCol="0" anchor="ctr"/>
+          <a:lstStyle/>
+          <a:p>
+            <a:pPr algn="ctr"/>
+            <a:endParaRPr lang="es-419" sz="1050">
+              <a:latin typeface="Arial" panose="020B0604020202020204" pitchFamily="34" charset="0"/>
+              <a:cs typeface="Arial" panose="020B0604020202020204" pitchFamily="34" charset="0"/>
+            </a:endParaRPr>
+          </a:p>
+        </p:txBody>
+      </p:sp>
+      <p:sp>
+        <p:nvSpPr>
+          <p:cNvPr id="5" name="TextBox 4">
+            <a:extLst>
+              <a:ext uri="{FF2B5EF4-FFF2-40B4-BE49-F238E27FC236}">
+                <a16:creationId xmlns:a16="http://schemas.microsoft.com/office/drawing/2014/main" id="{A66F0873-E617-836C-C231-F280C801CBD7}"/>
+              </a:ext>
+            </a:extLst>
+          </p:cNvPr>
+          <p:cNvSpPr txBox="1"/>
+          <p:nvPr/>
+        </p:nvSpPr>
+        <p:spPr>
+          <a:xfrm>
+            <a:off x="1531925" y="2061900"/>
+            <a:ext cx="803869" cy="215444"/>
+          </a:xfrm>
+          <a:prstGeom prst="rect">
+            <a:avLst/>
+          </a:prstGeom>
+          <a:noFill/>
+        </p:spPr>
+        <p:txBody>
+          <a:bodyPr wrap="square" rtlCol="0">
+            <a:spAutoFit/>
+          </a:bodyPr>
+          <a:lstStyle/>
+          <a:p>
+            <a:r>
+              <a:rPr lang="es-419" sz="800" dirty="0" err="1">
+                <a:latin typeface="Arial" panose="020B0604020202020204" pitchFamily="34" charset="0"/>
+                <a:cs typeface="Arial" panose="020B0604020202020204" pitchFamily="34" charset="0"/>
+              </a:rPr>
+              <a:t>ASP.Net</a:t>
+            </a:r>
+            <a:r>
+              <a:rPr lang="es-419" sz="800" dirty="0">
+                <a:latin typeface="Arial" panose="020B0604020202020204" pitchFamily="34" charset="0"/>
+                <a:cs typeface="Arial" panose="020B0604020202020204" pitchFamily="34" charset="0"/>
+              </a:rPr>
+              <a:t> App</a:t>
+            </a:r>
+          </a:p>
+        </p:txBody>
+      </p:sp>
+      <p:sp>
+        <p:nvSpPr>
+          <p:cNvPr id="6" name="Rectangle 5">
+            <a:extLst>
+              <a:ext uri="{FF2B5EF4-FFF2-40B4-BE49-F238E27FC236}">
+                <a16:creationId xmlns:a16="http://schemas.microsoft.com/office/drawing/2014/main" id="{86177040-5F7C-EF5C-ABD6-9298BE7CFF0C}"/>
+              </a:ext>
+            </a:extLst>
+          </p:cNvPr>
+          <p:cNvSpPr/>
+          <p:nvPr/>
+        </p:nvSpPr>
+        <p:spPr>
+          <a:xfrm>
+            <a:off x="1403286" y="1597467"/>
+            <a:ext cx="2344849" cy="1218162"/>
+          </a:xfrm>
+          <a:prstGeom prst="rect">
+            <a:avLst/>
+          </a:prstGeom>
+          <a:noFill/>
+        </p:spPr>
+        <p:style>
+          <a:lnRef idx="2">
+            <a:schemeClr val="accent1">
+              <a:shade val="15000"/>
+            </a:schemeClr>
+          </a:lnRef>
+          <a:fillRef idx="1">
+            <a:schemeClr val="accent1"/>
+          </a:fillRef>
+          <a:effectRef idx="0">
+            <a:schemeClr val="accent1"/>
+          </a:effectRef>
+          <a:fontRef idx="minor">
+            <a:schemeClr val="lt1"/>
+          </a:fontRef>
+        </p:style>
+        <p:txBody>
+          <a:bodyPr rtlCol="0" anchor="ctr"/>
+          <a:lstStyle/>
+          <a:p>
+            <a:pPr algn="ctr"/>
+            <a:endParaRPr lang="es-419" sz="1050">
+              <a:latin typeface="Arial" panose="020B0604020202020204" pitchFamily="34" charset="0"/>
+              <a:cs typeface="Arial" panose="020B0604020202020204" pitchFamily="34" charset="0"/>
+            </a:endParaRPr>
+          </a:p>
+        </p:txBody>
+      </p:sp>
+      <p:sp>
+        <p:nvSpPr>
+          <p:cNvPr id="7" name="TextBox 6">
+            <a:extLst>
+              <a:ext uri="{FF2B5EF4-FFF2-40B4-BE49-F238E27FC236}">
+                <a16:creationId xmlns:a16="http://schemas.microsoft.com/office/drawing/2014/main" id="{E9C4D64D-1000-A4F1-3B70-A3C2373CFC2B}"/>
+              </a:ext>
+            </a:extLst>
+          </p:cNvPr>
+          <p:cNvSpPr txBox="1"/>
+          <p:nvPr/>
+        </p:nvSpPr>
+        <p:spPr>
+          <a:xfrm>
+            <a:off x="1403285" y="1597467"/>
+            <a:ext cx="1412566" cy="253916"/>
+          </a:xfrm>
+          <a:prstGeom prst="rect">
+            <a:avLst/>
+          </a:prstGeom>
+          <a:noFill/>
+        </p:spPr>
+        <p:txBody>
+          <a:bodyPr wrap="none" rtlCol="0">
+            <a:spAutoFit/>
+          </a:bodyPr>
+          <a:lstStyle/>
+          <a:p>
+            <a:r>
+              <a:rPr lang="es-419" sz="1050" dirty="0" err="1">
+                <a:latin typeface="Arial" panose="020B0604020202020204" pitchFamily="34" charset="0"/>
+                <a:cs typeface="Arial" panose="020B0604020202020204" pitchFamily="34" charset="0"/>
+              </a:rPr>
+              <a:t>ASP.Net</a:t>
+            </a:r>
+            <a:r>
+              <a:rPr lang="es-419" sz="1050" dirty="0">
+                <a:latin typeface="Arial" panose="020B0604020202020204" pitchFamily="34" charset="0"/>
+                <a:cs typeface="Arial" panose="020B0604020202020204" pitchFamily="34" charset="0"/>
+              </a:rPr>
+              <a:t> Framework</a:t>
+            </a:r>
+          </a:p>
+        </p:txBody>
+      </p:sp>
+      <p:sp>
+        <p:nvSpPr>
+          <p:cNvPr id="8" name="Rectangle 7">
+            <a:extLst>
+              <a:ext uri="{FF2B5EF4-FFF2-40B4-BE49-F238E27FC236}">
+                <a16:creationId xmlns:a16="http://schemas.microsoft.com/office/drawing/2014/main" id="{E9EE4B6F-453C-4EFD-3101-8A1CEBAF7C3B}"/>
+              </a:ext>
+            </a:extLst>
+          </p:cNvPr>
+          <p:cNvSpPr/>
+          <p:nvPr/>
+        </p:nvSpPr>
+        <p:spPr>
+          <a:xfrm>
+            <a:off x="1050202" y="1217220"/>
+            <a:ext cx="2888056" cy="2594289"/>
+          </a:xfrm>
+          <a:prstGeom prst="rect">
+            <a:avLst/>
+          </a:prstGeom>
+          <a:noFill/>
+        </p:spPr>
+        <p:style>
+          <a:lnRef idx="2">
+            <a:schemeClr val="accent1">
+              <a:shade val="15000"/>
+            </a:schemeClr>
+          </a:lnRef>
+          <a:fillRef idx="1">
+            <a:schemeClr val="accent1"/>
+          </a:fillRef>
+          <a:effectRef idx="0">
+            <a:schemeClr val="accent1"/>
+          </a:effectRef>
+          <a:fontRef idx="minor">
+            <a:schemeClr val="lt1"/>
+          </a:fontRef>
+        </p:style>
+        <p:txBody>
+          <a:bodyPr rtlCol="0" anchor="ctr"/>
+          <a:lstStyle/>
+          <a:p>
+            <a:pPr algn="ctr"/>
+            <a:endParaRPr lang="es-419" sz="1050">
+              <a:latin typeface="Arial" panose="020B0604020202020204" pitchFamily="34" charset="0"/>
+              <a:cs typeface="Arial" panose="020B0604020202020204" pitchFamily="34" charset="0"/>
+            </a:endParaRPr>
+          </a:p>
+        </p:txBody>
+      </p:sp>
+      <p:sp>
+        <p:nvSpPr>
+          <p:cNvPr id="9" name="TextBox 8">
+            <a:extLst>
+              <a:ext uri="{FF2B5EF4-FFF2-40B4-BE49-F238E27FC236}">
+                <a16:creationId xmlns:a16="http://schemas.microsoft.com/office/drawing/2014/main" id="{9ECA6CAC-A03C-00F1-C907-CCE68619E339}"/>
+              </a:ext>
+            </a:extLst>
+          </p:cNvPr>
+          <p:cNvSpPr txBox="1"/>
+          <p:nvPr/>
+        </p:nvSpPr>
+        <p:spPr>
+          <a:xfrm>
+            <a:off x="1050202" y="1217220"/>
+            <a:ext cx="1143262" cy="253916"/>
+          </a:xfrm>
+          <a:prstGeom prst="rect">
+            <a:avLst/>
+          </a:prstGeom>
+          <a:noFill/>
+        </p:spPr>
+        <p:txBody>
+          <a:bodyPr wrap="none" rtlCol="0">
+            <a:spAutoFit/>
+          </a:bodyPr>
+          <a:lstStyle/>
+          <a:p>
+            <a:r>
+              <a:rPr lang="es-419" sz="1050" dirty="0" err="1">
+                <a:latin typeface="Arial" panose="020B0604020202020204" pitchFamily="34" charset="0"/>
+                <a:cs typeface="Arial" panose="020B0604020202020204" pitchFamily="34" charset="0"/>
+              </a:rPr>
+              <a:t>.Net</a:t>
+            </a:r>
+            <a:r>
+              <a:rPr lang="es-419" sz="1050" dirty="0">
+                <a:latin typeface="Arial" panose="020B0604020202020204" pitchFamily="34" charset="0"/>
+                <a:cs typeface="Arial" panose="020B0604020202020204" pitchFamily="34" charset="0"/>
+              </a:rPr>
+              <a:t> Framework</a:t>
+            </a:r>
+          </a:p>
+        </p:txBody>
+      </p:sp>
+      <p:sp>
+        <p:nvSpPr>
+          <p:cNvPr id="10" name="Rectangle 9">
+            <a:extLst>
+              <a:ext uri="{FF2B5EF4-FFF2-40B4-BE49-F238E27FC236}">
+                <a16:creationId xmlns:a16="http://schemas.microsoft.com/office/drawing/2014/main" id="{7DF640BE-E60A-8EBA-951F-2451DDDB5925}"/>
+              </a:ext>
+            </a:extLst>
+          </p:cNvPr>
+          <p:cNvSpPr/>
+          <p:nvPr/>
+        </p:nvSpPr>
+        <p:spPr>
+          <a:xfrm>
+            <a:off x="1226743" y="3248762"/>
+            <a:ext cx="755965" cy="433267"/>
+          </a:xfrm>
+          <a:prstGeom prst="rect">
+            <a:avLst/>
+          </a:prstGeom>
+          <a:noFill/>
+        </p:spPr>
+        <p:style>
+          <a:lnRef idx="2">
+            <a:schemeClr val="accent1">
+              <a:shade val="15000"/>
+            </a:schemeClr>
+          </a:lnRef>
+          <a:fillRef idx="1">
+            <a:schemeClr val="accent1"/>
+          </a:fillRef>
+          <a:effectRef idx="0">
+            <a:schemeClr val="accent1"/>
+          </a:effectRef>
+          <a:fontRef idx="minor">
+            <a:schemeClr val="lt1"/>
+          </a:fontRef>
+        </p:style>
+        <p:txBody>
+          <a:bodyPr rtlCol="0" anchor="ctr"/>
+          <a:lstStyle/>
+          <a:p>
+            <a:pPr algn="ctr"/>
+            <a:r>
+              <a:rPr lang="es-419" sz="1050" dirty="0" err="1">
+                <a:solidFill>
+                  <a:schemeClr val="tx1"/>
+                </a:solidFill>
+                <a:latin typeface="Arial" panose="020B0604020202020204" pitchFamily="34" charset="0"/>
+                <a:cs typeface="Arial" panose="020B0604020202020204" pitchFamily="34" charset="0"/>
+              </a:rPr>
+              <a:t>WinForm</a:t>
+            </a:r>
+            <a:endParaRPr lang="es-419" sz="1050" dirty="0">
+              <a:solidFill>
+                <a:schemeClr val="tx1"/>
+              </a:solidFill>
+              <a:latin typeface="Arial" panose="020B0604020202020204" pitchFamily="34" charset="0"/>
+              <a:cs typeface="Arial" panose="020B0604020202020204" pitchFamily="34" charset="0"/>
+            </a:endParaRPr>
+          </a:p>
+        </p:txBody>
+      </p:sp>
+      <p:sp>
+        <p:nvSpPr>
+          <p:cNvPr id="11" name="Rectangle 10">
+            <a:extLst>
+              <a:ext uri="{FF2B5EF4-FFF2-40B4-BE49-F238E27FC236}">
+                <a16:creationId xmlns:a16="http://schemas.microsoft.com/office/drawing/2014/main" id="{91DAF6F8-1624-0876-DC37-0CCD9265D0A7}"/>
+              </a:ext>
+            </a:extLst>
+          </p:cNvPr>
+          <p:cNvSpPr/>
+          <p:nvPr/>
+        </p:nvSpPr>
+        <p:spPr>
+          <a:xfrm>
+            <a:off x="2159250" y="3248762"/>
+            <a:ext cx="755965" cy="433267"/>
+          </a:xfrm>
+          <a:prstGeom prst="rect">
+            <a:avLst/>
+          </a:prstGeom>
+          <a:noFill/>
+        </p:spPr>
+        <p:style>
+          <a:lnRef idx="2">
+            <a:schemeClr val="accent1">
+              <a:shade val="15000"/>
+            </a:schemeClr>
+          </a:lnRef>
+          <a:fillRef idx="1">
+            <a:schemeClr val="accent1"/>
+          </a:fillRef>
+          <a:effectRef idx="0">
+            <a:schemeClr val="accent1"/>
+          </a:effectRef>
+          <a:fontRef idx="minor">
+            <a:schemeClr val="lt1"/>
+          </a:fontRef>
+        </p:style>
+        <p:txBody>
+          <a:bodyPr rtlCol="0" anchor="ctr"/>
+          <a:lstStyle/>
+          <a:p>
+            <a:pPr algn="ctr"/>
+            <a:r>
+              <a:rPr lang="es-419" sz="1050" dirty="0">
+                <a:solidFill>
+                  <a:schemeClr val="tx1"/>
+                </a:solidFill>
+                <a:latin typeface="Arial" panose="020B0604020202020204" pitchFamily="34" charset="0"/>
+                <a:cs typeface="Arial" panose="020B0604020202020204" pitchFamily="34" charset="0"/>
+              </a:rPr>
+              <a:t>WCF</a:t>
+            </a:r>
+          </a:p>
+        </p:txBody>
+      </p:sp>
+      <p:sp>
+        <p:nvSpPr>
+          <p:cNvPr id="12" name="Rectangle 11">
+            <a:extLst>
+              <a:ext uri="{FF2B5EF4-FFF2-40B4-BE49-F238E27FC236}">
+                <a16:creationId xmlns:a16="http://schemas.microsoft.com/office/drawing/2014/main" id="{BAE72B64-E7AF-4D02-60D5-8BC083D13C5B}"/>
+              </a:ext>
+            </a:extLst>
+          </p:cNvPr>
+          <p:cNvSpPr/>
+          <p:nvPr/>
+        </p:nvSpPr>
+        <p:spPr>
+          <a:xfrm>
+            <a:off x="860080" y="814811"/>
+            <a:ext cx="3295462" cy="3295461"/>
+          </a:xfrm>
+          <a:prstGeom prst="rect">
+            <a:avLst/>
+          </a:prstGeom>
+          <a:noFill/>
+        </p:spPr>
+        <p:style>
+          <a:lnRef idx="2">
+            <a:schemeClr val="accent1">
+              <a:shade val="15000"/>
+            </a:schemeClr>
+          </a:lnRef>
+          <a:fillRef idx="1">
+            <a:schemeClr val="accent1"/>
+          </a:fillRef>
+          <a:effectRef idx="0">
+            <a:schemeClr val="accent1"/>
+          </a:effectRef>
+          <a:fontRef idx="minor">
+            <a:schemeClr val="lt1"/>
+          </a:fontRef>
+        </p:style>
+        <p:txBody>
+          <a:bodyPr rtlCol="0" anchor="ctr"/>
+          <a:lstStyle/>
+          <a:p>
+            <a:pPr algn="ctr"/>
+            <a:endParaRPr lang="es-419" sz="1050">
+              <a:latin typeface="Arial" panose="020B0604020202020204" pitchFamily="34" charset="0"/>
+              <a:cs typeface="Arial" panose="020B0604020202020204" pitchFamily="34" charset="0"/>
+            </a:endParaRPr>
+          </a:p>
+        </p:txBody>
+      </p:sp>
+      <p:sp>
+        <p:nvSpPr>
+          <p:cNvPr id="13" name="TextBox 12">
+            <a:extLst>
+              <a:ext uri="{FF2B5EF4-FFF2-40B4-BE49-F238E27FC236}">
+                <a16:creationId xmlns:a16="http://schemas.microsoft.com/office/drawing/2014/main" id="{4FD071D1-9ED9-0153-30FE-456BB49DE3A2}"/>
+              </a:ext>
+            </a:extLst>
+          </p:cNvPr>
+          <p:cNvSpPr txBox="1"/>
+          <p:nvPr/>
+        </p:nvSpPr>
+        <p:spPr>
+          <a:xfrm>
+            <a:off x="806439" y="813242"/>
+            <a:ext cx="348172" cy="253916"/>
+          </a:xfrm>
+          <a:prstGeom prst="rect">
+            <a:avLst/>
+          </a:prstGeom>
+          <a:noFill/>
+        </p:spPr>
+        <p:txBody>
+          <a:bodyPr wrap="none" rtlCol="0">
+            <a:spAutoFit/>
+          </a:bodyPr>
+          <a:lstStyle/>
+          <a:p>
+            <a:r>
+              <a:rPr lang="es-419" sz="1050" dirty="0">
+                <a:latin typeface="Arial" panose="020B0604020202020204" pitchFamily="34" charset="0"/>
+                <a:cs typeface="Arial" panose="020B0604020202020204" pitchFamily="34" charset="0"/>
+              </a:rPr>
+              <a:t>IIS</a:t>
+            </a:r>
+          </a:p>
+        </p:txBody>
+      </p:sp>
+      <p:sp>
+        <p:nvSpPr>
+          <p:cNvPr id="14" name="Rectangle 13">
+            <a:extLst>
+              <a:ext uri="{FF2B5EF4-FFF2-40B4-BE49-F238E27FC236}">
+                <a16:creationId xmlns:a16="http://schemas.microsoft.com/office/drawing/2014/main" id="{E22F1331-9126-0D71-2274-8E81EFCE497A}"/>
+              </a:ext>
+            </a:extLst>
+          </p:cNvPr>
+          <p:cNvSpPr/>
+          <p:nvPr/>
+        </p:nvSpPr>
+        <p:spPr>
+          <a:xfrm>
+            <a:off x="624689" y="414169"/>
+            <a:ext cx="3793402" cy="3994869"/>
+          </a:xfrm>
+          <a:prstGeom prst="rect">
+            <a:avLst/>
+          </a:prstGeom>
+          <a:noFill/>
+        </p:spPr>
+        <p:style>
+          <a:lnRef idx="2">
+            <a:schemeClr val="accent1">
+              <a:shade val="15000"/>
+            </a:schemeClr>
+          </a:lnRef>
+          <a:fillRef idx="1">
+            <a:schemeClr val="accent1"/>
+          </a:fillRef>
+          <a:effectRef idx="0">
+            <a:schemeClr val="accent1"/>
+          </a:effectRef>
+          <a:fontRef idx="minor">
+            <a:schemeClr val="lt1"/>
+          </a:fontRef>
+        </p:style>
+        <p:txBody>
+          <a:bodyPr rtlCol="0" anchor="ctr"/>
+          <a:lstStyle/>
+          <a:p>
+            <a:pPr algn="ctr"/>
+            <a:endParaRPr lang="es-419" sz="1050">
+              <a:latin typeface="Arial" panose="020B0604020202020204" pitchFamily="34" charset="0"/>
+              <a:cs typeface="Arial" panose="020B0604020202020204" pitchFamily="34" charset="0"/>
+            </a:endParaRPr>
+          </a:p>
+        </p:txBody>
+      </p:sp>
+      <p:sp>
+        <p:nvSpPr>
+          <p:cNvPr id="15" name="TextBox 14">
+            <a:extLst>
+              <a:ext uri="{FF2B5EF4-FFF2-40B4-BE49-F238E27FC236}">
+                <a16:creationId xmlns:a16="http://schemas.microsoft.com/office/drawing/2014/main" id="{3FF32A00-E2EC-22BB-2B6E-F0DA02B99513}"/>
+              </a:ext>
+            </a:extLst>
+          </p:cNvPr>
+          <p:cNvSpPr txBox="1"/>
+          <p:nvPr/>
+        </p:nvSpPr>
+        <p:spPr>
+          <a:xfrm>
+            <a:off x="624689" y="417952"/>
+            <a:ext cx="417102" cy="253916"/>
+          </a:xfrm>
+          <a:prstGeom prst="rect">
+            <a:avLst/>
+          </a:prstGeom>
+          <a:noFill/>
+        </p:spPr>
+        <p:txBody>
+          <a:bodyPr wrap="none" rtlCol="0">
+            <a:spAutoFit/>
+          </a:bodyPr>
+          <a:lstStyle/>
+          <a:p>
+            <a:r>
+              <a:rPr lang="es-419" sz="1050" dirty="0" err="1">
+                <a:latin typeface="Arial" panose="020B0604020202020204" pitchFamily="34" charset="0"/>
+                <a:cs typeface="Arial" panose="020B0604020202020204" pitchFamily="34" charset="0"/>
+              </a:rPr>
+              <a:t>Win</a:t>
+            </a:r>
+            <a:endParaRPr lang="es-419" sz="1050" dirty="0">
+              <a:latin typeface="Arial" panose="020B0604020202020204" pitchFamily="34" charset="0"/>
+              <a:cs typeface="Arial" panose="020B0604020202020204" pitchFamily="34" charset="0"/>
+            </a:endParaRPr>
+          </a:p>
+        </p:txBody>
+      </p:sp>
+      <p:sp>
+        <p:nvSpPr>
+          <p:cNvPr id="16" name="TextBox 15">
+            <a:extLst>
+              <a:ext uri="{FF2B5EF4-FFF2-40B4-BE49-F238E27FC236}">
+                <a16:creationId xmlns:a16="http://schemas.microsoft.com/office/drawing/2014/main" id="{61E5A96B-5A5B-B6C9-B159-F4184BFB90AD}"/>
+              </a:ext>
+            </a:extLst>
+          </p:cNvPr>
+          <p:cNvSpPr txBox="1"/>
+          <p:nvPr/>
+        </p:nvSpPr>
+        <p:spPr>
+          <a:xfrm>
+            <a:off x="4531748" y="1539759"/>
+            <a:ext cx="1103187" cy="261610"/>
+          </a:xfrm>
+          <a:prstGeom prst="rect">
+            <a:avLst/>
+          </a:prstGeom>
+          <a:noFill/>
+        </p:spPr>
+        <p:txBody>
+          <a:bodyPr wrap="none" rtlCol="0">
+            <a:spAutoFit/>
+          </a:bodyPr>
+          <a:lstStyle/>
+          <a:p>
+            <a:r>
+              <a:rPr lang="es-419" sz="1100" dirty="0"/>
+              <a:t>OWIN -&gt; </a:t>
+            </a:r>
+            <a:r>
+              <a:rPr lang="es-419" sz="1100" dirty="0" err="1"/>
+              <a:t>Katana</a:t>
+            </a:r>
+            <a:endParaRPr lang="es-419" sz="1100" dirty="0"/>
+          </a:p>
+        </p:txBody>
+      </p:sp>
+      <p:sp>
+        <p:nvSpPr>
+          <p:cNvPr id="17" name="Rectangle 16">
+            <a:extLst>
+              <a:ext uri="{FF2B5EF4-FFF2-40B4-BE49-F238E27FC236}">
+                <a16:creationId xmlns:a16="http://schemas.microsoft.com/office/drawing/2014/main" id="{DD5D0C9C-0480-2455-9A06-05379B106595}"/>
+              </a:ext>
+            </a:extLst>
+          </p:cNvPr>
+          <p:cNvSpPr/>
+          <p:nvPr/>
+        </p:nvSpPr>
+        <p:spPr>
+          <a:xfrm>
+            <a:off x="7197504" y="2043794"/>
+            <a:ext cx="878187" cy="253916"/>
+          </a:xfrm>
+          <a:prstGeom prst="rect">
+            <a:avLst/>
+          </a:prstGeom>
+          <a:noFill/>
+        </p:spPr>
+        <p:style>
+          <a:lnRef idx="2">
+            <a:schemeClr val="accent1">
+              <a:shade val="15000"/>
+            </a:schemeClr>
+          </a:lnRef>
+          <a:fillRef idx="1">
+            <a:schemeClr val="accent1"/>
+          </a:fillRef>
+          <a:effectRef idx="0">
+            <a:schemeClr val="accent1"/>
+          </a:effectRef>
+          <a:fontRef idx="minor">
+            <a:schemeClr val="lt1"/>
+          </a:fontRef>
+        </p:style>
+        <p:txBody>
+          <a:bodyPr rtlCol="0" anchor="ctr"/>
+          <a:lstStyle/>
+          <a:p>
+            <a:pPr algn="ctr"/>
+            <a:endParaRPr lang="es-419" sz="1050">
+              <a:latin typeface="Arial" panose="020B0604020202020204" pitchFamily="34" charset="0"/>
+              <a:cs typeface="Arial" panose="020B0604020202020204" pitchFamily="34" charset="0"/>
+            </a:endParaRPr>
+          </a:p>
+        </p:txBody>
+      </p:sp>
+      <p:sp>
+        <p:nvSpPr>
+          <p:cNvPr id="18" name="TextBox 17">
+            <a:extLst>
+              <a:ext uri="{FF2B5EF4-FFF2-40B4-BE49-F238E27FC236}">
+                <a16:creationId xmlns:a16="http://schemas.microsoft.com/office/drawing/2014/main" id="{6A3C0CA6-34AE-EFD1-619E-D4DB1903E9D2}"/>
+              </a:ext>
+            </a:extLst>
+          </p:cNvPr>
+          <p:cNvSpPr txBox="1"/>
+          <p:nvPr/>
+        </p:nvSpPr>
+        <p:spPr>
+          <a:xfrm>
+            <a:off x="7181287" y="2061900"/>
+            <a:ext cx="803869" cy="215444"/>
+          </a:xfrm>
+          <a:prstGeom prst="rect">
+            <a:avLst/>
+          </a:prstGeom>
+          <a:noFill/>
+        </p:spPr>
+        <p:txBody>
+          <a:bodyPr wrap="square" rtlCol="0">
+            <a:spAutoFit/>
+          </a:bodyPr>
+          <a:lstStyle/>
+          <a:p>
+            <a:r>
+              <a:rPr lang="es-419" sz="800" dirty="0" err="1">
+                <a:latin typeface="Arial" panose="020B0604020202020204" pitchFamily="34" charset="0"/>
+                <a:cs typeface="Arial" panose="020B0604020202020204" pitchFamily="34" charset="0"/>
+              </a:rPr>
+              <a:t>ASP.Net</a:t>
+            </a:r>
+            <a:r>
+              <a:rPr lang="es-419" sz="800" dirty="0">
+                <a:latin typeface="Arial" panose="020B0604020202020204" pitchFamily="34" charset="0"/>
+                <a:cs typeface="Arial" panose="020B0604020202020204" pitchFamily="34" charset="0"/>
+              </a:rPr>
+              <a:t> App</a:t>
+            </a:r>
+          </a:p>
+        </p:txBody>
+      </p:sp>
+      <p:sp>
+        <p:nvSpPr>
+          <p:cNvPr id="19" name="Rectangle 18">
+            <a:extLst>
+              <a:ext uri="{FF2B5EF4-FFF2-40B4-BE49-F238E27FC236}">
+                <a16:creationId xmlns:a16="http://schemas.microsoft.com/office/drawing/2014/main" id="{D070F3FB-7AC9-580F-C5B2-891FD6550EBB}"/>
+              </a:ext>
+            </a:extLst>
+          </p:cNvPr>
+          <p:cNvSpPr/>
+          <p:nvPr/>
+        </p:nvSpPr>
+        <p:spPr>
+          <a:xfrm>
+            <a:off x="7070756" y="1597467"/>
+            <a:ext cx="1412565" cy="814184"/>
+          </a:xfrm>
+          <a:prstGeom prst="rect">
+            <a:avLst/>
+          </a:prstGeom>
+          <a:noFill/>
+        </p:spPr>
+        <p:style>
+          <a:lnRef idx="2">
+            <a:schemeClr val="accent1">
+              <a:shade val="15000"/>
+            </a:schemeClr>
+          </a:lnRef>
+          <a:fillRef idx="1">
+            <a:schemeClr val="accent1"/>
+          </a:fillRef>
+          <a:effectRef idx="0">
+            <a:schemeClr val="accent1"/>
+          </a:effectRef>
+          <a:fontRef idx="minor">
+            <a:schemeClr val="lt1"/>
+          </a:fontRef>
+        </p:style>
+        <p:txBody>
+          <a:bodyPr rtlCol="0" anchor="ctr"/>
+          <a:lstStyle/>
+          <a:p>
+            <a:pPr algn="ctr"/>
+            <a:endParaRPr lang="es-419" sz="1050">
+              <a:latin typeface="Arial" panose="020B0604020202020204" pitchFamily="34" charset="0"/>
+              <a:cs typeface="Arial" panose="020B0604020202020204" pitchFamily="34" charset="0"/>
+            </a:endParaRPr>
+          </a:p>
+        </p:txBody>
+      </p:sp>
+      <p:sp>
+        <p:nvSpPr>
+          <p:cNvPr id="20" name="TextBox 19">
+            <a:extLst>
+              <a:ext uri="{FF2B5EF4-FFF2-40B4-BE49-F238E27FC236}">
+                <a16:creationId xmlns:a16="http://schemas.microsoft.com/office/drawing/2014/main" id="{23BA190D-A693-6D9D-6851-417CE4583FBE}"/>
+              </a:ext>
+            </a:extLst>
+          </p:cNvPr>
+          <p:cNvSpPr txBox="1"/>
+          <p:nvPr/>
+        </p:nvSpPr>
+        <p:spPr>
+          <a:xfrm>
+            <a:off x="7070755" y="1597467"/>
+            <a:ext cx="1031051" cy="253916"/>
+          </a:xfrm>
+          <a:prstGeom prst="rect">
+            <a:avLst/>
+          </a:prstGeom>
+          <a:noFill/>
+        </p:spPr>
+        <p:txBody>
+          <a:bodyPr wrap="none" rtlCol="0">
+            <a:spAutoFit/>
+          </a:bodyPr>
+          <a:lstStyle/>
+          <a:p>
+            <a:r>
+              <a:rPr lang="es-419" sz="1050" dirty="0" err="1">
+                <a:latin typeface="Arial" panose="020B0604020202020204" pitchFamily="34" charset="0"/>
+                <a:cs typeface="Arial" panose="020B0604020202020204" pitchFamily="34" charset="0"/>
+              </a:rPr>
+              <a:t>ASP.Net</a:t>
+            </a:r>
+            <a:r>
+              <a:rPr lang="es-419" sz="1050" dirty="0">
+                <a:latin typeface="Arial" panose="020B0604020202020204" pitchFamily="34" charset="0"/>
+                <a:cs typeface="Arial" panose="020B0604020202020204" pitchFamily="34" charset="0"/>
+              </a:rPr>
+              <a:t> Core</a:t>
+            </a:r>
+          </a:p>
+        </p:txBody>
+      </p:sp>
+      <p:sp>
+        <p:nvSpPr>
+          <p:cNvPr id="21" name="Rectangle 20">
+            <a:extLst>
+              <a:ext uri="{FF2B5EF4-FFF2-40B4-BE49-F238E27FC236}">
+                <a16:creationId xmlns:a16="http://schemas.microsoft.com/office/drawing/2014/main" id="{A6AC73E8-8A27-2254-81B3-18DE9F4E4356}"/>
+              </a:ext>
+            </a:extLst>
+          </p:cNvPr>
+          <p:cNvSpPr/>
+          <p:nvPr/>
+        </p:nvSpPr>
+        <p:spPr>
+          <a:xfrm>
+            <a:off x="6953062" y="1217221"/>
+            <a:ext cx="1602463" cy="1317750"/>
+          </a:xfrm>
+          <a:prstGeom prst="rect">
+            <a:avLst/>
+          </a:prstGeom>
+          <a:noFill/>
+        </p:spPr>
+        <p:style>
+          <a:lnRef idx="2">
+            <a:schemeClr val="accent1">
+              <a:shade val="15000"/>
+            </a:schemeClr>
+          </a:lnRef>
+          <a:fillRef idx="1">
+            <a:schemeClr val="accent1"/>
+          </a:fillRef>
+          <a:effectRef idx="0">
+            <a:schemeClr val="accent1"/>
+          </a:effectRef>
+          <a:fontRef idx="minor">
+            <a:schemeClr val="lt1"/>
+          </a:fontRef>
+        </p:style>
+        <p:txBody>
+          <a:bodyPr rtlCol="0" anchor="ctr"/>
+          <a:lstStyle/>
+          <a:p>
+            <a:pPr algn="ctr"/>
+            <a:endParaRPr lang="es-419" sz="1050">
+              <a:latin typeface="Arial" panose="020B0604020202020204" pitchFamily="34" charset="0"/>
+              <a:cs typeface="Arial" panose="020B0604020202020204" pitchFamily="34" charset="0"/>
+            </a:endParaRPr>
+          </a:p>
+        </p:txBody>
+      </p:sp>
+      <p:sp>
+        <p:nvSpPr>
+          <p:cNvPr id="22" name="TextBox 21">
+            <a:extLst>
+              <a:ext uri="{FF2B5EF4-FFF2-40B4-BE49-F238E27FC236}">
+                <a16:creationId xmlns:a16="http://schemas.microsoft.com/office/drawing/2014/main" id="{6F992616-C398-ECC7-9282-08846A97BA70}"/>
+              </a:ext>
+            </a:extLst>
+          </p:cNvPr>
+          <p:cNvSpPr txBox="1"/>
+          <p:nvPr/>
+        </p:nvSpPr>
+        <p:spPr>
+          <a:xfrm>
+            <a:off x="6953062" y="1217220"/>
+            <a:ext cx="724878" cy="253916"/>
+          </a:xfrm>
+          <a:prstGeom prst="rect">
+            <a:avLst/>
+          </a:prstGeom>
+          <a:noFill/>
+        </p:spPr>
+        <p:txBody>
+          <a:bodyPr wrap="none" rtlCol="0">
+            <a:spAutoFit/>
+          </a:bodyPr>
+          <a:lstStyle/>
+          <a:p>
+            <a:r>
+              <a:rPr lang="es-419" sz="1050" dirty="0">
+                <a:latin typeface="Arial" panose="020B0604020202020204" pitchFamily="34" charset="0"/>
+                <a:cs typeface="Arial" panose="020B0604020202020204" pitchFamily="34" charset="0"/>
+              </a:rPr>
+              <a:t>Net Core</a:t>
+            </a:r>
+          </a:p>
+        </p:txBody>
+      </p:sp>
+      <p:sp>
+        <p:nvSpPr>
+          <p:cNvPr id="23" name="Rectangle 22">
+            <a:extLst>
+              <a:ext uri="{FF2B5EF4-FFF2-40B4-BE49-F238E27FC236}">
+                <a16:creationId xmlns:a16="http://schemas.microsoft.com/office/drawing/2014/main" id="{C6D640C2-660A-0181-BEC5-515CBFD0860E}"/>
+              </a:ext>
+            </a:extLst>
+          </p:cNvPr>
+          <p:cNvSpPr/>
+          <p:nvPr/>
+        </p:nvSpPr>
+        <p:spPr>
+          <a:xfrm>
+            <a:off x="6844420" y="814812"/>
+            <a:ext cx="1792586" cy="1837854"/>
+          </a:xfrm>
+          <a:prstGeom prst="rect">
+            <a:avLst/>
+          </a:prstGeom>
+          <a:noFill/>
+        </p:spPr>
+        <p:style>
+          <a:lnRef idx="2">
+            <a:schemeClr val="accent1">
+              <a:shade val="15000"/>
+            </a:schemeClr>
+          </a:lnRef>
+          <a:fillRef idx="1">
+            <a:schemeClr val="accent1"/>
+          </a:fillRef>
+          <a:effectRef idx="0">
+            <a:schemeClr val="accent1"/>
+          </a:effectRef>
+          <a:fontRef idx="minor">
+            <a:schemeClr val="lt1"/>
+          </a:fontRef>
+        </p:style>
+        <p:txBody>
+          <a:bodyPr rtlCol="0" anchor="ctr"/>
+          <a:lstStyle/>
+          <a:p>
+            <a:pPr algn="ctr"/>
+            <a:endParaRPr lang="es-419" sz="1050">
+              <a:latin typeface="Arial" panose="020B0604020202020204" pitchFamily="34" charset="0"/>
+              <a:cs typeface="Arial" panose="020B0604020202020204" pitchFamily="34" charset="0"/>
+            </a:endParaRPr>
+          </a:p>
+        </p:txBody>
+      </p:sp>
+      <p:sp>
+        <p:nvSpPr>
+          <p:cNvPr id="24" name="TextBox 23">
+            <a:extLst>
+              <a:ext uri="{FF2B5EF4-FFF2-40B4-BE49-F238E27FC236}">
+                <a16:creationId xmlns:a16="http://schemas.microsoft.com/office/drawing/2014/main" id="{279AFB96-ADC7-548D-898B-D1CF99300A2E}"/>
+              </a:ext>
+            </a:extLst>
+          </p:cNvPr>
+          <p:cNvSpPr txBox="1"/>
+          <p:nvPr/>
+        </p:nvSpPr>
+        <p:spPr>
+          <a:xfrm>
+            <a:off x="6844420" y="813242"/>
+            <a:ext cx="1313180" cy="253916"/>
+          </a:xfrm>
+          <a:prstGeom prst="rect">
+            <a:avLst/>
+          </a:prstGeom>
+          <a:noFill/>
+        </p:spPr>
+        <p:txBody>
+          <a:bodyPr wrap="none" rtlCol="0">
+            <a:spAutoFit/>
+          </a:bodyPr>
+          <a:lstStyle/>
+          <a:p>
+            <a:r>
+              <a:rPr lang="es-419" sz="1050" dirty="0" err="1">
+                <a:latin typeface="Arial" panose="020B0604020202020204" pitchFamily="34" charset="0"/>
+                <a:cs typeface="Arial" panose="020B0604020202020204" pitchFamily="34" charset="0"/>
+              </a:rPr>
+              <a:t>Kestrel</a:t>
+            </a:r>
+            <a:r>
+              <a:rPr lang="es-419" sz="1050" dirty="0">
+                <a:latin typeface="Arial" panose="020B0604020202020204" pitchFamily="34" charset="0"/>
+                <a:cs typeface="Arial" panose="020B0604020202020204" pitchFamily="34" charset="0"/>
+              </a:rPr>
+              <a:t> (Port / http)</a:t>
+            </a:r>
+          </a:p>
+        </p:txBody>
+      </p:sp>
+      <p:sp>
+        <p:nvSpPr>
+          <p:cNvPr id="25" name="Rectangle 24">
+            <a:extLst>
+              <a:ext uri="{FF2B5EF4-FFF2-40B4-BE49-F238E27FC236}">
+                <a16:creationId xmlns:a16="http://schemas.microsoft.com/office/drawing/2014/main" id="{B01284D5-E2C9-D308-1C7B-F6EE751F900D}"/>
+              </a:ext>
+            </a:extLst>
+          </p:cNvPr>
+          <p:cNvSpPr/>
+          <p:nvPr/>
+        </p:nvSpPr>
+        <p:spPr>
+          <a:xfrm>
+            <a:off x="6740305" y="414170"/>
+            <a:ext cx="1996289" cy="2324506"/>
+          </a:xfrm>
+          <a:prstGeom prst="rect">
+            <a:avLst/>
+          </a:prstGeom>
+          <a:noFill/>
+        </p:spPr>
+        <p:style>
+          <a:lnRef idx="2">
+            <a:schemeClr val="accent1">
+              <a:shade val="15000"/>
+            </a:schemeClr>
+          </a:lnRef>
+          <a:fillRef idx="1">
+            <a:schemeClr val="accent1"/>
+          </a:fillRef>
+          <a:effectRef idx="0">
+            <a:schemeClr val="accent1"/>
+          </a:effectRef>
+          <a:fontRef idx="minor">
+            <a:schemeClr val="lt1"/>
+          </a:fontRef>
+        </p:style>
+        <p:txBody>
+          <a:bodyPr rtlCol="0" anchor="ctr"/>
+          <a:lstStyle/>
+          <a:p>
+            <a:pPr algn="ctr"/>
+            <a:endParaRPr lang="es-419" sz="1050">
+              <a:latin typeface="Arial" panose="020B0604020202020204" pitchFamily="34" charset="0"/>
+              <a:cs typeface="Arial" panose="020B0604020202020204" pitchFamily="34" charset="0"/>
+            </a:endParaRPr>
+          </a:p>
+        </p:txBody>
+      </p:sp>
+      <p:sp>
+        <p:nvSpPr>
+          <p:cNvPr id="26" name="TextBox 25">
+            <a:extLst>
+              <a:ext uri="{FF2B5EF4-FFF2-40B4-BE49-F238E27FC236}">
+                <a16:creationId xmlns:a16="http://schemas.microsoft.com/office/drawing/2014/main" id="{F45D1BF8-E914-F159-92E5-04AB722BB1F9}"/>
+              </a:ext>
+            </a:extLst>
+          </p:cNvPr>
+          <p:cNvSpPr txBox="1"/>
+          <p:nvPr/>
+        </p:nvSpPr>
+        <p:spPr>
+          <a:xfrm>
+            <a:off x="6740305" y="417952"/>
+            <a:ext cx="1069524" cy="253916"/>
+          </a:xfrm>
+          <a:prstGeom prst="rect">
+            <a:avLst/>
+          </a:prstGeom>
+          <a:noFill/>
+        </p:spPr>
+        <p:txBody>
+          <a:bodyPr wrap="none" rtlCol="0">
+            <a:spAutoFit/>
+          </a:bodyPr>
+          <a:lstStyle/>
+          <a:p>
+            <a:r>
+              <a:rPr lang="es-419" sz="1050" dirty="0" err="1">
+                <a:latin typeface="Arial" panose="020B0604020202020204" pitchFamily="34" charset="0"/>
+                <a:cs typeface="Arial" panose="020B0604020202020204" pitchFamily="34" charset="0"/>
+              </a:rPr>
+              <a:t>Win</a:t>
+            </a:r>
+            <a:r>
+              <a:rPr lang="es-419" sz="1050" dirty="0">
+                <a:latin typeface="Arial" panose="020B0604020202020204" pitchFamily="34" charset="0"/>
+                <a:cs typeface="Arial" panose="020B0604020202020204" pitchFamily="34" charset="0"/>
+              </a:rPr>
+              <a:t>/Linux/Mac</a:t>
+            </a:r>
+          </a:p>
+        </p:txBody>
+      </p:sp>
+      <p:sp>
+        <p:nvSpPr>
+          <p:cNvPr id="27" name="Arrow: Right 26">
+            <a:extLst>
+              <a:ext uri="{FF2B5EF4-FFF2-40B4-BE49-F238E27FC236}">
+                <a16:creationId xmlns:a16="http://schemas.microsoft.com/office/drawing/2014/main" id="{966C4BFD-EF6A-71E6-C3AE-8E45CA0E6907}"/>
+              </a:ext>
+            </a:extLst>
+          </p:cNvPr>
+          <p:cNvSpPr/>
+          <p:nvPr/>
+        </p:nvSpPr>
+        <p:spPr>
+          <a:xfrm>
+            <a:off x="4653480" y="2001445"/>
+            <a:ext cx="905347" cy="814184"/>
+          </a:xfrm>
+          <a:prstGeom prst="rightArrow">
+            <a:avLst/>
+          </a:prstGeom>
+          <a:noFill/>
+        </p:spPr>
+        <p:style>
+          <a:lnRef idx="2">
+            <a:schemeClr val="accent1">
+              <a:shade val="15000"/>
+            </a:schemeClr>
+          </a:lnRef>
+          <a:fillRef idx="1">
+            <a:schemeClr val="accent1"/>
+          </a:fillRef>
+          <a:effectRef idx="0">
+            <a:schemeClr val="accent1"/>
+          </a:effectRef>
+          <a:fontRef idx="minor">
+            <a:schemeClr val="lt1"/>
+          </a:fontRef>
+        </p:style>
+        <p:txBody>
+          <a:bodyPr rtlCol="0" anchor="ctr"/>
+          <a:lstStyle/>
+          <a:p>
+            <a:pPr algn="ctr"/>
+            <a:endParaRPr lang="es-419"/>
+          </a:p>
+        </p:txBody>
+      </p:sp>
+      <p:sp>
+        <p:nvSpPr>
+          <p:cNvPr id="28" name="Rectangle 27">
+            <a:extLst>
+              <a:ext uri="{FF2B5EF4-FFF2-40B4-BE49-F238E27FC236}">
+                <a16:creationId xmlns:a16="http://schemas.microsoft.com/office/drawing/2014/main" id="{06F5488F-9F4F-F726-80F3-4E47B418AD5E}"/>
+              </a:ext>
+            </a:extLst>
+          </p:cNvPr>
+          <p:cNvSpPr/>
+          <p:nvPr/>
+        </p:nvSpPr>
+        <p:spPr>
+          <a:xfrm>
+            <a:off x="5984341" y="217283"/>
+            <a:ext cx="348334" cy="4472412"/>
+          </a:xfrm>
+          <a:prstGeom prst="rect">
+            <a:avLst/>
+          </a:prstGeom>
+          <a:noFill/>
+        </p:spPr>
+        <p:style>
+          <a:lnRef idx="2">
+            <a:schemeClr val="accent1">
+              <a:shade val="15000"/>
+            </a:schemeClr>
+          </a:lnRef>
+          <a:fillRef idx="1">
+            <a:schemeClr val="accent1"/>
+          </a:fillRef>
+          <a:effectRef idx="0">
+            <a:schemeClr val="accent1"/>
+          </a:effectRef>
+          <a:fontRef idx="minor">
+            <a:schemeClr val="lt1"/>
+          </a:fontRef>
+        </p:style>
+        <p:txBody>
+          <a:bodyPr vert="vert270" rtlCol="0" anchor="ctr"/>
+          <a:lstStyle/>
+          <a:p>
+            <a:pPr algn="ctr"/>
+            <a:r>
+              <a:rPr lang="es-419" dirty="0">
+                <a:solidFill>
+                  <a:sysClr val="windowText" lastClr="000000"/>
+                </a:solidFill>
+              </a:rPr>
+              <a:t>APACHE</a:t>
+            </a:r>
+          </a:p>
+        </p:txBody>
+      </p:sp>
+      <p:cxnSp>
+        <p:nvCxnSpPr>
+          <p:cNvPr id="29" name="Connector: Curved 28">
+            <a:extLst>
+              <a:ext uri="{FF2B5EF4-FFF2-40B4-BE49-F238E27FC236}">
+                <a16:creationId xmlns:a16="http://schemas.microsoft.com/office/drawing/2014/main" id="{C72F2DD0-4DE8-8E33-3721-DFB99040B0DA}"/>
+              </a:ext>
+            </a:extLst>
+          </p:cNvPr>
+          <p:cNvCxnSpPr/>
+          <p:nvPr/>
+        </p:nvCxnSpPr>
+        <p:spPr>
+          <a:xfrm flipV="1">
+            <a:off x="6332675" y="1576423"/>
+            <a:ext cx="407630" cy="877066"/>
+          </a:xfrm>
+          <a:prstGeom prst="curvedConnector3">
+            <a:avLst/>
+          </a:prstGeom>
+          <a:ln>
+            <a:tailEnd type="triangle"/>
+          </a:ln>
+        </p:spPr>
+        <p:style>
+          <a:lnRef idx="1">
+            <a:schemeClr val="accent1"/>
+          </a:lnRef>
+          <a:fillRef idx="0">
+            <a:schemeClr val="accent1"/>
+          </a:fillRef>
+          <a:effectRef idx="0">
+            <a:schemeClr val="accent1"/>
+          </a:effectRef>
+          <a:fontRef idx="minor">
+            <a:schemeClr val="tx1"/>
+          </a:fontRef>
+        </p:style>
+      </p:cxnSp>
+      <p:sp>
+        <p:nvSpPr>
+          <p:cNvPr id="30" name="Hexagon 29">
+            <a:extLst>
+              <a:ext uri="{FF2B5EF4-FFF2-40B4-BE49-F238E27FC236}">
+                <a16:creationId xmlns:a16="http://schemas.microsoft.com/office/drawing/2014/main" id="{D673BA45-8CB7-DA26-94F8-B06594C132A6}"/>
+              </a:ext>
+            </a:extLst>
+          </p:cNvPr>
+          <p:cNvSpPr/>
+          <p:nvPr/>
+        </p:nvSpPr>
+        <p:spPr>
+          <a:xfrm>
+            <a:off x="738554" y="5174056"/>
+            <a:ext cx="949569" cy="818594"/>
+          </a:xfrm>
+          <a:prstGeom prst="hexagon">
+            <a:avLst/>
+          </a:prstGeom>
+          <a:noFill/>
+        </p:spPr>
+        <p:style>
+          <a:lnRef idx="2">
+            <a:schemeClr val="accent1">
+              <a:shade val="15000"/>
+            </a:schemeClr>
+          </a:lnRef>
+          <a:fillRef idx="1">
+            <a:schemeClr val="accent1"/>
+          </a:fillRef>
+          <a:effectRef idx="0">
+            <a:schemeClr val="accent1"/>
+          </a:effectRef>
+          <a:fontRef idx="minor">
+            <a:schemeClr val="lt1"/>
+          </a:fontRef>
+        </p:style>
+        <p:txBody>
+          <a:bodyPr rtlCol="0" anchor="ctr"/>
+          <a:lstStyle/>
+          <a:p>
+            <a:pPr algn="ctr"/>
+            <a:endParaRPr lang="es-419"/>
+          </a:p>
+        </p:txBody>
+      </p:sp>
+      <p:sp>
+        <p:nvSpPr>
+          <p:cNvPr id="31" name="Hexagon 30">
+            <a:extLst>
+              <a:ext uri="{FF2B5EF4-FFF2-40B4-BE49-F238E27FC236}">
+                <a16:creationId xmlns:a16="http://schemas.microsoft.com/office/drawing/2014/main" id="{DEE693DA-3D15-42EF-C7BB-3840BD1F1134}"/>
+              </a:ext>
+            </a:extLst>
+          </p:cNvPr>
+          <p:cNvSpPr/>
+          <p:nvPr/>
+        </p:nvSpPr>
+        <p:spPr>
+          <a:xfrm>
+            <a:off x="3946132" y="5174056"/>
+            <a:ext cx="949569" cy="818594"/>
+          </a:xfrm>
+          <a:prstGeom prst="hexagon">
+            <a:avLst/>
+          </a:prstGeom>
+          <a:noFill/>
+        </p:spPr>
+        <p:style>
+          <a:lnRef idx="2">
+            <a:schemeClr val="accent1">
+              <a:shade val="15000"/>
+            </a:schemeClr>
+          </a:lnRef>
+          <a:fillRef idx="1">
+            <a:schemeClr val="accent1"/>
+          </a:fillRef>
+          <a:effectRef idx="0">
+            <a:schemeClr val="accent1"/>
+          </a:effectRef>
+          <a:fontRef idx="minor">
+            <a:schemeClr val="lt1"/>
+          </a:fontRef>
+        </p:style>
+        <p:txBody>
+          <a:bodyPr rtlCol="0" anchor="ctr"/>
+          <a:lstStyle/>
+          <a:p>
+            <a:pPr algn="ctr"/>
+            <a:endParaRPr lang="es-419"/>
+          </a:p>
+        </p:txBody>
+      </p:sp>
+      <p:sp>
+        <p:nvSpPr>
+          <p:cNvPr id="32" name="TextBox 31">
+            <a:extLst>
+              <a:ext uri="{FF2B5EF4-FFF2-40B4-BE49-F238E27FC236}">
+                <a16:creationId xmlns:a16="http://schemas.microsoft.com/office/drawing/2014/main" id="{1EE0E69A-F1FD-881B-5222-85881AC4AB80}"/>
+              </a:ext>
+            </a:extLst>
+          </p:cNvPr>
+          <p:cNvSpPr txBox="1"/>
+          <p:nvPr/>
+        </p:nvSpPr>
+        <p:spPr>
+          <a:xfrm>
+            <a:off x="872319" y="5462275"/>
+            <a:ext cx="708848" cy="261610"/>
+          </a:xfrm>
+          <a:prstGeom prst="rect">
+            <a:avLst/>
+          </a:prstGeom>
+          <a:noFill/>
+        </p:spPr>
+        <p:txBody>
+          <a:bodyPr wrap="none" rtlCol="0">
+            <a:spAutoFit/>
+          </a:bodyPr>
+          <a:lstStyle/>
+          <a:p>
+            <a:r>
+              <a:rPr lang="es-419" sz="1100" dirty="0" err="1"/>
+              <a:t>Service</a:t>
+            </a:r>
+            <a:r>
+              <a:rPr lang="es-419" sz="1100" dirty="0"/>
+              <a:t> A</a:t>
+            </a:r>
+          </a:p>
+        </p:txBody>
+      </p:sp>
+      <p:sp>
+        <p:nvSpPr>
+          <p:cNvPr id="33" name="TextBox 32">
+            <a:extLst>
+              <a:ext uri="{FF2B5EF4-FFF2-40B4-BE49-F238E27FC236}">
+                <a16:creationId xmlns:a16="http://schemas.microsoft.com/office/drawing/2014/main" id="{5AD479E1-A7A8-09D4-4333-82FB1820EBCE}"/>
+              </a:ext>
+            </a:extLst>
+          </p:cNvPr>
+          <p:cNvSpPr txBox="1"/>
+          <p:nvPr/>
+        </p:nvSpPr>
+        <p:spPr>
+          <a:xfrm>
+            <a:off x="4063667" y="5462275"/>
+            <a:ext cx="704039" cy="261610"/>
+          </a:xfrm>
+          <a:prstGeom prst="rect">
+            <a:avLst/>
+          </a:prstGeom>
+          <a:noFill/>
+        </p:spPr>
+        <p:txBody>
+          <a:bodyPr wrap="none" rtlCol="0">
+            <a:spAutoFit/>
+          </a:bodyPr>
+          <a:lstStyle/>
+          <a:p>
+            <a:r>
+              <a:rPr lang="es-419" sz="1100" dirty="0" err="1"/>
+              <a:t>Service</a:t>
+            </a:r>
+            <a:r>
+              <a:rPr lang="es-419" sz="1100" dirty="0"/>
+              <a:t> B</a:t>
+            </a:r>
+          </a:p>
+        </p:txBody>
+      </p:sp>
+      <p:cxnSp>
+        <p:nvCxnSpPr>
+          <p:cNvPr id="34" name="Straight Arrow Connector 33">
+            <a:extLst>
+              <a:ext uri="{FF2B5EF4-FFF2-40B4-BE49-F238E27FC236}">
+                <a16:creationId xmlns:a16="http://schemas.microsoft.com/office/drawing/2014/main" id="{EDBC26AA-4FB2-C720-6180-7B7929A8F539}"/>
+              </a:ext>
+            </a:extLst>
+          </p:cNvPr>
+          <p:cNvCxnSpPr/>
+          <p:nvPr/>
+        </p:nvCxnSpPr>
+        <p:spPr>
+          <a:xfrm>
+            <a:off x="1581167" y="5319347"/>
+            <a:ext cx="2482500" cy="0"/>
+          </a:xfrm>
+          <a:prstGeom prst="straightConnector1">
+            <a:avLst/>
+          </a:prstGeom>
+          <a:ln>
+            <a:tailEnd type="triangle"/>
+          </a:ln>
+        </p:spPr>
+        <p:style>
+          <a:lnRef idx="1">
+            <a:schemeClr val="accent1"/>
+          </a:lnRef>
+          <a:fillRef idx="0">
+            <a:schemeClr val="accent1"/>
+          </a:fillRef>
+          <a:effectRef idx="0">
+            <a:schemeClr val="accent1"/>
+          </a:effectRef>
+          <a:fontRef idx="minor">
+            <a:schemeClr val="tx1"/>
+          </a:fontRef>
+        </p:style>
+      </p:cxnSp>
+      <p:sp>
+        <p:nvSpPr>
+          <p:cNvPr id="35" name="TextBox 34">
+            <a:extLst>
+              <a:ext uri="{FF2B5EF4-FFF2-40B4-BE49-F238E27FC236}">
+                <a16:creationId xmlns:a16="http://schemas.microsoft.com/office/drawing/2014/main" id="{C858BD0F-40F6-6B49-1983-D0EF22B60609}"/>
+              </a:ext>
+            </a:extLst>
+          </p:cNvPr>
+          <p:cNvSpPr txBox="1"/>
+          <p:nvPr/>
+        </p:nvSpPr>
+        <p:spPr>
+          <a:xfrm>
+            <a:off x="2494230" y="5462275"/>
+            <a:ext cx="439544" cy="261610"/>
+          </a:xfrm>
+          <a:prstGeom prst="rect">
+            <a:avLst/>
+          </a:prstGeom>
+          <a:noFill/>
+        </p:spPr>
+        <p:txBody>
+          <a:bodyPr wrap="none" rtlCol="0">
+            <a:spAutoFit/>
+          </a:bodyPr>
+          <a:lstStyle/>
+          <a:p>
+            <a:r>
+              <a:rPr lang="es-419" sz="1100" dirty="0"/>
+              <a:t>Http</a:t>
+            </a:r>
+          </a:p>
+        </p:txBody>
+      </p:sp>
+      <p:cxnSp>
+        <p:nvCxnSpPr>
+          <p:cNvPr id="36" name="Straight Arrow Connector 35">
+            <a:extLst>
+              <a:ext uri="{FF2B5EF4-FFF2-40B4-BE49-F238E27FC236}">
+                <a16:creationId xmlns:a16="http://schemas.microsoft.com/office/drawing/2014/main" id="{FBFA1F1F-BEA5-9909-C16B-B97E80D80731}"/>
+              </a:ext>
+            </a:extLst>
+          </p:cNvPr>
+          <p:cNvCxnSpPr/>
+          <p:nvPr/>
+        </p:nvCxnSpPr>
+        <p:spPr>
+          <a:xfrm>
+            <a:off x="1581167" y="5864469"/>
+            <a:ext cx="2482500" cy="0"/>
+          </a:xfrm>
+          <a:prstGeom prst="straightConnector1">
+            <a:avLst/>
+          </a:prstGeom>
+          <a:ln>
+            <a:headEnd type="triangle" w="med" len="med"/>
+            <a:tailEnd type="none" w="med" len="med"/>
+          </a:ln>
+        </p:spPr>
+        <p:style>
+          <a:lnRef idx="1">
+            <a:schemeClr val="accent1"/>
+          </a:lnRef>
+          <a:fillRef idx="0">
+            <a:schemeClr val="accent1"/>
+          </a:fillRef>
+          <a:effectRef idx="0">
+            <a:schemeClr val="accent1"/>
+          </a:effectRef>
+          <a:fontRef idx="minor">
+            <a:schemeClr val="tx1"/>
+          </a:fontRef>
+        </p:style>
+      </p:cxnSp>
+      <p:sp>
+        <p:nvSpPr>
+          <p:cNvPr id="37" name="TextBox 36">
+            <a:extLst>
+              <a:ext uri="{FF2B5EF4-FFF2-40B4-BE49-F238E27FC236}">
+                <a16:creationId xmlns:a16="http://schemas.microsoft.com/office/drawing/2014/main" id="{C7811FFA-AE4B-7842-5FB0-4C89CE34F7DA}"/>
+              </a:ext>
+            </a:extLst>
+          </p:cNvPr>
+          <p:cNvSpPr txBox="1"/>
+          <p:nvPr/>
+        </p:nvSpPr>
+        <p:spPr>
+          <a:xfrm>
+            <a:off x="2405748" y="5993865"/>
+            <a:ext cx="1016625" cy="261610"/>
+          </a:xfrm>
+          <a:prstGeom prst="rect">
+            <a:avLst/>
+          </a:prstGeom>
+          <a:noFill/>
+        </p:spPr>
+        <p:txBody>
+          <a:bodyPr wrap="none" rtlCol="0">
+            <a:spAutoFit/>
+          </a:bodyPr>
+          <a:lstStyle/>
+          <a:p>
+            <a:r>
+              <a:rPr lang="es-419" sz="1100" dirty="0" err="1"/>
+              <a:t>gRPC</a:t>
+            </a:r>
+            <a:r>
+              <a:rPr lang="es-419" sz="1100" dirty="0"/>
+              <a:t> -&gt; </a:t>
+            </a:r>
+            <a:r>
+              <a:rPr lang="es-419" sz="1100" dirty="0" err="1"/>
+              <a:t>Binary</a:t>
+            </a:r>
+            <a:endParaRPr lang="es-419" sz="1100" dirty="0"/>
+          </a:p>
+        </p:txBody>
+      </p:sp>
+      <p:sp>
+        <p:nvSpPr>
+          <p:cNvPr id="38" name="Rectangle 37">
+            <a:extLst>
+              <a:ext uri="{FF2B5EF4-FFF2-40B4-BE49-F238E27FC236}">
+                <a16:creationId xmlns:a16="http://schemas.microsoft.com/office/drawing/2014/main" id="{F592A53E-D0B2-1156-7D38-52F7E1C0359C}"/>
+              </a:ext>
+            </a:extLst>
+          </p:cNvPr>
+          <p:cNvSpPr/>
+          <p:nvPr/>
+        </p:nvSpPr>
+        <p:spPr>
+          <a:xfrm>
+            <a:off x="10366131" y="545123"/>
+            <a:ext cx="1547446" cy="2107543"/>
+          </a:xfrm>
+          <a:prstGeom prst="rect">
+            <a:avLst/>
+          </a:prstGeom>
+          <a:noFill/>
+        </p:spPr>
+        <p:style>
+          <a:lnRef idx="2">
+            <a:schemeClr val="accent1">
+              <a:shade val="15000"/>
+            </a:schemeClr>
+          </a:lnRef>
+          <a:fillRef idx="1">
+            <a:schemeClr val="accent1"/>
+          </a:fillRef>
+          <a:effectRef idx="0">
+            <a:schemeClr val="accent1"/>
+          </a:effectRef>
+          <a:fontRef idx="minor">
+            <a:schemeClr val="lt1"/>
+          </a:fontRef>
+        </p:style>
+        <p:txBody>
+          <a:bodyPr rtlCol="0" anchor="ctr"/>
+          <a:lstStyle/>
+          <a:p>
+            <a:pPr algn="ctr"/>
+            <a:endParaRPr lang="es-419"/>
+          </a:p>
+        </p:txBody>
+      </p:sp>
+      <p:sp>
+        <p:nvSpPr>
+          <p:cNvPr id="39" name="TextBox 38">
+            <a:extLst>
+              <a:ext uri="{FF2B5EF4-FFF2-40B4-BE49-F238E27FC236}">
+                <a16:creationId xmlns:a16="http://schemas.microsoft.com/office/drawing/2014/main" id="{59B11B8E-70F2-FCA9-DA79-4F65988056BB}"/>
+              </a:ext>
+            </a:extLst>
+          </p:cNvPr>
+          <p:cNvSpPr txBox="1"/>
+          <p:nvPr/>
+        </p:nvSpPr>
+        <p:spPr>
+          <a:xfrm>
+            <a:off x="10277609" y="290994"/>
+            <a:ext cx="582211" cy="253916"/>
+          </a:xfrm>
+          <a:prstGeom prst="rect">
+            <a:avLst/>
+          </a:prstGeom>
+          <a:noFill/>
+        </p:spPr>
+        <p:txBody>
+          <a:bodyPr wrap="none" rtlCol="0">
+            <a:spAutoFit/>
+          </a:bodyPr>
+          <a:lstStyle/>
+          <a:p>
+            <a:r>
+              <a:rPr lang="es-419" sz="1050" dirty="0">
+                <a:latin typeface="Arial" panose="020B0604020202020204" pitchFamily="34" charset="0"/>
+                <a:cs typeface="Arial" panose="020B0604020202020204" pitchFamily="34" charset="0"/>
+              </a:rPr>
+              <a:t>Server</a:t>
+            </a:r>
+          </a:p>
+        </p:txBody>
+      </p:sp>
+      <p:sp>
+        <p:nvSpPr>
+          <p:cNvPr id="40" name="Rectangle: Rounded Corners 39">
+            <a:extLst>
+              <a:ext uri="{FF2B5EF4-FFF2-40B4-BE49-F238E27FC236}">
+                <a16:creationId xmlns:a16="http://schemas.microsoft.com/office/drawing/2014/main" id="{44C94ADA-F3ED-AD70-66EB-CC143E48E949}"/>
+              </a:ext>
+            </a:extLst>
+          </p:cNvPr>
+          <p:cNvSpPr/>
+          <p:nvPr/>
+        </p:nvSpPr>
+        <p:spPr>
+          <a:xfrm>
+            <a:off x="7840301" y="5174056"/>
+            <a:ext cx="1430447" cy="841973"/>
+          </a:xfrm>
+          <a:prstGeom prst="roundRect">
+            <a:avLst/>
+          </a:prstGeom>
+          <a:noFill/>
+        </p:spPr>
+        <p:style>
+          <a:lnRef idx="2">
+            <a:schemeClr val="accent1">
+              <a:shade val="15000"/>
+            </a:schemeClr>
+          </a:lnRef>
+          <a:fillRef idx="1">
+            <a:schemeClr val="accent1"/>
+          </a:fillRef>
+          <a:effectRef idx="0">
+            <a:schemeClr val="accent1"/>
+          </a:effectRef>
+          <a:fontRef idx="minor">
+            <a:schemeClr val="lt1"/>
+          </a:fontRef>
+        </p:style>
+        <p:txBody>
+          <a:bodyPr rtlCol="0" anchor="ctr"/>
+          <a:lstStyle/>
+          <a:p>
+            <a:pPr algn="ctr"/>
+            <a:endParaRPr lang="es-419">
+              <a:latin typeface="Arial" panose="020B0604020202020204" pitchFamily="34" charset="0"/>
+              <a:cs typeface="Arial" panose="020B0604020202020204" pitchFamily="34" charset="0"/>
+            </a:endParaRPr>
+          </a:p>
+        </p:txBody>
+      </p:sp>
+      <p:sp>
+        <p:nvSpPr>
+          <p:cNvPr id="41" name="Parallelogram 40">
+            <a:extLst>
+              <a:ext uri="{FF2B5EF4-FFF2-40B4-BE49-F238E27FC236}">
+                <a16:creationId xmlns:a16="http://schemas.microsoft.com/office/drawing/2014/main" id="{2F828C07-8EB8-CFAB-F809-F2612164D682}"/>
+              </a:ext>
+            </a:extLst>
+          </p:cNvPr>
+          <p:cNvSpPr/>
+          <p:nvPr/>
+        </p:nvSpPr>
+        <p:spPr>
+          <a:xfrm>
+            <a:off x="7840301" y="6124670"/>
+            <a:ext cx="1430447" cy="380245"/>
+          </a:xfrm>
+          <a:prstGeom prst="parallelogram">
+            <a:avLst/>
+          </a:prstGeom>
+          <a:noFill/>
+        </p:spPr>
+        <p:style>
+          <a:lnRef idx="2">
+            <a:schemeClr val="accent1">
+              <a:shade val="15000"/>
+            </a:schemeClr>
+          </a:lnRef>
+          <a:fillRef idx="1">
+            <a:schemeClr val="accent1"/>
+          </a:fillRef>
+          <a:effectRef idx="0">
+            <a:schemeClr val="accent1"/>
+          </a:effectRef>
+          <a:fontRef idx="minor">
+            <a:schemeClr val="lt1"/>
+          </a:fontRef>
+        </p:style>
+        <p:txBody>
+          <a:bodyPr rtlCol="0" anchor="ctr"/>
+          <a:lstStyle/>
+          <a:p>
+            <a:pPr algn="ctr"/>
+            <a:endParaRPr lang="es-419">
+              <a:latin typeface="Arial" panose="020B0604020202020204" pitchFamily="34" charset="0"/>
+              <a:cs typeface="Arial" panose="020B0604020202020204" pitchFamily="34" charset="0"/>
+            </a:endParaRPr>
+          </a:p>
+        </p:txBody>
+      </p:sp>
+      <p:grpSp>
+        <p:nvGrpSpPr>
+          <p:cNvPr id="42" name="Group 41">
+            <a:extLst>
+              <a:ext uri="{FF2B5EF4-FFF2-40B4-BE49-F238E27FC236}">
+                <a16:creationId xmlns:a16="http://schemas.microsoft.com/office/drawing/2014/main" id="{4F41A893-85F7-090F-EA0F-B2A459ADFADA}"/>
+              </a:ext>
+            </a:extLst>
+          </p:cNvPr>
+          <p:cNvGrpSpPr/>
+          <p:nvPr/>
+        </p:nvGrpSpPr>
+        <p:grpSpPr>
+          <a:xfrm>
+            <a:off x="9570272" y="5720597"/>
+            <a:ext cx="410236" cy="381675"/>
+            <a:chOff x="9650907" y="5174056"/>
+            <a:chExt cx="1430447" cy="1330859"/>
+          </a:xfrm>
+        </p:grpSpPr>
+        <p:sp>
+          <p:nvSpPr>
+            <p:cNvPr id="43" name="Rectangle: Rounded Corners 42">
+              <a:extLst>
+                <a:ext uri="{FF2B5EF4-FFF2-40B4-BE49-F238E27FC236}">
+                  <a16:creationId xmlns:a16="http://schemas.microsoft.com/office/drawing/2014/main" id="{1DBEC2CB-9A5B-548A-BA2F-E0E4CE46F159}"/>
+                </a:ext>
+              </a:extLst>
+            </p:cNvPr>
+            <p:cNvSpPr/>
+            <p:nvPr/>
+          </p:nvSpPr>
+          <p:spPr>
+            <a:xfrm>
+              <a:off x="9650907" y="5174056"/>
+              <a:ext cx="1430447" cy="841973"/>
+            </a:xfrm>
+            <a:prstGeom prst="roundRect">
+              <a:avLst/>
+            </a:prstGeom>
+            <a:noFill/>
+          </p:spPr>
+          <p:style>
+            <a:lnRef idx="2">
+              <a:schemeClr val="accent1">
+                <a:shade val="15000"/>
+              </a:schemeClr>
+            </a:lnRef>
+            <a:fillRef idx="1">
+              <a:schemeClr val="accent1"/>
+            </a:fillRef>
+            <a:effectRef idx="0">
+              <a:schemeClr val="accent1"/>
+            </a:effectRef>
+            <a:fontRef idx="minor">
+              <a:schemeClr val="lt1"/>
+            </a:fontRef>
+          </p:style>
+          <p:txBody>
+            <a:bodyPr rtlCol="0" anchor="ctr"/>
+            <a:lstStyle/>
+            <a:p>
+              <a:pPr algn="ctr"/>
+              <a:endParaRPr lang="es-419">
+                <a:latin typeface="Arial" panose="020B0604020202020204" pitchFamily="34" charset="0"/>
+                <a:cs typeface="Arial" panose="020B0604020202020204" pitchFamily="34" charset="0"/>
+              </a:endParaRPr>
+            </a:p>
+          </p:txBody>
+        </p:sp>
+        <p:sp>
+          <p:nvSpPr>
+            <p:cNvPr id="44" name="Parallelogram 43">
+              <a:extLst>
+                <a:ext uri="{FF2B5EF4-FFF2-40B4-BE49-F238E27FC236}">
+                  <a16:creationId xmlns:a16="http://schemas.microsoft.com/office/drawing/2014/main" id="{D08F472E-F177-F343-D206-2839FEFE993C}"/>
+                </a:ext>
+              </a:extLst>
+            </p:cNvPr>
+            <p:cNvSpPr/>
+            <p:nvPr/>
+          </p:nvSpPr>
+          <p:spPr>
+            <a:xfrm>
+              <a:off x="9650907" y="6124670"/>
+              <a:ext cx="1430447" cy="380245"/>
+            </a:xfrm>
+            <a:prstGeom prst="parallelogram">
+              <a:avLst/>
+            </a:prstGeom>
+            <a:noFill/>
+          </p:spPr>
+          <p:style>
+            <a:lnRef idx="2">
+              <a:schemeClr val="accent1">
+                <a:shade val="15000"/>
+              </a:schemeClr>
+            </a:lnRef>
+            <a:fillRef idx="1">
+              <a:schemeClr val="accent1"/>
+            </a:fillRef>
+            <a:effectRef idx="0">
+              <a:schemeClr val="accent1"/>
+            </a:effectRef>
+            <a:fontRef idx="minor">
+              <a:schemeClr val="lt1"/>
+            </a:fontRef>
+          </p:style>
+          <p:txBody>
+            <a:bodyPr rtlCol="0" anchor="ctr"/>
+            <a:lstStyle/>
+            <a:p>
+              <a:pPr algn="ctr"/>
+              <a:endParaRPr lang="es-419">
+                <a:latin typeface="Arial" panose="020B0604020202020204" pitchFamily="34" charset="0"/>
+                <a:cs typeface="Arial" panose="020B0604020202020204" pitchFamily="34" charset="0"/>
+              </a:endParaRPr>
+            </a:p>
+          </p:txBody>
+        </p:sp>
+      </p:grpSp>
+      <p:grpSp>
+        <p:nvGrpSpPr>
+          <p:cNvPr id="45" name="Group 44">
+            <a:extLst>
+              <a:ext uri="{FF2B5EF4-FFF2-40B4-BE49-F238E27FC236}">
+                <a16:creationId xmlns:a16="http://schemas.microsoft.com/office/drawing/2014/main" id="{F458E0F3-C4BE-6046-E09B-6026045AED7F}"/>
+              </a:ext>
+            </a:extLst>
+          </p:cNvPr>
+          <p:cNvGrpSpPr/>
+          <p:nvPr/>
+        </p:nvGrpSpPr>
+        <p:grpSpPr>
+          <a:xfrm>
+            <a:off x="10096572" y="5720597"/>
+            <a:ext cx="410236" cy="381675"/>
+            <a:chOff x="9650907" y="5174056"/>
+            <a:chExt cx="1430447" cy="1330859"/>
+          </a:xfrm>
+        </p:grpSpPr>
+        <p:sp>
+          <p:nvSpPr>
+            <p:cNvPr id="46" name="Rectangle: Rounded Corners 45">
+              <a:extLst>
+                <a:ext uri="{FF2B5EF4-FFF2-40B4-BE49-F238E27FC236}">
+                  <a16:creationId xmlns:a16="http://schemas.microsoft.com/office/drawing/2014/main" id="{6CD9B048-C283-4778-6AD1-438BF25E92DE}"/>
+                </a:ext>
+              </a:extLst>
+            </p:cNvPr>
+            <p:cNvSpPr/>
+            <p:nvPr/>
+          </p:nvSpPr>
+          <p:spPr>
+            <a:xfrm>
+              <a:off x="9650907" y="5174056"/>
+              <a:ext cx="1430447" cy="841973"/>
+            </a:xfrm>
+            <a:prstGeom prst="roundRect">
+              <a:avLst/>
+            </a:prstGeom>
+            <a:noFill/>
+          </p:spPr>
+          <p:style>
+            <a:lnRef idx="2">
+              <a:schemeClr val="accent1">
+                <a:shade val="15000"/>
+              </a:schemeClr>
+            </a:lnRef>
+            <a:fillRef idx="1">
+              <a:schemeClr val="accent1"/>
+            </a:fillRef>
+            <a:effectRef idx="0">
+              <a:schemeClr val="accent1"/>
+            </a:effectRef>
+            <a:fontRef idx="minor">
+              <a:schemeClr val="lt1"/>
+            </a:fontRef>
+          </p:style>
+          <p:txBody>
+            <a:bodyPr rtlCol="0" anchor="ctr"/>
+            <a:lstStyle/>
+            <a:p>
+              <a:pPr algn="ctr"/>
+              <a:endParaRPr lang="es-419">
+                <a:latin typeface="Arial" panose="020B0604020202020204" pitchFamily="34" charset="0"/>
+                <a:cs typeface="Arial" panose="020B0604020202020204" pitchFamily="34" charset="0"/>
+              </a:endParaRPr>
+            </a:p>
+          </p:txBody>
+        </p:sp>
+        <p:sp>
+          <p:nvSpPr>
+            <p:cNvPr id="47" name="Parallelogram 46">
+              <a:extLst>
+                <a:ext uri="{FF2B5EF4-FFF2-40B4-BE49-F238E27FC236}">
+                  <a16:creationId xmlns:a16="http://schemas.microsoft.com/office/drawing/2014/main" id="{7385EE95-AC34-1A75-F9BF-D405A19F3587}"/>
+                </a:ext>
+              </a:extLst>
+            </p:cNvPr>
+            <p:cNvSpPr/>
+            <p:nvPr/>
+          </p:nvSpPr>
+          <p:spPr>
+            <a:xfrm>
+              <a:off x="9650907" y="6124670"/>
+              <a:ext cx="1430447" cy="380245"/>
+            </a:xfrm>
+            <a:prstGeom prst="parallelogram">
+              <a:avLst/>
+            </a:prstGeom>
+            <a:noFill/>
+          </p:spPr>
+          <p:style>
+            <a:lnRef idx="2">
+              <a:schemeClr val="accent1">
+                <a:shade val="15000"/>
+              </a:schemeClr>
+            </a:lnRef>
+            <a:fillRef idx="1">
+              <a:schemeClr val="accent1"/>
+            </a:fillRef>
+            <a:effectRef idx="0">
+              <a:schemeClr val="accent1"/>
+            </a:effectRef>
+            <a:fontRef idx="minor">
+              <a:schemeClr val="lt1"/>
+            </a:fontRef>
+          </p:style>
+          <p:txBody>
+            <a:bodyPr rtlCol="0" anchor="ctr"/>
+            <a:lstStyle/>
+            <a:p>
+              <a:pPr algn="ctr"/>
+              <a:endParaRPr lang="es-419">
+                <a:latin typeface="Arial" panose="020B0604020202020204" pitchFamily="34" charset="0"/>
+                <a:cs typeface="Arial" panose="020B0604020202020204" pitchFamily="34" charset="0"/>
+              </a:endParaRPr>
+            </a:p>
+          </p:txBody>
+        </p:sp>
+      </p:grpSp>
+      <p:grpSp>
+        <p:nvGrpSpPr>
+          <p:cNvPr id="48" name="Group 47">
+            <a:extLst>
+              <a:ext uri="{FF2B5EF4-FFF2-40B4-BE49-F238E27FC236}">
+                <a16:creationId xmlns:a16="http://schemas.microsoft.com/office/drawing/2014/main" id="{D7CC37E3-DD69-8FB7-0803-6727BFF796E2}"/>
+              </a:ext>
+            </a:extLst>
+          </p:cNvPr>
+          <p:cNvGrpSpPr/>
+          <p:nvPr/>
+        </p:nvGrpSpPr>
+        <p:grpSpPr>
+          <a:xfrm>
+            <a:off x="10632903" y="5720597"/>
+            <a:ext cx="410236" cy="381675"/>
+            <a:chOff x="9650907" y="5174056"/>
+            <a:chExt cx="1430447" cy="1330859"/>
+          </a:xfrm>
+        </p:grpSpPr>
+        <p:sp>
+          <p:nvSpPr>
+            <p:cNvPr id="49" name="Rectangle: Rounded Corners 48">
+              <a:extLst>
+                <a:ext uri="{FF2B5EF4-FFF2-40B4-BE49-F238E27FC236}">
+                  <a16:creationId xmlns:a16="http://schemas.microsoft.com/office/drawing/2014/main" id="{36A2B36E-3273-2E95-6717-EDE8074DE21A}"/>
+                </a:ext>
+              </a:extLst>
+            </p:cNvPr>
+            <p:cNvSpPr/>
+            <p:nvPr/>
+          </p:nvSpPr>
+          <p:spPr>
+            <a:xfrm>
+              <a:off x="9650907" y="5174056"/>
+              <a:ext cx="1430447" cy="841973"/>
+            </a:xfrm>
+            <a:prstGeom prst="roundRect">
+              <a:avLst/>
+            </a:prstGeom>
+            <a:noFill/>
+          </p:spPr>
+          <p:style>
+            <a:lnRef idx="2">
+              <a:schemeClr val="accent1">
+                <a:shade val="15000"/>
+              </a:schemeClr>
+            </a:lnRef>
+            <a:fillRef idx="1">
+              <a:schemeClr val="accent1"/>
+            </a:fillRef>
+            <a:effectRef idx="0">
+              <a:schemeClr val="accent1"/>
+            </a:effectRef>
+            <a:fontRef idx="minor">
+              <a:schemeClr val="lt1"/>
+            </a:fontRef>
+          </p:style>
+          <p:txBody>
+            <a:bodyPr rtlCol="0" anchor="ctr"/>
+            <a:lstStyle/>
+            <a:p>
+              <a:pPr algn="ctr"/>
+              <a:endParaRPr lang="es-419">
+                <a:latin typeface="Arial" panose="020B0604020202020204" pitchFamily="34" charset="0"/>
+                <a:cs typeface="Arial" panose="020B0604020202020204" pitchFamily="34" charset="0"/>
+              </a:endParaRPr>
+            </a:p>
+          </p:txBody>
+        </p:sp>
+        <p:sp>
+          <p:nvSpPr>
+            <p:cNvPr id="50" name="Parallelogram 49">
+              <a:extLst>
+                <a:ext uri="{FF2B5EF4-FFF2-40B4-BE49-F238E27FC236}">
+                  <a16:creationId xmlns:a16="http://schemas.microsoft.com/office/drawing/2014/main" id="{14973F55-8A24-A44C-D926-C2D7BDA064CE}"/>
+                </a:ext>
+              </a:extLst>
+            </p:cNvPr>
+            <p:cNvSpPr/>
+            <p:nvPr/>
+          </p:nvSpPr>
+          <p:spPr>
+            <a:xfrm>
+              <a:off x="9650907" y="6124670"/>
+              <a:ext cx="1430447" cy="380245"/>
+            </a:xfrm>
+            <a:prstGeom prst="parallelogram">
+              <a:avLst/>
+            </a:prstGeom>
+            <a:noFill/>
+          </p:spPr>
+          <p:style>
+            <a:lnRef idx="2">
+              <a:schemeClr val="accent1">
+                <a:shade val="15000"/>
+              </a:schemeClr>
+            </a:lnRef>
+            <a:fillRef idx="1">
+              <a:schemeClr val="accent1"/>
+            </a:fillRef>
+            <a:effectRef idx="0">
+              <a:schemeClr val="accent1"/>
+            </a:effectRef>
+            <a:fontRef idx="minor">
+              <a:schemeClr val="lt1"/>
+            </a:fontRef>
+          </p:style>
+          <p:txBody>
+            <a:bodyPr rtlCol="0" anchor="ctr"/>
+            <a:lstStyle/>
+            <a:p>
+              <a:pPr algn="ctr"/>
+              <a:endParaRPr lang="es-419">
+                <a:latin typeface="Arial" panose="020B0604020202020204" pitchFamily="34" charset="0"/>
+                <a:cs typeface="Arial" panose="020B0604020202020204" pitchFamily="34" charset="0"/>
+              </a:endParaRPr>
+            </a:p>
+          </p:txBody>
+        </p:sp>
+      </p:grpSp>
+      <p:cxnSp>
+        <p:nvCxnSpPr>
+          <p:cNvPr id="51" name="Connector: Curved 50">
+            <a:extLst>
+              <a:ext uri="{FF2B5EF4-FFF2-40B4-BE49-F238E27FC236}">
+                <a16:creationId xmlns:a16="http://schemas.microsoft.com/office/drawing/2014/main" id="{67F05558-F693-4797-182A-01E55FE58A52}"/>
+              </a:ext>
+            </a:extLst>
+          </p:cNvPr>
+          <p:cNvCxnSpPr/>
+          <p:nvPr/>
+        </p:nvCxnSpPr>
+        <p:spPr>
+          <a:xfrm rot="5400000" flipH="1" flipV="1">
+            <a:off x="7673248" y="2481173"/>
+            <a:ext cx="3575161" cy="1810606"/>
+          </a:xfrm>
+          <a:prstGeom prst="curvedConnector2">
+            <a:avLst/>
+          </a:prstGeom>
+          <a:ln>
+            <a:tailEnd type="triangle"/>
+          </a:ln>
+        </p:spPr>
+        <p:style>
+          <a:lnRef idx="1">
+            <a:schemeClr val="accent1"/>
+          </a:lnRef>
+          <a:fillRef idx="0">
+            <a:schemeClr val="accent1"/>
+          </a:fillRef>
+          <a:effectRef idx="0">
+            <a:schemeClr val="accent1"/>
+          </a:effectRef>
+          <a:fontRef idx="minor">
+            <a:schemeClr val="tx1"/>
+          </a:fontRef>
+        </p:style>
+      </p:cxnSp>
+      <p:cxnSp>
+        <p:nvCxnSpPr>
+          <p:cNvPr id="52" name="Connector: Curved 51">
+            <a:extLst>
+              <a:ext uri="{FF2B5EF4-FFF2-40B4-BE49-F238E27FC236}">
+                <a16:creationId xmlns:a16="http://schemas.microsoft.com/office/drawing/2014/main" id="{730D9280-C886-7B3D-575B-E3DCA88CBC36}"/>
+              </a:ext>
+            </a:extLst>
+          </p:cNvPr>
+          <p:cNvCxnSpPr/>
+          <p:nvPr/>
+        </p:nvCxnSpPr>
+        <p:spPr>
+          <a:xfrm rot="5400000">
+            <a:off x="8734113" y="3189301"/>
+            <a:ext cx="2942377" cy="1869106"/>
+          </a:xfrm>
+          <a:prstGeom prst="curvedConnector2">
+            <a:avLst/>
+          </a:prstGeom>
+          <a:ln>
+            <a:tailEnd type="triangle"/>
+          </a:ln>
+        </p:spPr>
+        <p:style>
+          <a:lnRef idx="1">
+            <a:schemeClr val="accent1"/>
+          </a:lnRef>
+          <a:fillRef idx="0">
+            <a:schemeClr val="accent1"/>
+          </a:fillRef>
+          <a:effectRef idx="0">
+            <a:schemeClr val="accent1"/>
+          </a:effectRef>
+          <a:fontRef idx="minor">
+            <a:schemeClr val="tx1"/>
+          </a:fontRef>
+        </p:style>
+      </p:cxnSp>
+      <p:sp>
+        <p:nvSpPr>
+          <p:cNvPr id="53" name="TextBox 52">
+            <a:extLst>
+              <a:ext uri="{FF2B5EF4-FFF2-40B4-BE49-F238E27FC236}">
+                <a16:creationId xmlns:a16="http://schemas.microsoft.com/office/drawing/2014/main" id="{F5131A68-69F6-D107-4E9F-FFA14F49A58C}"/>
+              </a:ext>
+            </a:extLst>
+          </p:cNvPr>
+          <p:cNvSpPr txBox="1"/>
+          <p:nvPr/>
+        </p:nvSpPr>
+        <p:spPr>
+          <a:xfrm>
+            <a:off x="10787751" y="4261484"/>
+            <a:ext cx="974947" cy="738664"/>
+          </a:xfrm>
+          <a:prstGeom prst="rect">
+            <a:avLst/>
+          </a:prstGeom>
+          <a:noFill/>
+        </p:spPr>
+        <p:txBody>
+          <a:bodyPr wrap="none" rtlCol="0">
+            <a:spAutoFit/>
+          </a:bodyPr>
+          <a:lstStyle/>
+          <a:p>
+            <a:r>
+              <a:rPr lang="es-419" sz="1050" b="1" dirty="0" err="1">
+                <a:latin typeface="Arial" panose="020B0604020202020204" pitchFamily="34" charset="0"/>
+                <a:cs typeface="Arial" panose="020B0604020202020204" pitchFamily="34" charset="0"/>
+              </a:rPr>
+              <a:t>SignalR</a:t>
+            </a:r>
+            <a:endParaRPr lang="es-419" sz="1050" b="1" dirty="0">
+              <a:latin typeface="Arial" panose="020B0604020202020204" pitchFamily="34" charset="0"/>
+              <a:cs typeface="Arial" panose="020B0604020202020204" pitchFamily="34" charset="0"/>
+            </a:endParaRPr>
+          </a:p>
+          <a:p>
+            <a:r>
+              <a:rPr lang="es-419" sz="1050" dirty="0" err="1">
+                <a:latin typeface="Arial" panose="020B0604020202020204" pitchFamily="34" charset="0"/>
+                <a:cs typeface="Arial" panose="020B0604020202020204" pitchFamily="34" charset="0"/>
+              </a:rPr>
+              <a:t>WebSocket</a:t>
+            </a:r>
+            <a:endParaRPr lang="es-419" sz="1050" dirty="0">
+              <a:latin typeface="Arial" panose="020B0604020202020204" pitchFamily="34" charset="0"/>
+              <a:cs typeface="Arial" panose="020B0604020202020204" pitchFamily="34" charset="0"/>
+            </a:endParaRPr>
+          </a:p>
+          <a:p>
+            <a:r>
+              <a:rPr lang="es-419" sz="1050" dirty="0">
+                <a:latin typeface="Arial" panose="020B0604020202020204" pitchFamily="34" charset="0"/>
+                <a:cs typeface="Arial" panose="020B0604020202020204" pitchFamily="34" charset="0"/>
+              </a:rPr>
+              <a:t>SSE</a:t>
+            </a:r>
+          </a:p>
+          <a:p>
+            <a:r>
+              <a:rPr lang="es-419" sz="1050" dirty="0">
+                <a:latin typeface="Arial" panose="020B0604020202020204" pitchFamily="34" charset="0"/>
+                <a:cs typeface="Arial" panose="020B0604020202020204" pitchFamily="34" charset="0"/>
+              </a:rPr>
+              <a:t>Long </a:t>
+            </a:r>
+            <a:r>
+              <a:rPr lang="es-419" sz="1050" dirty="0" err="1">
+                <a:latin typeface="Arial" panose="020B0604020202020204" pitchFamily="34" charset="0"/>
+                <a:cs typeface="Arial" panose="020B0604020202020204" pitchFamily="34" charset="0"/>
+              </a:rPr>
+              <a:t>Pooling</a:t>
+            </a:r>
+            <a:endParaRPr lang="es-419" sz="1050" dirty="0">
+              <a:latin typeface="Arial" panose="020B0604020202020204" pitchFamily="34" charset="0"/>
+              <a:cs typeface="Arial" panose="020B0604020202020204" pitchFamily="34" charset="0"/>
+            </a:endParaRPr>
+          </a:p>
+        </p:txBody>
+      </p:sp>
+      <p:sp>
+        <p:nvSpPr>
+          <p:cNvPr id="54" name="Rectangle 53">
+            <a:extLst>
+              <a:ext uri="{FF2B5EF4-FFF2-40B4-BE49-F238E27FC236}">
+                <a16:creationId xmlns:a16="http://schemas.microsoft.com/office/drawing/2014/main" id="{CFCA7780-060E-2C63-2944-AC0D9829ACD8}"/>
+              </a:ext>
+            </a:extLst>
+          </p:cNvPr>
+          <p:cNvSpPr/>
+          <p:nvPr/>
+        </p:nvSpPr>
+        <p:spPr>
+          <a:xfrm>
+            <a:off x="10506808" y="671868"/>
+            <a:ext cx="1283678" cy="664563"/>
+          </a:xfrm>
+          <a:prstGeom prst="rect">
+            <a:avLst/>
+          </a:prstGeom>
+          <a:noFill/>
+        </p:spPr>
+        <p:style>
+          <a:lnRef idx="2">
+            <a:schemeClr val="accent1">
+              <a:shade val="15000"/>
+            </a:schemeClr>
+          </a:lnRef>
+          <a:fillRef idx="1">
+            <a:schemeClr val="accent1"/>
+          </a:fillRef>
+          <a:effectRef idx="0">
+            <a:schemeClr val="accent1"/>
+          </a:effectRef>
+          <a:fontRef idx="minor">
+            <a:schemeClr val="lt1"/>
+          </a:fontRef>
+        </p:style>
+        <p:txBody>
+          <a:bodyPr rtlCol="0" anchor="ctr"/>
+          <a:lstStyle/>
+          <a:p>
+            <a:pPr algn="ctr"/>
+            <a:endParaRPr lang="es-419" dirty="0"/>
+          </a:p>
+        </p:txBody>
+      </p:sp>
+      <p:sp>
+        <p:nvSpPr>
+          <p:cNvPr id="55" name="TextBox 54">
+            <a:extLst>
+              <a:ext uri="{FF2B5EF4-FFF2-40B4-BE49-F238E27FC236}">
+                <a16:creationId xmlns:a16="http://schemas.microsoft.com/office/drawing/2014/main" id="{53F16A7F-2020-1113-39FF-225D2AA580AD}"/>
+              </a:ext>
+            </a:extLst>
+          </p:cNvPr>
+          <p:cNvSpPr txBox="1"/>
+          <p:nvPr/>
+        </p:nvSpPr>
+        <p:spPr>
+          <a:xfrm>
+            <a:off x="10506808" y="771881"/>
+            <a:ext cx="1317990" cy="577081"/>
+          </a:xfrm>
+          <a:prstGeom prst="rect">
+            <a:avLst/>
+          </a:prstGeom>
+          <a:noFill/>
+        </p:spPr>
+        <p:txBody>
+          <a:bodyPr wrap="none" rtlCol="0">
+            <a:spAutoFit/>
+          </a:bodyPr>
+          <a:lstStyle/>
+          <a:p>
+            <a:pPr algn="ctr"/>
+            <a:r>
+              <a:rPr lang="es-419" sz="1050" dirty="0" err="1">
+                <a:latin typeface="Arial" panose="020B0604020202020204" pitchFamily="34" charset="0"/>
+                <a:cs typeface="Arial" panose="020B0604020202020204" pitchFamily="34" charset="0"/>
+              </a:rPr>
+              <a:t>Template</a:t>
+            </a:r>
+            <a:r>
+              <a:rPr lang="es-419" sz="1050" dirty="0">
+                <a:latin typeface="Arial" panose="020B0604020202020204" pitchFamily="34" charset="0"/>
+                <a:cs typeface="Arial" panose="020B0604020202020204" pitchFamily="34" charset="0"/>
+              </a:rPr>
+              <a:t> manager</a:t>
+            </a:r>
+          </a:p>
+          <a:p>
+            <a:pPr algn="ctr"/>
+            <a:r>
+              <a:rPr lang="es-419" sz="1050" dirty="0">
+                <a:latin typeface="Arial" panose="020B0604020202020204" pitchFamily="34" charset="0"/>
+                <a:cs typeface="Arial" panose="020B0604020202020204" pitchFamily="34" charset="0"/>
+              </a:rPr>
+              <a:t>(C#, JAVA, PHP)</a:t>
+            </a:r>
+          </a:p>
+          <a:p>
+            <a:pPr algn="ctr"/>
+            <a:r>
+              <a:rPr lang="es-419" sz="1050" dirty="0" err="1">
+                <a:latin typeface="Arial" panose="020B0604020202020204" pitchFamily="34" charset="0"/>
+                <a:cs typeface="Arial" panose="020B0604020202020204" pitchFamily="34" charset="0"/>
+              </a:rPr>
+              <a:t>Blazor</a:t>
+            </a:r>
+            <a:endParaRPr lang="es-419" sz="1050" dirty="0">
+              <a:latin typeface="Arial" panose="020B0604020202020204" pitchFamily="34" charset="0"/>
+              <a:cs typeface="Arial" panose="020B0604020202020204" pitchFamily="34" charset="0"/>
+            </a:endParaRPr>
+          </a:p>
+        </p:txBody>
+      </p:sp>
+      <p:sp>
+        <p:nvSpPr>
+          <p:cNvPr id="56" name="Arrow: Down 55">
+            <a:extLst>
+              <a:ext uri="{FF2B5EF4-FFF2-40B4-BE49-F238E27FC236}">
+                <a16:creationId xmlns:a16="http://schemas.microsoft.com/office/drawing/2014/main" id="{DF91324A-33EA-9BA0-FBAC-E4BC952D47E7}"/>
+              </a:ext>
+            </a:extLst>
+          </p:cNvPr>
+          <p:cNvSpPr/>
+          <p:nvPr/>
+        </p:nvSpPr>
+        <p:spPr>
+          <a:xfrm>
+            <a:off x="10990385" y="1387093"/>
+            <a:ext cx="341535" cy="379114"/>
+          </a:xfrm>
+          <a:prstGeom prst="downArrow">
+            <a:avLst/>
+          </a:prstGeom>
+          <a:noFill/>
+        </p:spPr>
+        <p:style>
+          <a:lnRef idx="2">
+            <a:schemeClr val="accent1">
+              <a:shade val="15000"/>
+            </a:schemeClr>
+          </a:lnRef>
+          <a:fillRef idx="1">
+            <a:schemeClr val="accent1"/>
+          </a:fillRef>
+          <a:effectRef idx="0">
+            <a:schemeClr val="accent1"/>
+          </a:effectRef>
+          <a:fontRef idx="minor">
+            <a:schemeClr val="lt1"/>
+          </a:fontRef>
+        </p:style>
+        <p:txBody>
+          <a:bodyPr rtlCol="0" anchor="ctr"/>
+          <a:lstStyle/>
+          <a:p>
+            <a:pPr algn="ctr"/>
+            <a:endParaRPr lang="es-419"/>
+          </a:p>
+        </p:txBody>
+      </p:sp>
+      <p:sp>
+        <p:nvSpPr>
+          <p:cNvPr id="57" name="Rectangle 56">
+            <a:extLst>
+              <a:ext uri="{FF2B5EF4-FFF2-40B4-BE49-F238E27FC236}">
+                <a16:creationId xmlns:a16="http://schemas.microsoft.com/office/drawing/2014/main" id="{A388F57C-A79A-AFD5-62E4-94194F5A5D19}"/>
+              </a:ext>
+            </a:extLst>
+          </p:cNvPr>
+          <p:cNvSpPr/>
+          <p:nvPr/>
+        </p:nvSpPr>
+        <p:spPr>
+          <a:xfrm>
+            <a:off x="10506808" y="1801369"/>
+            <a:ext cx="1283678" cy="664563"/>
+          </a:xfrm>
+          <a:prstGeom prst="rect">
+            <a:avLst/>
+          </a:prstGeom>
+          <a:noFill/>
+        </p:spPr>
+        <p:style>
+          <a:lnRef idx="2">
+            <a:schemeClr val="accent1">
+              <a:shade val="15000"/>
+            </a:schemeClr>
+          </a:lnRef>
+          <a:fillRef idx="1">
+            <a:schemeClr val="accent1"/>
+          </a:fillRef>
+          <a:effectRef idx="0">
+            <a:schemeClr val="accent1"/>
+          </a:effectRef>
+          <a:fontRef idx="minor">
+            <a:schemeClr val="lt1"/>
+          </a:fontRef>
+        </p:style>
+        <p:txBody>
+          <a:bodyPr rtlCol="0" anchor="ctr"/>
+          <a:lstStyle/>
+          <a:p>
+            <a:pPr algn="ctr"/>
+            <a:endParaRPr lang="es-419" dirty="0"/>
+          </a:p>
+        </p:txBody>
+      </p:sp>
+      <p:sp>
+        <p:nvSpPr>
+          <p:cNvPr id="58" name="TextBox 57">
+            <a:extLst>
+              <a:ext uri="{FF2B5EF4-FFF2-40B4-BE49-F238E27FC236}">
+                <a16:creationId xmlns:a16="http://schemas.microsoft.com/office/drawing/2014/main" id="{29E02017-6363-C371-9ED2-504F8B626623}"/>
+              </a:ext>
+            </a:extLst>
+          </p:cNvPr>
+          <p:cNvSpPr txBox="1"/>
+          <p:nvPr/>
+        </p:nvSpPr>
+        <p:spPr>
+          <a:xfrm>
+            <a:off x="10669515" y="1978900"/>
+            <a:ext cx="992580" cy="253916"/>
+          </a:xfrm>
+          <a:prstGeom prst="rect">
+            <a:avLst/>
+          </a:prstGeom>
+          <a:noFill/>
+        </p:spPr>
+        <p:txBody>
+          <a:bodyPr wrap="none" rtlCol="0">
+            <a:spAutoFit/>
+          </a:bodyPr>
+          <a:lstStyle/>
+          <a:p>
+            <a:pPr algn="ctr"/>
+            <a:r>
+              <a:rPr lang="es-419" sz="1050" dirty="0">
+                <a:latin typeface="Arial" panose="020B0604020202020204" pitchFamily="34" charset="0"/>
+                <a:cs typeface="Arial" panose="020B0604020202020204" pitchFamily="34" charset="0"/>
+              </a:rPr>
+              <a:t>Output HTML</a:t>
+            </a:r>
+          </a:p>
+        </p:txBody>
+      </p:sp>
+      <p:cxnSp>
+        <p:nvCxnSpPr>
+          <p:cNvPr id="59" name="Connector: Curved 58">
+            <a:extLst>
+              <a:ext uri="{FF2B5EF4-FFF2-40B4-BE49-F238E27FC236}">
+                <a16:creationId xmlns:a16="http://schemas.microsoft.com/office/drawing/2014/main" id="{D69CD905-E364-EC18-6CD1-5F319EF6C163}"/>
+              </a:ext>
+            </a:extLst>
+          </p:cNvPr>
+          <p:cNvCxnSpPr>
+            <a:cxnSpLocks/>
+          </p:cNvCxnSpPr>
+          <p:nvPr/>
+        </p:nvCxnSpPr>
+        <p:spPr>
+          <a:xfrm rot="10800000">
+            <a:off x="6310909" y="4842095"/>
+            <a:ext cx="1681793" cy="905348"/>
+          </a:xfrm>
+          <a:prstGeom prst="curvedConnector2">
+            <a:avLst/>
+          </a:prstGeom>
+          <a:ln>
+            <a:tailEnd type="triangle"/>
+          </a:ln>
+        </p:spPr>
+        <p:style>
+          <a:lnRef idx="1">
+            <a:schemeClr val="accent1"/>
+          </a:lnRef>
+          <a:fillRef idx="0">
+            <a:schemeClr val="accent1"/>
+          </a:fillRef>
+          <a:effectRef idx="0">
+            <a:schemeClr val="accent1"/>
+          </a:effectRef>
+          <a:fontRef idx="minor">
+            <a:schemeClr val="tx1"/>
+          </a:fontRef>
+        </p:style>
+      </p:cxnSp>
+      <p:sp>
+        <p:nvSpPr>
+          <p:cNvPr id="60" name="TextBox 59">
+            <a:extLst>
+              <a:ext uri="{FF2B5EF4-FFF2-40B4-BE49-F238E27FC236}">
+                <a16:creationId xmlns:a16="http://schemas.microsoft.com/office/drawing/2014/main" id="{70F451A0-064E-8C88-B12A-4DD2E9D7D7F4}"/>
+              </a:ext>
+            </a:extLst>
+          </p:cNvPr>
+          <p:cNvSpPr txBox="1"/>
+          <p:nvPr/>
+        </p:nvSpPr>
+        <p:spPr>
+          <a:xfrm>
+            <a:off x="10821915" y="2131300"/>
+            <a:ext cx="992580" cy="253916"/>
+          </a:xfrm>
+          <a:prstGeom prst="rect">
+            <a:avLst/>
+          </a:prstGeom>
+          <a:noFill/>
+        </p:spPr>
+        <p:txBody>
+          <a:bodyPr wrap="none" rtlCol="0">
+            <a:spAutoFit/>
+          </a:bodyPr>
+          <a:lstStyle/>
+          <a:p>
+            <a:pPr algn="ctr"/>
+            <a:r>
+              <a:rPr lang="es-419" sz="1050" dirty="0">
+                <a:latin typeface="Arial" panose="020B0604020202020204" pitchFamily="34" charset="0"/>
+                <a:cs typeface="Arial" panose="020B0604020202020204" pitchFamily="34" charset="0"/>
+              </a:rPr>
+              <a:t>Output HTML</a:t>
+            </a:r>
+          </a:p>
+        </p:txBody>
+      </p:sp>
+    </p:spTree>
+    <p:extLst>
+      <p:ext uri="{BB962C8B-B14F-4D97-AF65-F5344CB8AC3E}">
+        <p14:creationId xmlns:p14="http://schemas.microsoft.com/office/powerpoint/2010/main" val="2624439974"/>
       </p:ext>
     </p:extLst>
   </p:cSld>
